--- a/assets/images/Logo.png.pptx
+++ b/assets/images/Logo.png.pptx
@@ -104,6 +104,11 @@
       </a:defRPr>
     </a:lvl9pPr>
   </p:defaultTextStyle>
+  <p:extLst>
+    <p:ext uri="{EFAFB233-063F-42B5-8137-9DF3F51BA10A}">
+      <p15:sldGuideLst xmlns:p15="http://schemas.microsoft.com/office/powerpoint/2012/main"/>
+    </p:ext>
+  </p:extLst>
 </p:presentation>
 </file>
 
@@ -2974,868 +2979,7860 @@
           <a:chExt cx="0" cy="0"/>
         </a:xfrm>
       </p:grpSpPr>
-      <p:sp>
-        <p:nvSpPr>
-          <p:cNvPr id="100" name="Flowchart: Decision 99">
+      <p:pic>
+        <p:nvPicPr>
+          <p:cNvPr id="7" name="Picture 6">
             <a:extLst>
               <a:ext uri="{FF2B5EF4-FFF2-40B4-BE49-F238E27FC236}">
-                <a16:creationId xmlns:a16="http://schemas.microsoft.com/office/drawing/2014/main" id="{02480EAE-2CD9-4512-8AEE-700A5716336E}"/>
+                <a16:creationId xmlns:a16="http://schemas.microsoft.com/office/drawing/2014/main" id="{C7623F3B-0571-415F-9B32-94FC97BF5136}"/>
               </a:ext>
             </a:extLst>
           </p:cNvPr>
-          <p:cNvSpPr/>
+          <p:cNvPicPr>
+            <a:picLocks noChangeAspect="1"/>
+          </p:cNvPicPr>
           <p:nvPr/>
-        </p:nvSpPr>
+        </p:nvPicPr>
+        <p:blipFill>
+          <a:blip r:embed="rId2">
+            <a:extLst>
+              <a:ext uri="{28A0092B-C50C-407E-A947-70E740481C1C}">
+                <a14:useLocalDpi xmlns:a14="http://schemas.microsoft.com/office/drawing/2010/main" val="0"/>
+              </a:ext>
+            </a:extLst>
+          </a:blip>
+          <a:stretch>
+            <a:fillRect/>
+          </a:stretch>
+        </p:blipFill>
         <p:spPr>
           <a:xfrm>
-            <a:off x="4973281" y="677973"/>
-            <a:ext cx="3013788" cy="1240973"/>
+            <a:off x="5048583" y="417469"/>
+            <a:ext cx="2863184" cy="2555433"/>
           </a:xfrm>
-          <a:prstGeom prst="flowChartDecision">
+          <a:prstGeom prst="rect">
             <a:avLst/>
           </a:prstGeom>
-          <a:noFill/>
-          <a:ln>
-            <a:solidFill>
-              <a:srgbClr val="60C495"/>
-            </a:solidFill>
-          </a:ln>
         </p:spPr>
-        <p:style>
-          <a:lnRef idx="2">
-            <a:schemeClr val="accent1">
-              <a:shade val="50000"/>
-            </a:schemeClr>
-          </a:lnRef>
-          <a:fillRef idx="1">
-            <a:schemeClr val="accent1"/>
-          </a:fillRef>
-          <a:effectRef idx="0">
-            <a:schemeClr val="accent1"/>
-          </a:effectRef>
-          <a:fontRef idx="minor">
-            <a:schemeClr val="lt1"/>
-          </a:fontRef>
-        </p:style>
-        <p:txBody>
-          <a:bodyPr rot="0" spcFirstLastPara="0" vertOverflow="overflow" horzOverflow="overflow" vert="horz" wrap="square" lIns="91440" tIns="45722" rIns="91440" bIns="45722" numCol="1" spcCol="0" rtlCol="0" fromWordArt="0" anchor="ctr" anchorCtr="0" forceAA="0" compatLnSpc="1">
-            <a:prstTxWarp prst="textNoShape">
-              <a:avLst/>
-            </a:prstTxWarp>
-            <a:noAutofit/>
-          </a:bodyPr>
-          <a:lstStyle/>
-          <a:p>
-            <a:pPr algn="ctr"/>
-            <a:endParaRPr lang="en-US" sz="1799"/>
-          </a:p>
-        </p:txBody>
-      </p:sp>
-      <p:cxnSp>
-        <p:nvCxnSpPr>
-          <p:cNvPr id="101" name="Straight Connector 100">
+      </p:pic>
+      <p:grpSp>
+        <p:nvGrpSpPr>
+          <p:cNvPr id="8" name="Group 7">
             <a:extLst>
               <a:ext uri="{FF2B5EF4-FFF2-40B4-BE49-F238E27FC236}">
-                <a16:creationId xmlns:a16="http://schemas.microsoft.com/office/drawing/2014/main" id="{0936899E-A021-4C7B-AA12-44BC91805F86}"/>
+                <a16:creationId xmlns:a16="http://schemas.microsoft.com/office/drawing/2014/main" id="{56043089-C930-4591-8AF0-A1D21AE178CE}"/>
               </a:ext>
             </a:extLst>
           </p:cNvPr>
-          <p:cNvCxnSpPr>
-            <a:cxnSpLocks/>
-          </p:cNvCxnSpPr>
+          <p:cNvGrpSpPr/>
           <p:nvPr/>
-        </p:nvCxnSpPr>
-        <p:spPr>
+        </p:nvGrpSpPr>
+        <p:grpSpPr>
           <a:xfrm>
-            <a:off x="5579768" y="1552718"/>
-            <a:ext cx="0" cy="518159"/>
+            <a:off x="1567799" y="4520354"/>
+            <a:ext cx="3610512" cy="4299926"/>
+            <a:chOff x="1567799" y="4520354"/>
+            <a:chExt cx="3610512" cy="4299926"/>
           </a:xfrm>
-          <a:prstGeom prst="line">
-            <a:avLst/>
-          </a:prstGeom>
-          <a:ln>
-            <a:solidFill>
-              <a:srgbClr val="60C495"/>
-            </a:solidFill>
-          </a:ln>
-        </p:spPr>
-        <p:style>
-          <a:lnRef idx="1">
-            <a:schemeClr val="accent1"/>
-          </a:lnRef>
-          <a:fillRef idx="0">
-            <a:schemeClr val="accent1"/>
-          </a:fillRef>
-          <a:effectRef idx="0">
-            <a:schemeClr val="accent1"/>
-          </a:effectRef>
-          <a:fontRef idx="minor">
-            <a:schemeClr val="tx1"/>
-          </a:fontRef>
-        </p:style>
-      </p:cxnSp>
-      <p:cxnSp>
-        <p:nvCxnSpPr>
-          <p:cNvPr id="102" name="Straight Connector 101">
+        </p:grpSpPr>
+        <p:sp>
+          <p:nvSpPr>
+            <p:cNvPr id="2" name="Pentagon 1">
+              <a:extLst>
+                <a:ext uri="{FF2B5EF4-FFF2-40B4-BE49-F238E27FC236}">
+                  <a16:creationId xmlns:a16="http://schemas.microsoft.com/office/drawing/2014/main" id="{80EFDD2E-21A3-4754-8393-1B8A4324D569}"/>
+                </a:ext>
+              </a:extLst>
+            </p:cNvPr>
+            <p:cNvSpPr/>
+            <p:nvPr/>
+          </p:nvSpPr>
+          <p:spPr>
+            <a:xfrm>
+              <a:off x="1567803" y="7235637"/>
+              <a:ext cx="259459" cy="259460"/>
+            </a:xfrm>
+            <a:prstGeom prst="pentagon">
+              <a:avLst/>
+            </a:prstGeom>
+            <a:solidFill>
+              <a:srgbClr val="60C495"/>
+            </a:solidFill>
+            <a:ln>
+              <a:solidFill>
+                <a:srgbClr val="60C495"/>
+              </a:solidFill>
+            </a:ln>
+          </p:spPr>
+          <p:style>
+            <a:lnRef idx="2">
+              <a:schemeClr val="accent1">
+                <a:shade val="50000"/>
+              </a:schemeClr>
+            </a:lnRef>
+            <a:fillRef idx="1">
+              <a:schemeClr val="accent1"/>
+            </a:fillRef>
+            <a:effectRef idx="0">
+              <a:schemeClr val="accent1"/>
+            </a:effectRef>
+            <a:fontRef idx="minor">
+              <a:schemeClr val="lt1"/>
+            </a:fontRef>
+          </p:style>
+          <p:txBody>
+            <a:bodyPr rtlCol="0" anchor="ctr"/>
+            <a:lstStyle/>
+            <a:p>
+              <a:pPr algn="ctr"/>
+              <a:endParaRPr lang="en-US"/>
+            </a:p>
+          </p:txBody>
+        </p:sp>
+        <p:sp>
+          <p:nvSpPr>
+            <p:cNvPr id="19" name="Pentagon 18">
+              <a:extLst>
+                <a:ext uri="{FF2B5EF4-FFF2-40B4-BE49-F238E27FC236}">
+                  <a16:creationId xmlns:a16="http://schemas.microsoft.com/office/drawing/2014/main" id="{D4151BA3-3E98-4FCD-AAE3-7833B57C35BC}"/>
+                </a:ext>
+              </a:extLst>
+            </p:cNvPr>
+            <p:cNvSpPr/>
+            <p:nvPr/>
+          </p:nvSpPr>
+          <p:spPr>
+            <a:xfrm>
+              <a:off x="1567803" y="5240040"/>
+              <a:ext cx="259459" cy="259460"/>
+            </a:xfrm>
+            <a:prstGeom prst="pentagon">
+              <a:avLst/>
+            </a:prstGeom>
+            <a:solidFill>
+              <a:srgbClr val="60C495"/>
+            </a:solidFill>
+            <a:ln>
+              <a:solidFill>
+                <a:srgbClr val="60C495"/>
+              </a:solidFill>
+            </a:ln>
+          </p:spPr>
+          <p:style>
+            <a:lnRef idx="2">
+              <a:schemeClr val="accent1">
+                <a:shade val="50000"/>
+              </a:schemeClr>
+            </a:lnRef>
+            <a:fillRef idx="1">
+              <a:schemeClr val="accent1"/>
+            </a:fillRef>
+            <a:effectRef idx="0">
+              <a:schemeClr val="accent1"/>
+            </a:effectRef>
+            <a:fontRef idx="minor">
+              <a:schemeClr val="lt1"/>
+            </a:fontRef>
+          </p:style>
+          <p:txBody>
+            <a:bodyPr rtlCol="0" anchor="ctr"/>
+            <a:lstStyle/>
+            <a:p>
+              <a:pPr algn="ctr"/>
+              <a:endParaRPr lang="en-US"/>
+            </a:p>
+          </p:txBody>
+        </p:sp>
+        <p:sp>
+          <p:nvSpPr>
+            <p:cNvPr id="20" name="Pentagon 19">
+              <a:extLst>
+                <a:ext uri="{FF2B5EF4-FFF2-40B4-BE49-F238E27FC236}">
+                  <a16:creationId xmlns:a16="http://schemas.microsoft.com/office/drawing/2014/main" id="{1D124059-5904-480A-B129-FCCDF34038D1}"/>
+                </a:ext>
+              </a:extLst>
+            </p:cNvPr>
+            <p:cNvSpPr/>
+            <p:nvPr/>
+          </p:nvSpPr>
+          <p:spPr>
+            <a:xfrm>
+              <a:off x="1567803" y="5639159"/>
+              <a:ext cx="259459" cy="259460"/>
+            </a:xfrm>
+            <a:prstGeom prst="pentagon">
+              <a:avLst/>
+            </a:prstGeom>
+            <a:solidFill>
+              <a:srgbClr val="60C495"/>
+            </a:solidFill>
+            <a:ln>
+              <a:solidFill>
+                <a:srgbClr val="60C495"/>
+              </a:solidFill>
+            </a:ln>
+          </p:spPr>
+          <p:style>
+            <a:lnRef idx="2">
+              <a:schemeClr val="accent1">
+                <a:shade val="50000"/>
+              </a:schemeClr>
+            </a:lnRef>
+            <a:fillRef idx="1">
+              <a:schemeClr val="accent1"/>
+            </a:fillRef>
+            <a:effectRef idx="0">
+              <a:schemeClr val="accent1"/>
+            </a:effectRef>
+            <a:fontRef idx="minor">
+              <a:schemeClr val="lt1"/>
+            </a:fontRef>
+          </p:style>
+          <p:txBody>
+            <a:bodyPr rtlCol="0" anchor="ctr"/>
+            <a:lstStyle/>
+            <a:p>
+              <a:pPr algn="ctr"/>
+              <a:endParaRPr lang="en-US"/>
+            </a:p>
+          </p:txBody>
+        </p:sp>
+        <p:sp>
+          <p:nvSpPr>
+            <p:cNvPr id="21" name="Pentagon 20">
+              <a:extLst>
+                <a:ext uri="{FF2B5EF4-FFF2-40B4-BE49-F238E27FC236}">
+                  <a16:creationId xmlns:a16="http://schemas.microsoft.com/office/drawing/2014/main" id="{542ABA08-56A0-426C-84BE-F6DF621CA808}"/>
+                </a:ext>
+              </a:extLst>
+            </p:cNvPr>
+            <p:cNvSpPr/>
+            <p:nvPr/>
+          </p:nvSpPr>
+          <p:spPr>
+            <a:xfrm>
+              <a:off x="1567803" y="6038279"/>
+              <a:ext cx="259459" cy="259460"/>
+            </a:xfrm>
+            <a:prstGeom prst="pentagon">
+              <a:avLst/>
+            </a:prstGeom>
+            <a:solidFill>
+              <a:srgbClr val="60C495"/>
+            </a:solidFill>
+            <a:ln>
+              <a:solidFill>
+                <a:srgbClr val="60C495"/>
+              </a:solidFill>
+            </a:ln>
+          </p:spPr>
+          <p:style>
+            <a:lnRef idx="2">
+              <a:schemeClr val="accent1">
+                <a:shade val="50000"/>
+              </a:schemeClr>
+            </a:lnRef>
+            <a:fillRef idx="1">
+              <a:schemeClr val="accent1"/>
+            </a:fillRef>
+            <a:effectRef idx="0">
+              <a:schemeClr val="accent1"/>
+            </a:effectRef>
+            <a:fontRef idx="minor">
+              <a:schemeClr val="lt1"/>
+            </a:fontRef>
+          </p:style>
+          <p:txBody>
+            <a:bodyPr rtlCol="0" anchor="ctr"/>
+            <a:lstStyle/>
+            <a:p>
+              <a:pPr algn="ctr"/>
+              <a:endParaRPr lang="en-US"/>
+            </a:p>
+          </p:txBody>
+        </p:sp>
+        <p:sp>
+          <p:nvSpPr>
+            <p:cNvPr id="22" name="Pentagon 21">
+              <a:extLst>
+                <a:ext uri="{FF2B5EF4-FFF2-40B4-BE49-F238E27FC236}">
+                  <a16:creationId xmlns:a16="http://schemas.microsoft.com/office/drawing/2014/main" id="{3F3F049B-1A89-427C-A73D-039536FD470F}"/>
+                </a:ext>
+              </a:extLst>
+            </p:cNvPr>
+            <p:cNvSpPr/>
+            <p:nvPr/>
+          </p:nvSpPr>
+          <p:spPr>
+            <a:xfrm>
+              <a:off x="1567803" y="6437398"/>
+              <a:ext cx="259459" cy="259460"/>
+            </a:xfrm>
+            <a:prstGeom prst="pentagon">
+              <a:avLst/>
+            </a:prstGeom>
+            <a:solidFill>
+              <a:srgbClr val="60C495"/>
+            </a:solidFill>
+            <a:ln>
+              <a:solidFill>
+                <a:srgbClr val="60C495"/>
+              </a:solidFill>
+            </a:ln>
+          </p:spPr>
+          <p:style>
+            <a:lnRef idx="2">
+              <a:schemeClr val="accent1">
+                <a:shade val="50000"/>
+              </a:schemeClr>
+            </a:lnRef>
+            <a:fillRef idx="1">
+              <a:schemeClr val="accent1"/>
+            </a:fillRef>
+            <a:effectRef idx="0">
+              <a:schemeClr val="accent1"/>
+            </a:effectRef>
+            <a:fontRef idx="minor">
+              <a:schemeClr val="lt1"/>
+            </a:fontRef>
+          </p:style>
+          <p:txBody>
+            <a:bodyPr rtlCol="0" anchor="ctr"/>
+            <a:lstStyle/>
+            <a:p>
+              <a:pPr algn="ctr"/>
+              <a:endParaRPr lang="en-US"/>
+            </a:p>
+          </p:txBody>
+        </p:sp>
+        <p:sp>
+          <p:nvSpPr>
+            <p:cNvPr id="23" name="Pentagon 22">
+              <a:extLst>
+                <a:ext uri="{FF2B5EF4-FFF2-40B4-BE49-F238E27FC236}">
+                  <a16:creationId xmlns:a16="http://schemas.microsoft.com/office/drawing/2014/main" id="{4F005CB6-1DAB-49BE-BC58-685CD6D09173}"/>
+                </a:ext>
+              </a:extLst>
+            </p:cNvPr>
+            <p:cNvSpPr/>
+            <p:nvPr/>
+          </p:nvSpPr>
+          <p:spPr>
+            <a:xfrm>
+              <a:off x="1567803" y="6836517"/>
+              <a:ext cx="259459" cy="259460"/>
+            </a:xfrm>
+            <a:prstGeom prst="pentagon">
+              <a:avLst/>
+            </a:prstGeom>
+            <a:solidFill>
+              <a:srgbClr val="60C495"/>
+            </a:solidFill>
+            <a:ln>
+              <a:solidFill>
+                <a:srgbClr val="60C495"/>
+              </a:solidFill>
+            </a:ln>
+          </p:spPr>
+          <p:style>
+            <a:lnRef idx="2">
+              <a:schemeClr val="accent1">
+                <a:shade val="50000"/>
+              </a:schemeClr>
+            </a:lnRef>
+            <a:fillRef idx="1">
+              <a:schemeClr val="accent1"/>
+            </a:fillRef>
+            <a:effectRef idx="0">
+              <a:schemeClr val="accent1"/>
+            </a:effectRef>
+            <a:fontRef idx="minor">
+              <a:schemeClr val="lt1"/>
+            </a:fontRef>
+          </p:style>
+          <p:txBody>
+            <a:bodyPr rtlCol="0" anchor="ctr"/>
+            <a:lstStyle/>
+            <a:p>
+              <a:pPr algn="ctr"/>
+              <a:endParaRPr lang="en-US"/>
+            </a:p>
+          </p:txBody>
+        </p:sp>
+        <p:sp>
+          <p:nvSpPr>
+            <p:cNvPr id="24" name="Pentagon 23">
+              <a:extLst>
+                <a:ext uri="{FF2B5EF4-FFF2-40B4-BE49-F238E27FC236}">
+                  <a16:creationId xmlns:a16="http://schemas.microsoft.com/office/drawing/2014/main" id="{06D4E0F6-77B5-452A-856B-706B11C2BB19}"/>
+                </a:ext>
+              </a:extLst>
+            </p:cNvPr>
+            <p:cNvSpPr/>
+            <p:nvPr/>
+          </p:nvSpPr>
+          <p:spPr>
+            <a:xfrm>
+              <a:off x="1567803" y="7634756"/>
+              <a:ext cx="259459" cy="259460"/>
+            </a:xfrm>
+            <a:prstGeom prst="pentagon">
+              <a:avLst/>
+            </a:prstGeom>
+            <a:solidFill>
+              <a:srgbClr val="60C495"/>
+            </a:solidFill>
+            <a:ln>
+              <a:solidFill>
+                <a:srgbClr val="60C495"/>
+              </a:solidFill>
+            </a:ln>
+          </p:spPr>
+          <p:style>
+            <a:lnRef idx="2">
+              <a:schemeClr val="accent1">
+                <a:shade val="50000"/>
+              </a:schemeClr>
+            </a:lnRef>
+            <a:fillRef idx="1">
+              <a:schemeClr val="accent1"/>
+            </a:fillRef>
+            <a:effectRef idx="0">
+              <a:schemeClr val="accent1"/>
+            </a:effectRef>
+            <a:fontRef idx="minor">
+              <a:schemeClr val="lt1"/>
+            </a:fontRef>
+          </p:style>
+          <p:txBody>
+            <a:bodyPr rtlCol="0" anchor="ctr"/>
+            <a:lstStyle/>
+            <a:p>
+              <a:pPr algn="ctr"/>
+              <a:endParaRPr lang="en-US"/>
+            </a:p>
+          </p:txBody>
+        </p:sp>
+        <p:sp>
+          <p:nvSpPr>
+            <p:cNvPr id="32" name="Pentagon 31">
+              <a:extLst>
+                <a:ext uri="{FF2B5EF4-FFF2-40B4-BE49-F238E27FC236}">
+                  <a16:creationId xmlns:a16="http://schemas.microsoft.com/office/drawing/2014/main" id="{C8A96832-F197-4D96-9591-5B86BAB87948}"/>
+                </a:ext>
+              </a:extLst>
+            </p:cNvPr>
+            <p:cNvSpPr/>
+            <p:nvPr/>
+          </p:nvSpPr>
+          <p:spPr>
+            <a:xfrm rot="2125229">
+              <a:off x="1878441" y="7365367"/>
+              <a:ext cx="259459" cy="259460"/>
+            </a:xfrm>
+            <a:prstGeom prst="pentagon">
+              <a:avLst/>
+            </a:prstGeom>
+            <a:solidFill>
+              <a:srgbClr val="60C495"/>
+            </a:solidFill>
+            <a:ln>
+              <a:solidFill>
+                <a:srgbClr val="60C495"/>
+              </a:solidFill>
+            </a:ln>
+          </p:spPr>
+          <p:style>
+            <a:lnRef idx="2">
+              <a:schemeClr val="accent1">
+                <a:shade val="50000"/>
+              </a:schemeClr>
+            </a:lnRef>
+            <a:fillRef idx="1">
+              <a:schemeClr val="accent1"/>
+            </a:fillRef>
+            <a:effectRef idx="0">
+              <a:schemeClr val="accent1"/>
+            </a:effectRef>
+            <a:fontRef idx="minor">
+              <a:schemeClr val="lt1"/>
+            </a:fontRef>
+          </p:style>
+          <p:txBody>
+            <a:bodyPr rtlCol="0" anchor="ctr"/>
+            <a:lstStyle/>
+            <a:p>
+              <a:pPr algn="ctr"/>
+              <a:endParaRPr lang="en-US"/>
+            </a:p>
+          </p:txBody>
+        </p:sp>
+        <p:sp>
+          <p:nvSpPr>
+            <p:cNvPr id="33" name="Pentagon 32">
+              <a:extLst>
+                <a:ext uri="{FF2B5EF4-FFF2-40B4-BE49-F238E27FC236}">
+                  <a16:creationId xmlns:a16="http://schemas.microsoft.com/office/drawing/2014/main" id="{CA16DC00-EBA9-4006-95C9-DF13D65B2D02}"/>
+                </a:ext>
+              </a:extLst>
+            </p:cNvPr>
+            <p:cNvSpPr/>
+            <p:nvPr/>
+          </p:nvSpPr>
+          <p:spPr>
+            <a:xfrm rot="2125229">
+              <a:off x="1878441" y="5369770"/>
+              <a:ext cx="259459" cy="259460"/>
+            </a:xfrm>
+            <a:prstGeom prst="pentagon">
+              <a:avLst/>
+            </a:prstGeom>
+            <a:solidFill>
+              <a:srgbClr val="60C495"/>
+            </a:solidFill>
+            <a:ln>
+              <a:solidFill>
+                <a:srgbClr val="60C495"/>
+              </a:solidFill>
+            </a:ln>
+          </p:spPr>
+          <p:style>
+            <a:lnRef idx="2">
+              <a:schemeClr val="accent1">
+                <a:shade val="50000"/>
+              </a:schemeClr>
+            </a:lnRef>
+            <a:fillRef idx="1">
+              <a:schemeClr val="accent1"/>
+            </a:fillRef>
+            <a:effectRef idx="0">
+              <a:schemeClr val="accent1"/>
+            </a:effectRef>
+            <a:fontRef idx="minor">
+              <a:schemeClr val="lt1"/>
+            </a:fontRef>
+          </p:style>
+          <p:txBody>
+            <a:bodyPr rtlCol="0" anchor="ctr"/>
+            <a:lstStyle/>
+            <a:p>
+              <a:pPr algn="ctr"/>
+              <a:endParaRPr lang="en-US"/>
+            </a:p>
+          </p:txBody>
+        </p:sp>
+        <p:sp>
+          <p:nvSpPr>
+            <p:cNvPr id="34" name="Pentagon 33">
+              <a:extLst>
+                <a:ext uri="{FF2B5EF4-FFF2-40B4-BE49-F238E27FC236}">
+                  <a16:creationId xmlns:a16="http://schemas.microsoft.com/office/drawing/2014/main" id="{8F674090-2050-4A41-B204-E0EA0EB00CB5}"/>
+                </a:ext>
+              </a:extLst>
+            </p:cNvPr>
+            <p:cNvSpPr/>
+            <p:nvPr/>
+          </p:nvSpPr>
+          <p:spPr>
+            <a:xfrm rot="2125229">
+              <a:off x="1878441" y="5768890"/>
+              <a:ext cx="259459" cy="259460"/>
+            </a:xfrm>
+            <a:prstGeom prst="pentagon">
+              <a:avLst/>
+            </a:prstGeom>
+            <a:solidFill>
+              <a:srgbClr val="60C495"/>
+            </a:solidFill>
+            <a:ln>
+              <a:solidFill>
+                <a:srgbClr val="60C495"/>
+              </a:solidFill>
+            </a:ln>
+          </p:spPr>
+          <p:style>
+            <a:lnRef idx="2">
+              <a:schemeClr val="accent1">
+                <a:shade val="50000"/>
+              </a:schemeClr>
+            </a:lnRef>
+            <a:fillRef idx="1">
+              <a:schemeClr val="accent1"/>
+            </a:fillRef>
+            <a:effectRef idx="0">
+              <a:schemeClr val="accent1"/>
+            </a:effectRef>
+            <a:fontRef idx="minor">
+              <a:schemeClr val="lt1"/>
+            </a:fontRef>
+          </p:style>
+          <p:txBody>
+            <a:bodyPr rtlCol="0" anchor="ctr"/>
+            <a:lstStyle/>
+            <a:p>
+              <a:pPr algn="ctr"/>
+              <a:endParaRPr lang="en-US"/>
+            </a:p>
+          </p:txBody>
+        </p:sp>
+        <p:sp>
+          <p:nvSpPr>
+            <p:cNvPr id="35" name="Pentagon 34">
+              <a:extLst>
+                <a:ext uri="{FF2B5EF4-FFF2-40B4-BE49-F238E27FC236}">
+                  <a16:creationId xmlns:a16="http://schemas.microsoft.com/office/drawing/2014/main" id="{F318CBD9-B2D1-435B-9A55-CE9B46BEBCA3}"/>
+                </a:ext>
+              </a:extLst>
+            </p:cNvPr>
+            <p:cNvSpPr/>
+            <p:nvPr/>
+          </p:nvSpPr>
+          <p:spPr>
+            <a:xfrm rot="2125229">
+              <a:off x="1878441" y="6168009"/>
+              <a:ext cx="259459" cy="259460"/>
+            </a:xfrm>
+            <a:prstGeom prst="pentagon">
+              <a:avLst/>
+            </a:prstGeom>
+            <a:solidFill>
+              <a:srgbClr val="60C495"/>
+            </a:solidFill>
+            <a:ln>
+              <a:solidFill>
+                <a:srgbClr val="60C495"/>
+              </a:solidFill>
+            </a:ln>
+          </p:spPr>
+          <p:style>
+            <a:lnRef idx="2">
+              <a:schemeClr val="accent1">
+                <a:shade val="50000"/>
+              </a:schemeClr>
+            </a:lnRef>
+            <a:fillRef idx="1">
+              <a:schemeClr val="accent1"/>
+            </a:fillRef>
+            <a:effectRef idx="0">
+              <a:schemeClr val="accent1"/>
+            </a:effectRef>
+            <a:fontRef idx="minor">
+              <a:schemeClr val="lt1"/>
+            </a:fontRef>
+          </p:style>
+          <p:txBody>
+            <a:bodyPr rtlCol="0" anchor="ctr"/>
+            <a:lstStyle/>
+            <a:p>
+              <a:pPr algn="ctr"/>
+              <a:endParaRPr lang="en-US"/>
+            </a:p>
+          </p:txBody>
+        </p:sp>
+        <p:sp>
+          <p:nvSpPr>
+            <p:cNvPr id="36" name="Pentagon 35">
+              <a:extLst>
+                <a:ext uri="{FF2B5EF4-FFF2-40B4-BE49-F238E27FC236}">
+                  <a16:creationId xmlns:a16="http://schemas.microsoft.com/office/drawing/2014/main" id="{F25CA4F5-A95D-421A-B61A-5EEDD2512603}"/>
+                </a:ext>
+              </a:extLst>
+            </p:cNvPr>
+            <p:cNvSpPr/>
+            <p:nvPr/>
+          </p:nvSpPr>
+          <p:spPr>
+            <a:xfrm rot="2125229">
+              <a:off x="1878441" y="6567128"/>
+              <a:ext cx="259459" cy="259460"/>
+            </a:xfrm>
+            <a:prstGeom prst="pentagon">
+              <a:avLst/>
+            </a:prstGeom>
+            <a:solidFill>
+              <a:srgbClr val="60C495"/>
+            </a:solidFill>
+            <a:ln>
+              <a:solidFill>
+                <a:srgbClr val="60C495"/>
+              </a:solidFill>
+            </a:ln>
+          </p:spPr>
+          <p:style>
+            <a:lnRef idx="2">
+              <a:schemeClr val="accent1">
+                <a:shade val="50000"/>
+              </a:schemeClr>
+            </a:lnRef>
+            <a:fillRef idx="1">
+              <a:schemeClr val="accent1"/>
+            </a:fillRef>
+            <a:effectRef idx="0">
+              <a:schemeClr val="accent1"/>
+            </a:effectRef>
+            <a:fontRef idx="minor">
+              <a:schemeClr val="lt1"/>
+            </a:fontRef>
+          </p:style>
+          <p:txBody>
+            <a:bodyPr rtlCol="0" anchor="ctr"/>
+            <a:lstStyle/>
+            <a:p>
+              <a:pPr algn="ctr"/>
+              <a:endParaRPr lang="en-US"/>
+            </a:p>
+          </p:txBody>
+        </p:sp>
+        <p:sp>
+          <p:nvSpPr>
+            <p:cNvPr id="37" name="Pentagon 36">
+              <a:extLst>
+                <a:ext uri="{FF2B5EF4-FFF2-40B4-BE49-F238E27FC236}">
+                  <a16:creationId xmlns:a16="http://schemas.microsoft.com/office/drawing/2014/main" id="{9BB1E892-FFB2-4B9C-8D9F-16A9C4C02EEA}"/>
+                </a:ext>
+              </a:extLst>
+            </p:cNvPr>
+            <p:cNvSpPr/>
+            <p:nvPr/>
+          </p:nvSpPr>
+          <p:spPr>
+            <a:xfrm rot="2125229">
+              <a:off x="1878441" y="6966247"/>
+              <a:ext cx="259459" cy="259460"/>
+            </a:xfrm>
+            <a:prstGeom prst="pentagon">
+              <a:avLst/>
+            </a:prstGeom>
+            <a:solidFill>
+              <a:srgbClr val="60C495"/>
+            </a:solidFill>
+            <a:ln>
+              <a:solidFill>
+                <a:srgbClr val="60C495"/>
+              </a:solidFill>
+            </a:ln>
+          </p:spPr>
+          <p:style>
+            <a:lnRef idx="2">
+              <a:schemeClr val="accent1">
+                <a:shade val="50000"/>
+              </a:schemeClr>
+            </a:lnRef>
+            <a:fillRef idx="1">
+              <a:schemeClr val="accent1"/>
+            </a:fillRef>
+            <a:effectRef idx="0">
+              <a:schemeClr val="accent1"/>
+            </a:effectRef>
+            <a:fontRef idx="minor">
+              <a:schemeClr val="lt1"/>
+            </a:fontRef>
+          </p:style>
+          <p:txBody>
+            <a:bodyPr rtlCol="0" anchor="ctr"/>
+            <a:lstStyle/>
+            <a:p>
+              <a:pPr algn="ctr"/>
+              <a:endParaRPr lang="en-US"/>
+            </a:p>
+          </p:txBody>
+        </p:sp>
+        <p:sp>
+          <p:nvSpPr>
+            <p:cNvPr id="38" name="Pentagon 37">
+              <a:extLst>
+                <a:ext uri="{FF2B5EF4-FFF2-40B4-BE49-F238E27FC236}">
+                  <a16:creationId xmlns:a16="http://schemas.microsoft.com/office/drawing/2014/main" id="{907194BF-ABFA-4F5A-9458-FDEC19E08519}"/>
+                </a:ext>
+              </a:extLst>
+            </p:cNvPr>
+            <p:cNvSpPr/>
+            <p:nvPr/>
+          </p:nvSpPr>
+          <p:spPr>
+            <a:xfrm rot="2125229">
+              <a:off x="1878441" y="7764486"/>
+              <a:ext cx="259459" cy="259460"/>
+            </a:xfrm>
+            <a:prstGeom prst="pentagon">
+              <a:avLst/>
+            </a:prstGeom>
+            <a:solidFill>
+              <a:srgbClr val="60C495"/>
+            </a:solidFill>
+            <a:ln>
+              <a:solidFill>
+                <a:srgbClr val="60C495"/>
+              </a:solidFill>
+            </a:ln>
+          </p:spPr>
+          <p:style>
+            <a:lnRef idx="2">
+              <a:schemeClr val="accent1">
+                <a:shade val="50000"/>
+              </a:schemeClr>
+            </a:lnRef>
+            <a:fillRef idx="1">
+              <a:schemeClr val="accent1"/>
+            </a:fillRef>
+            <a:effectRef idx="0">
+              <a:schemeClr val="accent1"/>
+            </a:effectRef>
+            <a:fontRef idx="minor">
+              <a:schemeClr val="lt1"/>
+            </a:fontRef>
+          </p:style>
+          <p:txBody>
+            <a:bodyPr rtlCol="0" anchor="ctr"/>
+            <a:lstStyle/>
+            <a:p>
+              <a:pPr algn="ctr"/>
+              <a:endParaRPr lang="en-US"/>
+            </a:p>
+          </p:txBody>
+        </p:sp>
+        <p:sp>
+          <p:nvSpPr>
+            <p:cNvPr id="39" name="Pentagon 38">
+              <a:extLst>
+                <a:ext uri="{FF2B5EF4-FFF2-40B4-BE49-F238E27FC236}">
+                  <a16:creationId xmlns:a16="http://schemas.microsoft.com/office/drawing/2014/main" id="{A4CB7311-FD02-4F25-B006-C88A72F65B84}"/>
+                </a:ext>
+              </a:extLst>
+            </p:cNvPr>
+            <p:cNvSpPr/>
+            <p:nvPr/>
+          </p:nvSpPr>
+          <p:spPr>
+            <a:xfrm>
+              <a:off x="2189078" y="7235636"/>
+              <a:ext cx="259459" cy="259460"/>
+            </a:xfrm>
+            <a:prstGeom prst="pentagon">
+              <a:avLst/>
+            </a:prstGeom>
+            <a:solidFill>
+              <a:srgbClr val="60C495"/>
+            </a:solidFill>
+            <a:ln>
+              <a:solidFill>
+                <a:srgbClr val="60C495"/>
+              </a:solidFill>
+            </a:ln>
+          </p:spPr>
+          <p:style>
+            <a:lnRef idx="2">
+              <a:schemeClr val="accent1">
+                <a:shade val="50000"/>
+              </a:schemeClr>
+            </a:lnRef>
+            <a:fillRef idx="1">
+              <a:schemeClr val="accent1"/>
+            </a:fillRef>
+            <a:effectRef idx="0">
+              <a:schemeClr val="accent1"/>
+            </a:effectRef>
+            <a:fontRef idx="minor">
+              <a:schemeClr val="lt1"/>
+            </a:fontRef>
+          </p:style>
+          <p:txBody>
+            <a:bodyPr rtlCol="0" anchor="ctr"/>
+            <a:lstStyle/>
+            <a:p>
+              <a:pPr algn="ctr"/>
+              <a:endParaRPr lang="en-US"/>
+            </a:p>
+          </p:txBody>
+        </p:sp>
+        <p:sp>
+          <p:nvSpPr>
+            <p:cNvPr id="40" name="Pentagon 39">
+              <a:extLst>
+                <a:ext uri="{FF2B5EF4-FFF2-40B4-BE49-F238E27FC236}">
+                  <a16:creationId xmlns:a16="http://schemas.microsoft.com/office/drawing/2014/main" id="{E72FEDDE-BA41-47E6-9841-524BE628479F}"/>
+                </a:ext>
+              </a:extLst>
+            </p:cNvPr>
+            <p:cNvSpPr/>
+            <p:nvPr/>
+          </p:nvSpPr>
+          <p:spPr>
+            <a:xfrm>
+              <a:off x="2189078" y="5240039"/>
+              <a:ext cx="259459" cy="259460"/>
+            </a:xfrm>
+            <a:prstGeom prst="pentagon">
+              <a:avLst/>
+            </a:prstGeom>
+            <a:solidFill>
+              <a:srgbClr val="60C495"/>
+            </a:solidFill>
+            <a:ln>
+              <a:solidFill>
+                <a:srgbClr val="60C495"/>
+              </a:solidFill>
+            </a:ln>
+          </p:spPr>
+          <p:style>
+            <a:lnRef idx="2">
+              <a:schemeClr val="accent1">
+                <a:shade val="50000"/>
+              </a:schemeClr>
+            </a:lnRef>
+            <a:fillRef idx="1">
+              <a:schemeClr val="accent1"/>
+            </a:fillRef>
+            <a:effectRef idx="0">
+              <a:schemeClr val="accent1"/>
+            </a:effectRef>
+            <a:fontRef idx="minor">
+              <a:schemeClr val="lt1"/>
+            </a:fontRef>
+          </p:style>
+          <p:txBody>
+            <a:bodyPr rtlCol="0" anchor="ctr"/>
+            <a:lstStyle/>
+            <a:p>
+              <a:pPr algn="ctr"/>
+              <a:endParaRPr lang="en-US"/>
+            </a:p>
+          </p:txBody>
+        </p:sp>
+        <p:sp>
+          <p:nvSpPr>
+            <p:cNvPr id="41" name="Pentagon 40">
+              <a:extLst>
+                <a:ext uri="{FF2B5EF4-FFF2-40B4-BE49-F238E27FC236}">
+                  <a16:creationId xmlns:a16="http://schemas.microsoft.com/office/drawing/2014/main" id="{AF57122F-69ED-41C2-B6C7-0C3121A2E628}"/>
+                </a:ext>
+              </a:extLst>
+            </p:cNvPr>
+            <p:cNvSpPr/>
+            <p:nvPr/>
+          </p:nvSpPr>
+          <p:spPr>
+            <a:xfrm>
+              <a:off x="2189078" y="5639159"/>
+              <a:ext cx="259459" cy="259460"/>
+            </a:xfrm>
+            <a:prstGeom prst="pentagon">
+              <a:avLst/>
+            </a:prstGeom>
+            <a:solidFill>
+              <a:srgbClr val="60C495"/>
+            </a:solidFill>
+            <a:ln>
+              <a:solidFill>
+                <a:srgbClr val="60C495"/>
+              </a:solidFill>
+            </a:ln>
+          </p:spPr>
+          <p:style>
+            <a:lnRef idx="2">
+              <a:schemeClr val="accent1">
+                <a:shade val="50000"/>
+              </a:schemeClr>
+            </a:lnRef>
+            <a:fillRef idx="1">
+              <a:schemeClr val="accent1"/>
+            </a:fillRef>
+            <a:effectRef idx="0">
+              <a:schemeClr val="accent1"/>
+            </a:effectRef>
+            <a:fontRef idx="minor">
+              <a:schemeClr val="lt1"/>
+            </a:fontRef>
+          </p:style>
+          <p:txBody>
+            <a:bodyPr rtlCol="0" anchor="ctr"/>
+            <a:lstStyle/>
+            <a:p>
+              <a:pPr algn="ctr"/>
+              <a:endParaRPr lang="en-US"/>
+            </a:p>
+          </p:txBody>
+        </p:sp>
+        <p:sp>
+          <p:nvSpPr>
+            <p:cNvPr id="42" name="Pentagon 41">
+              <a:extLst>
+                <a:ext uri="{FF2B5EF4-FFF2-40B4-BE49-F238E27FC236}">
+                  <a16:creationId xmlns:a16="http://schemas.microsoft.com/office/drawing/2014/main" id="{95E2CDA4-3437-4F1E-9C8E-3003F66D0A8F}"/>
+                </a:ext>
+              </a:extLst>
+            </p:cNvPr>
+            <p:cNvSpPr/>
+            <p:nvPr/>
+          </p:nvSpPr>
+          <p:spPr>
+            <a:xfrm>
+              <a:off x="2189078" y="6038278"/>
+              <a:ext cx="259459" cy="259460"/>
+            </a:xfrm>
+            <a:prstGeom prst="pentagon">
+              <a:avLst/>
+            </a:prstGeom>
+            <a:solidFill>
+              <a:srgbClr val="60C495"/>
+            </a:solidFill>
+            <a:ln>
+              <a:solidFill>
+                <a:srgbClr val="60C495"/>
+              </a:solidFill>
+            </a:ln>
+          </p:spPr>
+          <p:style>
+            <a:lnRef idx="2">
+              <a:schemeClr val="accent1">
+                <a:shade val="50000"/>
+              </a:schemeClr>
+            </a:lnRef>
+            <a:fillRef idx="1">
+              <a:schemeClr val="accent1"/>
+            </a:fillRef>
+            <a:effectRef idx="0">
+              <a:schemeClr val="accent1"/>
+            </a:effectRef>
+            <a:fontRef idx="minor">
+              <a:schemeClr val="lt1"/>
+            </a:fontRef>
+          </p:style>
+          <p:txBody>
+            <a:bodyPr rtlCol="0" anchor="ctr"/>
+            <a:lstStyle/>
+            <a:p>
+              <a:pPr algn="ctr"/>
+              <a:endParaRPr lang="en-US"/>
+            </a:p>
+          </p:txBody>
+        </p:sp>
+        <p:sp>
+          <p:nvSpPr>
+            <p:cNvPr id="43" name="Pentagon 42">
+              <a:extLst>
+                <a:ext uri="{FF2B5EF4-FFF2-40B4-BE49-F238E27FC236}">
+                  <a16:creationId xmlns:a16="http://schemas.microsoft.com/office/drawing/2014/main" id="{EB5B82F9-EFFF-4A2F-B75A-DC53195039FD}"/>
+                </a:ext>
+              </a:extLst>
+            </p:cNvPr>
+            <p:cNvSpPr/>
+            <p:nvPr/>
+          </p:nvSpPr>
+          <p:spPr>
+            <a:xfrm>
+              <a:off x="2189078" y="6437397"/>
+              <a:ext cx="259459" cy="259460"/>
+            </a:xfrm>
+            <a:prstGeom prst="pentagon">
+              <a:avLst/>
+            </a:prstGeom>
+            <a:solidFill>
+              <a:srgbClr val="60C495"/>
+            </a:solidFill>
+            <a:ln>
+              <a:solidFill>
+                <a:srgbClr val="60C495"/>
+              </a:solidFill>
+            </a:ln>
+          </p:spPr>
+          <p:style>
+            <a:lnRef idx="2">
+              <a:schemeClr val="accent1">
+                <a:shade val="50000"/>
+              </a:schemeClr>
+            </a:lnRef>
+            <a:fillRef idx="1">
+              <a:schemeClr val="accent1"/>
+            </a:fillRef>
+            <a:effectRef idx="0">
+              <a:schemeClr val="accent1"/>
+            </a:effectRef>
+            <a:fontRef idx="minor">
+              <a:schemeClr val="lt1"/>
+            </a:fontRef>
+          </p:style>
+          <p:txBody>
+            <a:bodyPr rtlCol="0" anchor="ctr"/>
+            <a:lstStyle/>
+            <a:p>
+              <a:pPr algn="ctr"/>
+              <a:endParaRPr lang="en-US"/>
+            </a:p>
+          </p:txBody>
+        </p:sp>
+        <p:sp>
+          <p:nvSpPr>
+            <p:cNvPr id="44" name="Pentagon 43">
+              <a:extLst>
+                <a:ext uri="{FF2B5EF4-FFF2-40B4-BE49-F238E27FC236}">
+                  <a16:creationId xmlns:a16="http://schemas.microsoft.com/office/drawing/2014/main" id="{D672DD35-B4B1-4572-B622-533040FBAC88}"/>
+                </a:ext>
+              </a:extLst>
+            </p:cNvPr>
+            <p:cNvSpPr/>
+            <p:nvPr/>
+          </p:nvSpPr>
+          <p:spPr>
+            <a:xfrm>
+              <a:off x="2189078" y="6836517"/>
+              <a:ext cx="259459" cy="259460"/>
+            </a:xfrm>
+            <a:prstGeom prst="pentagon">
+              <a:avLst/>
+            </a:prstGeom>
+            <a:solidFill>
+              <a:srgbClr val="60C495"/>
+            </a:solidFill>
+            <a:ln>
+              <a:solidFill>
+                <a:srgbClr val="60C495"/>
+              </a:solidFill>
+            </a:ln>
+          </p:spPr>
+          <p:style>
+            <a:lnRef idx="2">
+              <a:schemeClr val="accent1">
+                <a:shade val="50000"/>
+              </a:schemeClr>
+            </a:lnRef>
+            <a:fillRef idx="1">
+              <a:schemeClr val="accent1"/>
+            </a:fillRef>
+            <a:effectRef idx="0">
+              <a:schemeClr val="accent1"/>
+            </a:effectRef>
+            <a:fontRef idx="minor">
+              <a:schemeClr val="lt1"/>
+            </a:fontRef>
+          </p:style>
+          <p:txBody>
+            <a:bodyPr rtlCol="0" anchor="ctr"/>
+            <a:lstStyle/>
+            <a:p>
+              <a:pPr algn="ctr"/>
+              <a:endParaRPr lang="en-US"/>
+            </a:p>
+          </p:txBody>
+        </p:sp>
+        <p:sp>
+          <p:nvSpPr>
+            <p:cNvPr id="45" name="Pentagon 44">
+              <a:extLst>
+                <a:ext uri="{FF2B5EF4-FFF2-40B4-BE49-F238E27FC236}">
+                  <a16:creationId xmlns:a16="http://schemas.microsoft.com/office/drawing/2014/main" id="{00D94FCE-C4DB-4AF5-979A-51E4E92F27BE}"/>
+                </a:ext>
+              </a:extLst>
+            </p:cNvPr>
+            <p:cNvSpPr/>
+            <p:nvPr/>
+          </p:nvSpPr>
+          <p:spPr>
+            <a:xfrm>
+              <a:off x="2189078" y="7634755"/>
+              <a:ext cx="259459" cy="259460"/>
+            </a:xfrm>
+            <a:prstGeom prst="pentagon">
+              <a:avLst/>
+            </a:prstGeom>
+            <a:solidFill>
+              <a:srgbClr val="60C495"/>
+            </a:solidFill>
+            <a:ln>
+              <a:solidFill>
+                <a:srgbClr val="60C495"/>
+              </a:solidFill>
+            </a:ln>
+          </p:spPr>
+          <p:style>
+            <a:lnRef idx="2">
+              <a:schemeClr val="accent1">
+                <a:shade val="50000"/>
+              </a:schemeClr>
+            </a:lnRef>
+            <a:fillRef idx="1">
+              <a:schemeClr val="accent1"/>
+            </a:fillRef>
+            <a:effectRef idx="0">
+              <a:schemeClr val="accent1"/>
+            </a:effectRef>
+            <a:fontRef idx="minor">
+              <a:schemeClr val="lt1"/>
+            </a:fontRef>
+          </p:style>
+          <p:txBody>
+            <a:bodyPr rtlCol="0" anchor="ctr"/>
+            <a:lstStyle/>
+            <a:p>
+              <a:pPr algn="ctr"/>
+              <a:endParaRPr lang="en-US"/>
+            </a:p>
+          </p:txBody>
+        </p:sp>
+        <p:sp>
+          <p:nvSpPr>
+            <p:cNvPr id="46" name="Pentagon 45">
+              <a:extLst>
+                <a:ext uri="{FF2B5EF4-FFF2-40B4-BE49-F238E27FC236}">
+                  <a16:creationId xmlns:a16="http://schemas.microsoft.com/office/drawing/2014/main" id="{BFAB6139-9AA1-4F79-982B-880894B659FD}"/>
+                </a:ext>
+              </a:extLst>
+            </p:cNvPr>
+            <p:cNvSpPr/>
+            <p:nvPr/>
+          </p:nvSpPr>
+          <p:spPr>
+            <a:xfrm rot="2125229">
+              <a:off x="2499715" y="7365366"/>
+              <a:ext cx="259459" cy="259460"/>
+            </a:xfrm>
+            <a:prstGeom prst="pentagon">
+              <a:avLst/>
+            </a:prstGeom>
+            <a:solidFill>
+              <a:srgbClr val="60C495"/>
+            </a:solidFill>
+            <a:ln>
+              <a:solidFill>
+                <a:srgbClr val="60C495"/>
+              </a:solidFill>
+            </a:ln>
+          </p:spPr>
+          <p:style>
+            <a:lnRef idx="2">
+              <a:schemeClr val="accent1">
+                <a:shade val="50000"/>
+              </a:schemeClr>
+            </a:lnRef>
+            <a:fillRef idx="1">
+              <a:schemeClr val="accent1"/>
+            </a:fillRef>
+            <a:effectRef idx="0">
+              <a:schemeClr val="accent1"/>
+            </a:effectRef>
+            <a:fontRef idx="minor">
+              <a:schemeClr val="lt1"/>
+            </a:fontRef>
+          </p:style>
+          <p:txBody>
+            <a:bodyPr rtlCol="0" anchor="ctr"/>
+            <a:lstStyle/>
+            <a:p>
+              <a:pPr algn="ctr"/>
+              <a:endParaRPr lang="en-US"/>
+            </a:p>
+          </p:txBody>
+        </p:sp>
+        <p:sp>
+          <p:nvSpPr>
+            <p:cNvPr id="47" name="Pentagon 46">
+              <a:extLst>
+                <a:ext uri="{FF2B5EF4-FFF2-40B4-BE49-F238E27FC236}">
+                  <a16:creationId xmlns:a16="http://schemas.microsoft.com/office/drawing/2014/main" id="{B930C641-8121-4B96-8803-86B0DA7E89CF}"/>
+                </a:ext>
+              </a:extLst>
+            </p:cNvPr>
+            <p:cNvSpPr/>
+            <p:nvPr/>
+          </p:nvSpPr>
+          <p:spPr>
+            <a:xfrm rot="2125229">
+              <a:off x="2499715" y="5369770"/>
+              <a:ext cx="259459" cy="259460"/>
+            </a:xfrm>
+            <a:prstGeom prst="pentagon">
+              <a:avLst/>
+            </a:prstGeom>
+            <a:solidFill>
+              <a:srgbClr val="60C495"/>
+            </a:solidFill>
+            <a:ln>
+              <a:solidFill>
+                <a:srgbClr val="60C495"/>
+              </a:solidFill>
+            </a:ln>
+          </p:spPr>
+          <p:style>
+            <a:lnRef idx="2">
+              <a:schemeClr val="accent1">
+                <a:shade val="50000"/>
+              </a:schemeClr>
+            </a:lnRef>
+            <a:fillRef idx="1">
+              <a:schemeClr val="accent1"/>
+            </a:fillRef>
+            <a:effectRef idx="0">
+              <a:schemeClr val="accent1"/>
+            </a:effectRef>
+            <a:fontRef idx="minor">
+              <a:schemeClr val="lt1"/>
+            </a:fontRef>
+          </p:style>
+          <p:txBody>
+            <a:bodyPr rtlCol="0" anchor="ctr"/>
+            <a:lstStyle/>
+            <a:p>
+              <a:pPr algn="ctr"/>
+              <a:endParaRPr lang="en-US"/>
+            </a:p>
+          </p:txBody>
+        </p:sp>
+        <p:sp>
+          <p:nvSpPr>
+            <p:cNvPr id="48" name="Pentagon 47">
+              <a:extLst>
+                <a:ext uri="{FF2B5EF4-FFF2-40B4-BE49-F238E27FC236}">
+                  <a16:creationId xmlns:a16="http://schemas.microsoft.com/office/drawing/2014/main" id="{E78C72CB-8C3B-49B3-B19B-7F0A6E074770}"/>
+                </a:ext>
+              </a:extLst>
+            </p:cNvPr>
+            <p:cNvSpPr/>
+            <p:nvPr/>
+          </p:nvSpPr>
+          <p:spPr>
+            <a:xfrm rot="2125229">
+              <a:off x="2499715" y="5768889"/>
+              <a:ext cx="259459" cy="259460"/>
+            </a:xfrm>
+            <a:prstGeom prst="pentagon">
+              <a:avLst/>
+            </a:prstGeom>
+            <a:solidFill>
+              <a:srgbClr val="60C495"/>
+            </a:solidFill>
+            <a:ln>
+              <a:solidFill>
+                <a:srgbClr val="60C495"/>
+              </a:solidFill>
+            </a:ln>
+          </p:spPr>
+          <p:style>
+            <a:lnRef idx="2">
+              <a:schemeClr val="accent1">
+                <a:shade val="50000"/>
+              </a:schemeClr>
+            </a:lnRef>
+            <a:fillRef idx="1">
+              <a:schemeClr val="accent1"/>
+            </a:fillRef>
+            <a:effectRef idx="0">
+              <a:schemeClr val="accent1"/>
+            </a:effectRef>
+            <a:fontRef idx="minor">
+              <a:schemeClr val="lt1"/>
+            </a:fontRef>
+          </p:style>
+          <p:txBody>
+            <a:bodyPr rtlCol="0" anchor="ctr"/>
+            <a:lstStyle/>
+            <a:p>
+              <a:pPr algn="ctr"/>
+              <a:endParaRPr lang="en-US"/>
+            </a:p>
+          </p:txBody>
+        </p:sp>
+        <p:sp>
+          <p:nvSpPr>
+            <p:cNvPr id="49" name="Pentagon 48">
+              <a:extLst>
+                <a:ext uri="{FF2B5EF4-FFF2-40B4-BE49-F238E27FC236}">
+                  <a16:creationId xmlns:a16="http://schemas.microsoft.com/office/drawing/2014/main" id="{286D9EDB-3C0A-4142-8FC3-9366FE5FF331}"/>
+                </a:ext>
+              </a:extLst>
+            </p:cNvPr>
+            <p:cNvSpPr/>
+            <p:nvPr/>
+          </p:nvSpPr>
+          <p:spPr>
+            <a:xfrm rot="2125229">
+              <a:off x="2499715" y="6168008"/>
+              <a:ext cx="259459" cy="259460"/>
+            </a:xfrm>
+            <a:prstGeom prst="pentagon">
+              <a:avLst/>
+            </a:prstGeom>
+            <a:solidFill>
+              <a:srgbClr val="60C495"/>
+            </a:solidFill>
+            <a:ln>
+              <a:solidFill>
+                <a:srgbClr val="60C495"/>
+              </a:solidFill>
+            </a:ln>
+          </p:spPr>
+          <p:style>
+            <a:lnRef idx="2">
+              <a:schemeClr val="accent1">
+                <a:shade val="50000"/>
+              </a:schemeClr>
+            </a:lnRef>
+            <a:fillRef idx="1">
+              <a:schemeClr val="accent1"/>
+            </a:fillRef>
+            <a:effectRef idx="0">
+              <a:schemeClr val="accent1"/>
+            </a:effectRef>
+            <a:fontRef idx="minor">
+              <a:schemeClr val="lt1"/>
+            </a:fontRef>
+          </p:style>
+          <p:txBody>
+            <a:bodyPr rtlCol="0" anchor="ctr"/>
+            <a:lstStyle/>
+            <a:p>
+              <a:pPr algn="ctr"/>
+              <a:endParaRPr lang="en-US"/>
+            </a:p>
+          </p:txBody>
+        </p:sp>
+        <p:sp>
+          <p:nvSpPr>
+            <p:cNvPr id="50" name="Pentagon 49">
+              <a:extLst>
+                <a:ext uri="{FF2B5EF4-FFF2-40B4-BE49-F238E27FC236}">
+                  <a16:creationId xmlns:a16="http://schemas.microsoft.com/office/drawing/2014/main" id="{972AE351-DE04-4882-A73F-491B6D55814A}"/>
+                </a:ext>
+              </a:extLst>
+            </p:cNvPr>
+            <p:cNvSpPr/>
+            <p:nvPr/>
+          </p:nvSpPr>
+          <p:spPr>
+            <a:xfrm rot="2125229">
+              <a:off x="2499715" y="6567128"/>
+              <a:ext cx="259459" cy="259460"/>
+            </a:xfrm>
+            <a:prstGeom prst="pentagon">
+              <a:avLst/>
+            </a:prstGeom>
+            <a:solidFill>
+              <a:srgbClr val="60C495"/>
+            </a:solidFill>
+            <a:ln>
+              <a:solidFill>
+                <a:srgbClr val="60C495"/>
+              </a:solidFill>
+            </a:ln>
+          </p:spPr>
+          <p:style>
+            <a:lnRef idx="2">
+              <a:schemeClr val="accent1">
+                <a:shade val="50000"/>
+              </a:schemeClr>
+            </a:lnRef>
+            <a:fillRef idx="1">
+              <a:schemeClr val="accent1"/>
+            </a:fillRef>
+            <a:effectRef idx="0">
+              <a:schemeClr val="accent1"/>
+            </a:effectRef>
+            <a:fontRef idx="minor">
+              <a:schemeClr val="lt1"/>
+            </a:fontRef>
+          </p:style>
+          <p:txBody>
+            <a:bodyPr rtlCol="0" anchor="ctr"/>
+            <a:lstStyle/>
+            <a:p>
+              <a:pPr algn="ctr"/>
+              <a:endParaRPr lang="en-US"/>
+            </a:p>
+          </p:txBody>
+        </p:sp>
+        <p:sp>
+          <p:nvSpPr>
+            <p:cNvPr id="51" name="Pentagon 50">
+              <a:extLst>
+                <a:ext uri="{FF2B5EF4-FFF2-40B4-BE49-F238E27FC236}">
+                  <a16:creationId xmlns:a16="http://schemas.microsoft.com/office/drawing/2014/main" id="{BC1CE1B8-B214-4B7A-81E5-439C8B729A24}"/>
+                </a:ext>
+              </a:extLst>
+            </p:cNvPr>
+            <p:cNvSpPr/>
+            <p:nvPr/>
+          </p:nvSpPr>
+          <p:spPr>
+            <a:xfrm rot="2125229">
+              <a:off x="2499715" y="6966247"/>
+              <a:ext cx="259459" cy="259460"/>
+            </a:xfrm>
+            <a:prstGeom prst="pentagon">
+              <a:avLst/>
+            </a:prstGeom>
+            <a:solidFill>
+              <a:srgbClr val="60C495"/>
+            </a:solidFill>
+            <a:ln>
+              <a:solidFill>
+                <a:srgbClr val="60C495"/>
+              </a:solidFill>
+            </a:ln>
+          </p:spPr>
+          <p:style>
+            <a:lnRef idx="2">
+              <a:schemeClr val="accent1">
+                <a:shade val="50000"/>
+              </a:schemeClr>
+            </a:lnRef>
+            <a:fillRef idx="1">
+              <a:schemeClr val="accent1"/>
+            </a:fillRef>
+            <a:effectRef idx="0">
+              <a:schemeClr val="accent1"/>
+            </a:effectRef>
+            <a:fontRef idx="minor">
+              <a:schemeClr val="lt1"/>
+            </a:fontRef>
+          </p:style>
+          <p:txBody>
+            <a:bodyPr rtlCol="0" anchor="ctr"/>
+            <a:lstStyle/>
+            <a:p>
+              <a:pPr algn="ctr"/>
+              <a:endParaRPr lang="en-US"/>
+            </a:p>
+          </p:txBody>
+        </p:sp>
+        <p:sp>
+          <p:nvSpPr>
+            <p:cNvPr id="52" name="Pentagon 51">
+              <a:extLst>
+                <a:ext uri="{FF2B5EF4-FFF2-40B4-BE49-F238E27FC236}">
+                  <a16:creationId xmlns:a16="http://schemas.microsoft.com/office/drawing/2014/main" id="{D948B798-21B6-43DF-BF88-7C92E858C3D0}"/>
+                </a:ext>
+              </a:extLst>
+            </p:cNvPr>
+            <p:cNvSpPr/>
+            <p:nvPr/>
+          </p:nvSpPr>
+          <p:spPr>
+            <a:xfrm rot="2125229">
+              <a:off x="2499715" y="7764485"/>
+              <a:ext cx="259459" cy="259460"/>
+            </a:xfrm>
+            <a:prstGeom prst="pentagon">
+              <a:avLst/>
+            </a:prstGeom>
+            <a:solidFill>
+              <a:srgbClr val="60C495"/>
+            </a:solidFill>
+            <a:ln>
+              <a:solidFill>
+                <a:srgbClr val="60C495"/>
+              </a:solidFill>
+            </a:ln>
+          </p:spPr>
+          <p:style>
+            <a:lnRef idx="2">
+              <a:schemeClr val="accent1">
+                <a:shade val="50000"/>
+              </a:schemeClr>
+            </a:lnRef>
+            <a:fillRef idx="1">
+              <a:schemeClr val="accent1"/>
+            </a:fillRef>
+            <a:effectRef idx="0">
+              <a:schemeClr val="accent1"/>
+            </a:effectRef>
+            <a:fontRef idx="minor">
+              <a:schemeClr val="lt1"/>
+            </a:fontRef>
+          </p:style>
+          <p:txBody>
+            <a:bodyPr rtlCol="0" anchor="ctr"/>
+            <a:lstStyle/>
+            <a:p>
+              <a:pPr algn="ctr"/>
+              <a:endParaRPr lang="en-US"/>
+            </a:p>
+          </p:txBody>
+        </p:sp>
+        <p:sp>
+          <p:nvSpPr>
+            <p:cNvPr id="53" name="Pentagon 52">
+              <a:extLst>
+                <a:ext uri="{FF2B5EF4-FFF2-40B4-BE49-F238E27FC236}">
+                  <a16:creationId xmlns:a16="http://schemas.microsoft.com/office/drawing/2014/main" id="{72465F5D-8424-4299-97DA-56E2EB0C5B2A}"/>
+                </a:ext>
+              </a:extLst>
+            </p:cNvPr>
+            <p:cNvSpPr/>
+            <p:nvPr/>
+          </p:nvSpPr>
+          <p:spPr>
+            <a:xfrm>
+              <a:off x="1567802" y="4520354"/>
+              <a:ext cx="259459" cy="259460"/>
+            </a:xfrm>
+            <a:prstGeom prst="pentagon">
+              <a:avLst/>
+            </a:prstGeom>
+            <a:solidFill>
+              <a:srgbClr val="60C495"/>
+            </a:solidFill>
+            <a:ln>
+              <a:solidFill>
+                <a:srgbClr val="60C495"/>
+              </a:solidFill>
+            </a:ln>
+          </p:spPr>
+          <p:style>
+            <a:lnRef idx="2">
+              <a:schemeClr val="accent1">
+                <a:shade val="50000"/>
+              </a:schemeClr>
+            </a:lnRef>
+            <a:fillRef idx="1">
+              <a:schemeClr val="accent1"/>
+            </a:fillRef>
+            <a:effectRef idx="0">
+              <a:schemeClr val="accent1"/>
+            </a:effectRef>
+            <a:fontRef idx="minor">
+              <a:schemeClr val="lt1"/>
+            </a:fontRef>
+          </p:style>
+          <p:txBody>
+            <a:bodyPr rtlCol="0" anchor="ctr"/>
+            <a:lstStyle/>
+            <a:p>
+              <a:pPr algn="ctr"/>
+              <a:endParaRPr lang="en-US"/>
+            </a:p>
+          </p:txBody>
+        </p:sp>
+        <p:sp>
+          <p:nvSpPr>
+            <p:cNvPr id="54" name="Pentagon 53">
+              <a:extLst>
+                <a:ext uri="{FF2B5EF4-FFF2-40B4-BE49-F238E27FC236}">
+                  <a16:creationId xmlns:a16="http://schemas.microsoft.com/office/drawing/2014/main" id="{8AEB462B-6C9B-408D-91B7-AE4AC9E29AFC}"/>
+                </a:ext>
+              </a:extLst>
+            </p:cNvPr>
+            <p:cNvSpPr/>
+            <p:nvPr/>
+          </p:nvSpPr>
+          <p:spPr>
+            <a:xfrm>
+              <a:off x="1567802" y="4919473"/>
+              <a:ext cx="259459" cy="259460"/>
+            </a:xfrm>
+            <a:prstGeom prst="pentagon">
+              <a:avLst/>
+            </a:prstGeom>
+            <a:solidFill>
+              <a:srgbClr val="60C495"/>
+            </a:solidFill>
+            <a:ln>
+              <a:solidFill>
+                <a:srgbClr val="60C495"/>
+              </a:solidFill>
+            </a:ln>
+          </p:spPr>
+          <p:style>
+            <a:lnRef idx="2">
+              <a:schemeClr val="accent1">
+                <a:shade val="50000"/>
+              </a:schemeClr>
+            </a:lnRef>
+            <a:fillRef idx="1">
+              <a:schemeClr val="accent1"/>
+            </a:fillRef>
+            <a:effectRef idx="0">
+              <a:schemeClr val="accent1"/>
+            </a:effectRef>
+            <a:fontRef idx="minor">
+              <a:schemeClr val="lt1"/>
+            </a:fontRef>
+          </p:style>
+          <p:txBody>
+            <a:bodyPr rtlCol="0" anchor="ctr"/>
+            <a:lstStyle/>
+            <a:p>
+              <a:pPr algn="ctr"/>
+              <a:endParaRPr lang="en-US"/>
+            </a:p>
+          </p:txBody>
+        </p:sp>
+        <p:sp>
+          <p:nvSpPr>
+            <p:cNvPr id="55" name="Pentagon 54">
+              <a:extLst>
+                <a:ext uri="{FF2B5EF4-FFF2-40B4-BE49-F238E27FC236}">
+                  <a16:creationId xmlns:a16="http://schemas.microsoft.com/office/drawing/2014/main" id="{5FF899F6-F7D1-4208-B589-B45AC9A4FBF2}"/>
+                </a:ext>
+              </a:extLst>
+            </p:cNvPr>
+            <p:cNvSpPr/>
+            <p:nvPr/>
+          </p:nvSpPr>
+          <p:spPr>
+            <a:xfrm rot="2125229">
+              <a:off x="1878440" y="4650084"/>
+              <a:ext cx="259459" cy="259460"/>
+            </a:xfrm>
+            <a:prstGeom prst="pentagon">
+              <a:avLst/>
+            </a:prstGeom>
+            <a:solidFill>
+              <a:srgbClr val="60C495"/>
+            </a:solidFill>
+            <a:ln>
+              <a:solidFill>
+                <a:srgbClr val="60C495"/>
+              </a:solidFill>
+            </a:ln>
+          </p:spPr>
+          <p:style>
+            <a:lnRef idx="2">
+              <a:schemeClr val="accent1">
+                <a:shade val="50000"/>
+              </a:schemeClr>
+            </a:lnRef>
+            <a:fillRef idx="1">
+              <a:schemeClr val="accent1"/>
+            </a:fillRef>
+            <a:effectRef idx="0">
+              <a:schemeClr val="accent1"/>
+            </a:effectRef>
+            <a:fontRef idx="minor">
+              <a:schemeClr val="lt1"/>
+            </a:fontRef>
+          </p:style>
+          <p:txBody>
+            <a:bodyPr rtlCol="0" anchor="ctr"/>
+            <a:lstStyle/>
+            <a:p>
+              <a:pPr algn="ctr"/>
+              <a:endParaRPr lang="en-US"/>
+            </a:p>
+          </p:txBody>
+        </p:sp>
+        <p:sp>
+          <p:nvSpPr>
+            <p:cNvPr id="56" name="Pentagon 55">
+              <a:extLst>
+                <a:ext uri="{FF2B5EF4-FFF2-40B4-BE49-F238E27FC236}">
+                  <a16:creationId xmlns:a16="http://schemas.microsoft.com/office/drawing/2014/main" id="{4D8865C6-2C26-4CF7-A9EE-3E1ED14C608D}"/>
+                </a:ext>
+              </a:extLst>
+            </p:cNvPr>
+            <p:cNvSpPr/>
+            <p:nvPr/>
+          </p:nvSpPr>
+          <p:spPr>
+            <a:xfrm rot="2125229">
+              <a:off x="1878440" y="5049203"/>
+              <a:ext cx="259459" cy="259460"/>
+            </a:xfrm>
+            <a:prstGeom prst="pentagon">
+              <a:avLst/>
+            </a:prstGeom>
+            <a:solidFill>
+              <a:srgbClr val="60C495"/>
+            </a:solidFill>
+            <a:ln>
+              <a:solidFill>
+                <a:srgbClr val="60C495"/>
+              </a:solidFill>
+            </a:ln>
+          </p:spPr>
+          <p:style>
+            <a:lnRef idx="2">
+              <a:schemeClr val="accent1">
+                <a:shade val="50000"/>
+              </a:schemeClr>
+            </a:lnRef>
+            <a:fillRef idx="1">
+              <a:schemeClr val="accent1"/>
+            </a:fillRef>
+            <a:effectRef idx="0">
+              <a:schemeClr val="accent1"/>
+            </a:effectRef>
+            <a:fontRef idx="minor">
+              <a:schemeClr val="lt1"/>
+            </a:fontRef>
+          </p:style>
+          <p:txBody>
+            <a:bodyPr rtlCol="0" anchor="ctr"/>
+            <a:lstStyle/>
+            <a:p>
+              <a:pPr algn="ctr"/>
+              <a:endParaRPr lang="en-US"/>
+            </a:p>
+          </p:txBody>
+        </p:sp>
+        <p:sp>
+          <p:nvSpPr>
+            <p:cNvPr id="57" name="Pentagon 56">
+              <a:extLst>
+                <a:ext uri="{FF2B5EF4-FFF2-40B4-BE49-F238E27FC236}">
+                  <a16:creationId xmlns:a16="http://schemas.microsoft.com/office/drawing/2014/main" id="{DA6CA699-60D8-4120-B016-311BF5F97933}"/>
+                </a:ext>
+              </a:extLst>
+            </p:cNvPr>
+            <p:cNvSpPr/>
+            <p:nvPr/>
+          </p:nvSpPr>
+          <p:spPr>
+            <a:xfrm>
+              <a:off x="2810353" y="7314187"/>
+              <a:ext cx="259459" cy="259460"/>
+            </a:xfrm>
+            <a:prstGeom prst="pentagon">
+              <a:avLst/>
+            </a:prstGeom>
+            <a:solidFill>
+              <a:srgbClr val="60C495"/>
+            </a:solidFill>
+            <a:ln>
+              <a:solidFill>
+                <a:srgbClr val="60C495"/>
+              </a:solidFill>
+            </a:ln>
+          </p:spPr>
+          <p:style>
+            <a:lnRef idx="2">
+              <a:schemeClr val="accent1">
+                <a:shade val="50000"/>
+              </a:schemeClr>
+            </a:lnRef>
+            <a:fillRef idx="1">
+              <a:schemeClr val="accent1"/>
+            </a:fillRef>
+            <a:effectRef idx="0">
+              <a:schemeClr val="accent1"/>
+            </a:effectRef>
+            <a:fontRef idx="minor">
+              <a:schemeClr val="lt1"/>
+            </a:fontRef>
+          </p:style>
+          <p:txBody>
+            <a:bodyPr rtlCol="0" anchor="ctr"/>
+            <a:lstStyle/>
+            <a:p>
+              <a:pPr algn="ctr"/>
+              <a:endParaRPr lang="en-US"/>
+            </a:p>
+          </p:txBody>
+        </p:sp>
+        <p:sp>
+          <p:nvSpPr>
+            <p:cNvPr id="58" name="Pentagon 57">
+              <a:extLst>
+                <a:ext uri="{FF2B5EF4-FFF2-40B4-BE49-F238E27FC236}">
+                  <a16:creationId xmlns:a16="http://schemas.microsoft.com/office/drawing/2014/main" id="{4978AC03-DEE8-477F-8AD8-FFEA830EDD1A}"/>
+                </a:ext>
+              </a:extLst>
+            </p:cNvPr>
+            <p:cNvSpPr/>
+            <p:nvPr/>
+          </p:nvSpPr>
+          <p:spPr>
+            <a:xfrm>
+              <a:off x="2810353" y="6116830"/>
+              <a:ext cx="259459" cy="259460"/>
+            </a:xfrm>
+            <a:prstGeom prst="pentagon">
+              <a:avLst/>
+            </a:prstGeom>
+            <a:solidFill>
+              <a:srgbClr val="60C495"/>
+            </a:solidFill>
+            <a:ln>
+              <a:solidFill>
+                <a:srgbClr val="60C495"/>
+              </a:solidFill>
+            </a:ln>
+          </p:spPr>
+          <p:style>
+            <a:lnRef idx="2">
+              <a:schemeClr val="accent1">
+                <a:shade val="50000"/>
+              </a:schemeClr>
+            </a:lnRef>
+            <a:fillRef idx="1">
+              <a:schemeClr val="accent1"/>
+            </a:fillRef>
+            <a:effectRef idx="0">
+              <a:schemeClr val="accent1"/>
+            </a:effectRef>
+            <a:fontRef idx="minor">
+              <a:schemeClr val="lt1"/>
+            </a:fontRef>
+          </p:style>
+          <p:txBody>
+            <a:bodyPr rtlCol="0" anchor="ctr"/>
+            <a:lstStyle/>
+            <a:p>
+              <a:pPr algn="ctr"/>
+              <a:endParaRPr lang="en-US"/>
+            </a:p>
+          </p:txBody>
+        </p:sp>
+        <p:sp>
+          <p:nvSpPr>
+            <p:cNvPr id="59" name="Pentagon 58">
+              <a:extLst>
+                <a:ext uri="{FF2B5EF4-FFF2-40B4-BE49-F238E27FC236}">
+                  <a16:creationId xmlns:a16="http://schemas.microsoft.com/office/drawing/2014/main" id="{C6B255DE-4708-4697-9D0A-164E927E991B}"/>
+                </a:ext>
+              </a:extLst>
+            </p:cNvPr>
+            <p:cNvSpPr/>
+            <p:nvPr/>
+          </p:nvSpPr>
+          <p:spPr>
+            <a:xfrm>
+              <a:off x="2810353" y="6515949"/>
+              <a:ext cx="259459" cy="259460"/>
+            </a:xfrm>
+            <a:prstGeom prst="pentagon">
+              <a:avLst/>
+            </a:prstGeom>
+            <a:solidFill>
+              <a:srgbClr val="60C495"/>
+            </a:solidFill>
+            <a:ln>
+              <a:solidFill>
+                <a:srgbClr val="60C495"/>
+              </a:solidFill>
+            </a:ln>
+          </p:spPr>
+          <p:style>
+            <a:lnRef idx="2">
+              <a:schemeClr val="accent1">
+                <a:shade val="50000"/>
+              </a:schemeClr>
+            </a:lnRef>
+            <a:fillRef idx="1">
+              <a:schemeClr val="accent1"/>
+            </a:fillRef>
+            <a:effectRef idx="0">
+              <a:schemeClr val="accent1"/>
+            </a:effectRef>
+            <a:fontRef idx="minor">
+              <a:schemeClr val="lt1"/>
+            </a:fontRef>
+          </p:style>
+          <p:txBody>
+            <a:bodyPr rtlCol="0" anchor="ctr"/>
+            <a:lstStyle/>
+            <a:p>
+              <a:pPr algn="ctr"/>
+              <a:endParaRPr lang="en-US"/>
+            </a:p>
+          </p:txBody>
+        </p:sp>
+        <p:sp>
+          <p:nvSpPr>
+            <p:cNvPr id="60" name="Pentagon 59">
+              <a:extLst>
+                <a:ext uri="{FF2B5EF4-FFF2-40B4-BE49-F238E27FC236}">
+                  <a16:creationId xmlns:a16="http://schemas.microsoft.com/office/drawing/2014/main" id="{DE708B99-0B73-4D7E-8AAD-B7BE5CD36A0F}"/>
+                </a:ext>
+              </a:extLst>
+            </p:cNvPr>
+            <p:cNvSpPr/>
+            <p:nvPr/>
+          </p:nvSpPr>
+          <p:spPr>
+            <a:xfrm>
+              <a:off x="2810353" y="6915068"/>
+              <a:ext cx="259459" cy="259460"/>
+            </a:xfrm>
+            <a:prstGeom prst="pentagon">
+              <a:avLst/>
+            </a:prstGeom>
+            <a:solidFill>
+              <a:srgbClr val="60C495"/>
+            </a:solidFill>
+            <a:ln>
+              <a:solidFill>
+                <a:srgbClr val="60C495"/>
+              </a:solidFill>
+            </a:ln>
+          </p:spPr>
+          <p:style>
+            <a:lnRef idx="2">
+              <a:schemeClr val="accent1">
+                <a:shade val="50000"/>
+              </a:schemeClr>
+            </a:lnRef>
+            <a:fillRef idx="1">
+              <a:schemeClr val="accent1"/>
+            </a:fillRef>
+            <a:effectRef idx="0">
+              <a:schemeClr val="accent1"/>
+            </a:effectRef>
+            <a:fontRef idx="minor">
+              <a:schemeClr val="lt1"/>
+            </a:fontRef>
+          </p:style>
+          <p:txBody>
+            <a:bodyPr rtlCol="0" anchor="ctr"/>
+            <a:lstStyle/>
+            <a:p>
+              <a:pPr algn="ctr"/>
+              <a:endParaRPr lang="en-US"/>
+            </a:p>
+          </p:txBody>
+        </p:sp>
+        <p:sp>
+          <p:nvSpPr>
+            <p:cNvPr id="61" name="Pentagon 60">
+              <a:extLst>
+                <a:ext uri="{FF2B5EF4-FFF2-40B4-BE49-F238E27FC236}">
+                  <a16:creationId xmlns:a16="http://schemas.microsoft.com/office/drawing/2014/main" id="{EACE18B2-5395-421F-B42E-BB03507FD6E9}"/>
+                </a:ext>
+              </a:extLst>
+            </p:cNvPr>
+            <p:cNvSpPr/>
+            <p:nvPr/>
+          </p:nvSpPr>
+          <p:spPr>
+            <a:xfrm>
+              <a:off x="2810353" y="7713307"/>
+              <a:ext cx="259459" cy="259460"/>
+            </a:xfrm>
+            <a:prstGeom prst="pentagon">
+              <a:avLst/>
+            </a:prstGeom>
+            <a:solidFill>
+              <a:srgbClr val="60C495"/>
+            </a:solidFill>
+            <a:ln>
+              <a:solidFill>
+                <a:srgbClr val="60C495"/>
+              </a:solidFill>
+            </a:ln>
+          </p:spPr>
+          <p:style>
+            <a:lnRef idx="2">
+              <a:schemeClr val="accent1">
+                <a:shade val="50000"/>
+              </a:schemeClr>
+            </a:lnRef>
+            <a:fillRef idx="1">
+              <a:schemeClr val="accent1"/>
+            </a:fillRef>
+            <a:effectRef idx="0">
+              <a:schemeClr val="accent1"/>
+            </a:effectRef>
+            <a:fontRef idx="minor">
+              <a:schemeClr val="lt1"/>
+            </a:fontRef>
+          </p:style>
+          <p:txBody>
+            <a:bodyPr rtlCol="0" anchor="ctr"/>
+            <a:lstStyle/>
+            <a:p>
+              <a:pPr algn="ctr"/>
+              <a:endParaRPr lang="en-US"/>
+            </a:p>
+          </p:txBody>
+        </p:sp>
+        <p:sp>
+          <p:nvSpPr>
+            <p:cNvPr id="62" name="Pentagon 61">
+              <a:extLst>
+                <a:ext uri="{FF2B5EF4-FFF2-40B4-BE49-F238E27FC236}">
+                  <a16:creationId xmlns:a16="http://schemas.microsoft.com/office/drawing/2014/main" id="{44F354EB-6D3A-4DC6-A555-414AA7E0B1F6}"/>
+                </a:ext>
+              </a:extLst>
+            </p:cNvPr>
+            <p:cNvSpPr/>
+            <p:nvPr/>
+          </p:nvSpPr>
+          <p:spPr>
+            <a:xfrm rot="2125229">
+              <a:off x="3120990" y="7443918"/>
+              <a:ext cx="259459" cy="259460"/>
+            </a:xfrm>
+            <a:prstGeom prst="pentagon">
+              <a:avLst/>
+            </a:prstGeom>
+            <a:solidFill>
+              <a:srgbClr val="60C495"/>
+            </a:solidFill>
+            <a:ln>
+              <a:solidFill>
+                <a:srgbClr val="60C495"/>
+              </a:solidFill>
+            </a:ln>
+          </p:spPr>
+          <p:style>
+            <a:lnRef idx="2">
+              <a:schemeClr val="accent1">
+                <a:shade val="50000"/>
+              </a:schemeClr>
+            </a:lnRef>
+            <a:fillRef idx="1">
+              <a:schemeClr val="accent1"/>
+            </a:fillRef>
+            <a:effectRef idx="0">
+              <a:schemeClr val="accent1"/>
+            </a:effectRef>
+            <a:fontRef idx="minor">
+              <a:schemeClr val="lt1"/>
+            </a:fontRef>
+          </p:style>
+          <p:txBody>
+            <a:bodyPr rtlCol="0" anchor="ctr"/>
+            <a:lstStyle/>
+            <a:p>
+              <a:pPr algn="ctr"/>
+              <a:endParaRPr lang="en-US"/>
+            </a:p>
+          </p:txBody>
+        </p:sp>
+        <p:sp>
+          <p:nvSpPr>
+            <p:cNvPr id="63" name="Pentagon 62">
+              <a:extLst>
+                <a:ext uri="{FF2B5EF4-FFF2-40B4-BE49-F238E27FC236}">
+                  <a16:creationId xmlns:a16="http://schemas.microsoft.com/office/drawing/2014/main" id="{2B70B9CB-07DE-40DB-AAA2-9D037F823FFA}"/>
+                </a:ext>
+              </a:extLst>
+            </p:cNvPr>
+            <p:cNvSpPr/>
+            <p:nvPr/>
+          </p:nvSpPr>
+          <p:spPr>
+            <a:xfrm rot="2125229">
+              <a:off x="3120990" y="6246560"/>
+              <a:ext cx="259459" cy="259460"/>
+            </a:xfrm>
+            <a:prstGeom prst="pentagon">
+              <a:avLst/>
+            </a:prstGeom>
+            <a:solidFill>
+              <a:srgbClr val="60C495"/>
+            </a:solidFill>
+            <a:ln>
+              <a:solidFill>
+                <a:srgbClr val="60C495"/>
+              </a:solidFill>
+            </a:ln>
+          </p:spPr>
+          <p:style>
+            <a:lnRef idx="2">
+              <a:schemeClr val="accent1">
+                <a:shade val="50000"/>
+              </a:schemeClr>
+            </a:lnRef>
+            <a:fillRef idx="1">
+              <a:schemeClr val="accent1"/>
+            </a:fillRef>
+            <a:effectRef idx="0">
+              <a:schemeClr val="accent1"/>
+            </a:effectRef>
+            <a:fontRef idx="minor">
+              <a:schemeClr val="lt1"/>
+            </a:fontRef>
+          </p:style>
+          <p:txBody>
+            <a:bodyPr rtlCol="0" anchor="ctr"/>
+            <a:lstStyle/>
+            <a:p>
+              <a:pPr algn="ctr"/>
+              <a:endParaRPr lang="en-US"/>
+            </a:p>
+          </p:txBody>
+        </p:sp>
+        <p:sp>
+          <p:nvSpPr>
+            <p:cNvPr id="64" name="Pentagon 63">
+              <a:extLst>
+                <a:ext uri="{FF2B5EF4-FFF2-40B4-BE49-F238E27FC236}">
+                  <a16:creationId xmlns:a16="http://schemas.microsoft.com/office/drawing/2014/main" id="{8D9E3BC6-FCB3-48CF-8550-84FD0E9BF4A9}"/>
+                </a:ext>
+              </a:extLst>
+            </p:cNvPr>
+            <p:cNvSpPr/>
+            <p:nvPr/>
+          </p:nvSpPr>
+          <p:spPr>
+            <a:xfrm rot="2125229">
+              <a:off x="3120990" y="6645679"/>
+              <a:ext cx="259459" cy="259460"/>
+            </a:xfrm>
+            <a:prstGeom prst="pentagon">
+              <a:avLst/>
+            </a:prstGeom>
+            <a:solidFill>
+              <a:srgbClr val="60C495"/>
+            </a:solidFill>
+            <a:ln>
+              <a:solidFill>
+                <a:srgbClr val="60C495"/>
+              </a:solidFill>
+            </a:ln>
+          </p:spPr>
+          <p:style>
+            <a:lnRef idx="2">
+              <a:schemeClr val="accent1">
+                <a:shade val="50000"/>
+              </a:schemeClr>
+            </a:lnRef>
+            <a:fillRef idx="1">
+              <a:schemeClr val="accent1"/>
+            </a:fillRef>
+            <a:effectRef idx="0">
+              <a:schemeClr val="accent1"/>
+            </a:effectRef>
+            <a:fontRef idx="minor">
+              <a:schemeClr val="lt1"/>
+            </a:fontRef>
+          </p:style>
+          <p:txBody>
+            <a:bodyPr rtlCol="0" anchor="ctr"/>
+            <a:lstStyle/>
+            <a:p>
+              <a:pPr algn="ctr"/>
+              <a:endParaRPr lang="en-US"/>
+            </a:p>
+          </p:txBody>
+        </p:sp>
+        <p:sp>
+          <p:nvSpPr>
+            <p:cNvPr id="65" name="Pentagon 64">
+              <a:extLst>
+                <a:ext uri="{FF2B5EF4-FFF2-40B4-BE49-F238E27FC236}">
+                  <a16:creationId xmlns:a16="http://schemas.microsoft.com/office/drawing/2014/main" id="{5E99979D-230E-4685-844F-A068037394E1}"/>
+                </a:ext>
+              </a:extLst>
+            </p:cNvPr>
+            <p:cNvSpPr/>
+            <p:nvPr/>
+          </p:nvSpPr>
+          <p:spPr>
+            <a:xfrm rot="2125229">
+              <a:off x="3120990" y="7044798"/>
+              <a:ext cx="259459" cy="259460"/>
+            </a:xfrm>
+            <a:prstGeom prst="pentagon">
+              <a:avLst/>
+            </a:prstGeom>
+            <a:solidFill>
+              <a:srgbClr val="60C495"/>
+            </a:solidFill>
+            <a:ln>
+              <a:solidFill>
+                <a:srgbClr val="60C495"/>
+              </a:solidFill>
+            </a:ln>
+          </p:spPr>
+          <p:style>
+            <a:lnRef idx="2">
+              <a:schemeClr val="accent1">
+                <a:shade val="50000"/>
+              </a:schemeClr>
+            </a:lnRef>
+            <a:fillRef idx="1">
+              <a:schemeClr val="accent1"/>
+            </a:fillRef>
+            <a:effectRef idx="0">
+              <a:schemeClr val="accent1"/>
+            </a:effectRef>
+            <a:fontRef idx="minor">
+              <a:schemeClr val="lt1"/>
+            </a:fontRef>
+          </p:style>
+          <p:txBody>
+            <a:bodyPr rtlCol="0" anchor="ctr"/>
+            <a:lstStyle/>
+            <a:p>
+              <a:pPr algn="ctr"/>
+              <a:endParaRPr lang="en-US"/>
+            </a:p>
+          </p:txBody>
+        </p:sp>
+        <p:sp>
+          <p:nvSpPr>
+            <p:cNvPr id="66" name="Pentagon 65">
+              <a:extLst>
+                <a:ext uri="{FF2B5EF4-FFF2-40B4-BE49-F238E27FC236}">
+                  <a16:creationId xmlns:a16="http://schemas.microsoft.com/office/drawing/2014/main" id="{ABD33A3F-4CE8-461A-9C23-7F42FD2A0A0A}"/>
+                </a:ext>
+              </a:extLst>
+            </p:cNvPr>
+            <p:cNvSpPr/>
+            <p:nvPr/>
+          </p:nvSpPr>
+          <p:spPr>
+            <a:xfrm rot="2125229">
+              <a:off x="3120990" y="7843037"/>
+              <a:ext cx="259459" cy="259460"/>
+            </a:xfrm>
+            <a:prstGeom prst="pentagon">
+              <a:avLst/>
+            </a:prstGeom>
+            <a:solidFill>
+              <a:srgbClr val="60C495"/>
+            </a:solidFill>
+            <a:ln>
+              <a:solidFill>
+                <a:srgbClr val="60C495"/>
+              </a:solidFill>
+            </a:ln>
+          </p:spPr>
+          <p:style>
+            <a:lnRef idx="2">
+              <a:schemeClr val="accent1">
+                <a:shade val="50000"/>
+              </a:schemeClr>
+            </a:lnRef>
+            <a:fillRef idx="1">
+              <a:schemeClr val="accent1"/>
+            </a:fillRef>
+            <a:effectRef idx="0">
+              <a:schemeClr val="accent1"/>
+            </a:effectRef>
+            <a:fontRef idx="minor">
+              <a:schemeClr val="lt1"/>
+            </a:fontRef>
+          </p:style>
+          <p:txBody>
+            <a:bodyPr rtlCol="0" anchor="ctr"/>
+            <a:lstStyle/>
+            <a:p>
+              <a:pPr algn="ctr"/>
+              <a:endParaRPr lang="en-US"/>
+            </a:p>
+          </p:txBody>
+        </p:sp>
+        <p:sp>
+          <p:nvSpPr>
+            <p:cNvPr id="67" name="Pentagon 66">
+              <a:extLst>
+                <a:ext uri="{FF2B5EF4-FFF2-40B4-BE49-F238E27FC236}">
+                  <a16:creationId xmlns:a16="http://schemas.microsoft.com/office/drawing/2014/main" id="{3A3985DB-1472-4833-95FE-5A0A9DEA4247}"/>
+                </a:ext>
+              </a:extLst>
+            </p:cNvPr>
+            <p:cNvSpPr/>
+            <p:nvPr/>
+          </p:nvSpPr>
+          <p:spPr>
+            <a:xfrm>
+              <a:off x="3431627" y="7332044"/>
+              <a:ext cx="259459" cy="259460"/>
+            </a:xfrm>
+            <a:prstGeom prst="pentagon">
+              <a:avLst/>
+            </a:prstGeom>
+            <a:solidFill>
+              <a:srgbClr val="60C495"/>
+            </a:solidFill>
+            <a:ln>
+              <a:solidFill>
+                <a:srgbClr val="60C495"/>
+              </a:solidFill>
+            </a:ln>
+          </p:spPr>
+          <p:style>
+            <a:lnRef idx="2">
+              <a:schemeClr val="accent1">
+                <a:shade val="50000"/>
+              </a:schemeClr>
+            </a:lnRef>
+            <a:fillRef idx="1">
+              <a:schemeClr val="accent1"/>
+            </a:fillRef>
+            <a:effectRef idx="0">
+              <a:schemeClr val="accent1"/>
+            </a:effectRef>
+            <a:fontRef idx="minor">
+              <a:schemeClr val="lt1"/>
+            </a:fontRef>
+          </p:style>
+          <p:txBody>
+            <a:bodyPr rtlCol="0" anchor="ctr"/>
+            <a:lstStyle/>
+            <a:p>
+              <a:pPr algn="ctr"/>
+              <a:endParaRPr lang="en-US"/>
+            </a:p>
+          </p:txBody>
+        </p:sp>
+        <p:sp>
+          <p:nvSpPr>
+            <p:cNvPr id="68" name="Pentagon 67">
+              <a:extLst>
+                <a:ext uri="{FF2B5EF4-FFF2-40B4-BE49-F238E27FC236}">
+                  <a16:creationId xmlns:a16="http://schemas.microsoft.com/office/drawing/2014/main" id="{DB848931-D3C9-4B15-9887-CC4D7E8ECE1A}"/>
+                </a:ext>
+              </a:extLst>
+            </p:cNvPr>
+            <p:cNvSpPr/>
+            <p:nvPr/>
+          </p:nvSpPr>
+          <p:spPr>
+            <a:xfrm>
+              <a:off x="3431627" y="6932925"/>
+              <a:ext cx="259459" cy="259460"/>
+            </a:xfrm>
+            <a:prstGeom prst="pentagon">
+              <a:avLst/>
+            </a:prstGeom>
+            <a:solidFill>
+              <a:srgbClr val="60C495"/>
+            </a:solidFill>
+            <a:ln>
+              <a:solidFill>
+                <a:srgbClr val="60C495"/>
+              </a:solidFill>
+            </a:ln>
+          </p:spPr>
+          <p:style>
+            <a:lnRef idx="2">
+              <a:schemeClr val="accent1">
+                <a:shade val="50000"/>
+              </a:schemeClr>
+            </a:lnRef>
+            <a:fillRef idx="1">
+              <a:schemeClr val="accent1"/>
+            </a:fillRef>
+            <a:effectRef idx="0">
+              <a:schemeClr val="accent1"/>
+            </a:effectRef>
+            <a:fontRef idx="minor">
+              <a:schemeClr val="lt1"/>
+            </a:fontRef>
+          </p:style>
+          <p:txBody>
+            <a:bodyPr rtlCol="0" anchor="ctr"/>
+            <a:lstStyle/>
+            <a:p>
+              <a:pPr algn="ctr"/>
+              <a:endParaRPr lang="en-US"/>
+            </a:p>
+          </p:txBody>
+        </p:sp>
+        <p:sp>
+          <p:nvSpPr>
+            <p:cNvPr id="69" name="Pentagon 68">
+              <a:extLst>
+                <a:ext uri="{FF2B5EF4-FFF2-40B4-BE49-F238E27FC236}">
+                  <a16:creationId xmlns:a16="http://schemas.microsoft.com/office/drawing/2014/main" id="{61E20D6D-0F49-4D99-BEED-DC636E2E32C3}"/>
+                </a:ext>
+              </a:extLst>
+            </p:cNvPr>
+            <p:cNvSpPr/>
+            <p:nvPr/>
+          </p:nvSpPr>
+          <p:spPr>
+            <a:xfrm>
+              <a:off x="3431627" y="7731163"/>
+              <a:ext cx="259459" cy="259460"/>
+            </a:xfrm>
+            <a:prstGeom prst="pentagon">
+              <a:avLst/>
+            </a:prstGeom>
+            <a:solidFill>
+              <a:srgbClr val="60C495"/>
+            </a:solidFill>
+            <a:ln>
+              <a:solidFill>
+                <a:srgbClr val="60C495"/>
+              </a:solidFill>
+            </a:ln>
+          </p:spPr>
+          <p:style>
+            <a:lnRef idx="2">
+              <a:schemeClr val="accent1">
+                <a:shade val="50000"/>
+              </a:schemeClr>
+            </a:lnRef>
+            <a:fillRef idx="1">
+              <a:schemeClr val="accent1"/>
+            </a:fillRef>
+            <a:effectRef idx="0">
+              <a:schemeClr val="accent1"/>
+            </a:effectRef>
+            <a:fontRef idx="minor">
+              <a:schemeClr val="lt1"/>
+            </a:fontRef>
+          </p:style>
+          <p:txBody>
+            <a:bodyPr rtlCol="0" anchor="ctr"/>
+            <a:lstStyle/>
+            <a:p>
+              <a:pPr algn="ctr"/>
+              <a:endParaRPr lang="en-US"/>
+            </a:p>
+          </p:txBody>
+        </p:sp>
+        <p:sp>
+          <p:nvSpPr>
+            <p:cNvPr id="70" name="Pentagon 69">
+              <a:extLst>
+                <a:ext uri="{FF2B5EF4-FFF2-40B4-BE49-F238E27FC236}">
+                  <a16:creationId xmlns:a16="http://schemas.microsoft.com/office/drawing/2014/main" id="{9BA7B9C4-B417-4E71-8260-C35F35C3C066}"/>
+                </a:ext>
+              </a:extLst>
+            </p:cNvPr>
+            <p:cNvSpPr/>
+            <p:nvPr/>
+          </p:nvSpPr>
+          <p:spPr>
+            <a:xfrm rot="2125229">
+              <a:off x="3742265" y="7461774"/>
+              <a:ext cx="259459" cy="259460"/>
+            </a:xfrm>
+            <a:prstGeom prst="pentagon">
+              <a:avLst/>
+            </a:prstGeom>
+            <a:solidFill>
+              <a:srgbClr val="60C495"/>
+            </a:solidFill>
+            <a:ln>
+              <a:solidFill>
+                <a:srgbClr val="60C495"/>
+              </a:solidFill>
+            </a:ln>
+          </p:spPr>
+          <p:style>
+            <a:lnRef idx="2">
+              <a:schemeClr val="accent1">
+                <a:shade val="50000"/>
+              </a:schemeClr>
+            </a:lnRef>
+            <a:fillRef idx="1">
+              <a:schemeClr val="accent1"/>
+            </a:fillRef>
+            <a:effectRef idx="0">
+              <a:schemeClr val="accent1"/>
+            </a:effectRef>
+            <a:fontRef idx="minor">
+              <a:schemeClr val="lt1"/>
+            </a:fontRef>
+          </p:style>
+          <p:txBody>
+            <a:bodyPr rtlCol="0" anchor="ctr"/>
+            <a:lstStyle/>
+            <a:p>
+              <a:pPr algn="ctr"/>
+              <a:endParaRPr lang="en-US"/>
+            </a:p>
+          </p:txBody>
+        </p:sp>
+        <p:sp>
+          <p:nvSpPr>
+            <p:cNvPr id="71" name="Pentagon 70">
+              <a:extLst>
+                <a:ext uri="{FF2B5EF4-FFF2-40B4-BE49-F238E27FC236}">
+                  <a16:creationId xmlns:a16="http://schemas.microsoft.com/office/drawing/2014/main" id="{9139D4F8-716B-478D-ACC9-F91C1BEC4885}"/>
+                </a:ext>
+              </a:extLst>
+            </p:cNvPr>
+            <p:cNvSpPr/>
+            <p:nvPr/>
+          </p:nvSpPr>
+          <p:spPr>
+            <a:xfrm rot="2125229">
+              <a:off x="3742265" y="7062655"/>
+              <a:ext cx="259459" cy="259460"/>
+            </a:xfrm>
+            <a:prstGeom prst="pentagon">
+              <a:avLst/>
+            </a:prstGeom>
+            <a:solidFill>
+              <a:srgbClr val="60C495"/>
+            </a:solidFill>
+            <a:ln>
+              <a:solidFill>
+                <a:srgbClr val="60C495"/>
+              </a:solidFill>
+            </a:ln>
+          </p:spPr>
+          <p:style>
+            <a:lnRef idx="2">
+              <a:schemeClr val="accent1">
+                <a:shade val="50000"/>
+              </a:schemeClr>
+            </a:lnRef>
+            <a:fillRef idx="1">
+              <a:schemeClr val="accent1"/>
+            </a:fillRef>
+            <a:effectRef idx="0">
+              <a:schemeClr val="accent1"/>
+            </a:effectRef>
+            <a:fontRef idx="minor">
+              <a:schemeClr val="lt1"/>
+            </a:fontRef>
+          </p:style>
+          <p:txBody>
+            <a:bodyPr rtlCol="0" anchor="ctr"/>
+            <a:lstStyle/>
+            <a:p>
+              <a:pPr algn="ctr"/>
+              <a:endParaRPr lang="en-US"/>
+            </a:p>
+          </p:txBody>
+        </p:sp>
+        <p:sp>
+          <p:nvSpPr>
+            <p:cNvPr id="72" name="Pentagon 71">
+              <a:extLst>
+                <a:ext uri="{FF2B5EF4-FFF2-40B4-BE49-F238E27FC236}">
+                  <a16:creationId xmlns:a16="http://schemas.microsoft.com/office/drawing/2014/main" id="{B89B6E64-0D32-4CBC-9B8F-FA9AF533017E}"/>
+                </a:ext>
+              </a:extLst>
+            </p:cNvPr>
+            <p:cNvSpPr/>
+            <p:nvPr/>
+          </p:nvSpPr>
+          <p:spPr>
+            <a:xfrm rot="2125229">
+              <a:off x="3742265" y="7860894"/>
+              <a:ext cx="259459" cy="259460"/>
+            </a:xfrm>
+            <a:prstGeom prst="pentagon">
+              <a:avLst/>
+            </a:prstGeom>
+            <a:solidFill>
+              <a:srgbClr val="60C495"/>
+            </a:solidFill>
+            <a:ln>
+              <a:solidFill>
+                <a:srgbClr val="60C495"/>
+              </a:solidFill>
+            </a:ln>
+          </p:spPr>
+          <p:style>
+            <a:lnRef idx="2">
+              <a:schemeClr val="accent1">
+                <a:shade val="50000"/>
+              </a:schemeClr>
+            </a:lnRef>
+            <a:fillRef idx="1">
+              <a:schemeClr val="accent1"/>
+            </a:fillRef>
+            <a:effectRef idx="0">
+              <a:schemeClr val="accent1"/>
+            </a:effectRef>
+            <a:fontRef idx="minor">
+              <a:schemeClr val="lt1"/>
+            </a:fontRef>
+          </p:style>
+          <p:txBody>
+            <a:bodyPr rtlCol="0" anchor="ctr"/>
+            <a:lstStyle/>
+            <a:p>
+              <a:pPr algn="ctr"/>
+              <a:endParaRPr lang="en-US"/>
+            </a:p>
+          </p:txBody>
+        </p:sp>
+        <p:sp>
+          <p:nvSpPr>
+            <p:cNvPr id="73" name="Pentagon 72">
+              <a:extLst>
+                <a:ext uri="{FF2B5EF4-FFF2-40B4-BE49-F238E27FC236}">
+                  <a16:creationId xmlns:a16="http://schemas.microsoft.com/office/drawing/2014/main" id="{21DC8BA6-6556-4F6F-AF1D-6AF356A66E51}"/>
+                </a:ext>
+              </a:extLst>
+            </p:cNvPr>
+            <p:cNvSpPr/>
+            <p:nvPr/>
+          </p:nvSpPr>
+          <p:spPr>
+            <a:xfrm>
+              <a:off x="4043764" y="7693860"/>
+              <a:ext cx="259459" cy="259460"/>
+            </a:xfrm>
+            <a:prstGeom prst="pentagon">
+              <a:avLst/>
+            </a:prstGeom>
+            <a:solidFill>
+              <a:srgbClr val="60C495"/>
+            </a:solidFill>
+            <a:ln>
+              <a:solidFill>
+                <a:srgbClr val="60C495"/>
+              </a:solidFill>
+            </a:ln>
+          </p:spPr>
+          <p:style>
+            <a:lnRef idx="2">
+              <a:schemeClr val="accent1">
+                <a:shade val="50000"/>
+              </a:schemeClr>
+            </a:lnRef>
+            <a:fillRef idx="1">
+              <a:schemeClr val="accent1"/>
+            </a:fillRef>
+            <a:effectRef idx="0">
+              <a:schemeClr val="accent1"/>
+            </a:effectRef>
+            <a:fontRef idx="minor">
+              <a:schemeClr val="lt1"/>
+            </a:fontRef>
+          </p:style>
+          <p:txBody>
+            <a:bodyPr rtlCol="0" anchor="ctr"/>
+            <a:lstStyle/>
+            <a:p>
+              <a:pPr algn="ctr"/>
+              <a:endParaRPr lang="en-US"/>
+            </a:p>
+          </p:txBody>
+        </p:sp>
+        <p:sp>
+          <p:nvSpPr>
+            <p:cNvPr id="74" name="Pentagon 73">
+              <a:extLst>
+                <a:ext uri="{FF2B5EF4-FFF2-40B4-BE49-F238E27FC236}">
+                  <a16:creationId xmlns:a16="http://schemas.microsoft.com/office/drawing/2014/main" id="{7E41E38C-895D-4194-AE97-D627A085B7E4}"/>
+                </a:ext>
+              </a:extLst>
+            </p:cNvPr>
+            <p:cNvSpPr/>
+            <p:nvPr/>
+          </p:nvSpPr>
+          <p:spPr>
+            <a:xfrm rot="2125229">
+              <a:off x="4354402" y="7823590"/>
+              <a:ext cx="259459" cy="259460"/>
+            </a:xfrm>
+            <a:prstGeom prst="pentagon">
+              <a:avLst/>
+            </a:prstGeom>
+            <a:solidFill>
+              <a:srgbClr val="60C495"/>
+            </a:solidFill>
+            <a:ln>
+              <a:solidFill>
+                <a:srgbClr val="60C495"/>
+              </a:solidFill>
+            </a:ln>
+          </p:spPr>
+          <p:style>
+            <a:lnRef idx="2">
+              <a:schemeClr val="accent1">
+                <a:shade val="50000"/>
+              </a:schemeClr>
+            </a:lnRef>
+            <a:fillRef idx="1">
+              <a:schemeClr val="accent1"/>
+            </a:fillRef>
+            <a:effectRef idx="0">
+              <a:schemeClr val="accent1"/>
+            </a:effectRef>
+            <a:fontRef idx="minor">
+              <a:schemeClr val="lt1"/>
+            </a:fontRef>
+          </p:style>
+          <p:txBody>
+            <a:bodyPr rtlCol="0" anchor="ctr"/>
+            <a:lstStyle/>
+            <a:p>
+              <a:pPr algn="ctr"/>
+              <a:endParaRPr lang="en-US"/>
+            </a:p>
+          </p:txBody>
+        </p:sp>
+        <p:sp>
+          <p:nvSpPr>
+            <p:cNvPr id="194" name="Pentagon 193">
+              <a:extLst>
+                <a:ext uri="{FF2B5EF4-FFF2-40B4-BE49-F238E27FC236}">
+                  <a16:creationId xmlns:a16="http://schemas.microsoft.com/office/drawing/2014/main" id="{78DEE07A-898C-46D8-A8E4-7080214DB664}"/>
+                </a:ext>
+              </a:extLst>
+            </p:cNvPr>
+            <p:cNvSpPr/>
+            <p:nvPr/>
+          </p:nvSpPr>
+          <p:spPr>
+            <a:xfrm>
+              <a:off x="1567801" y="7992627"/>
+              <a:ext cx="259459" cy="259460"/>
+            </a:xfrm>
+            <a:prstGeom prst="pentagon">
+              <a:avLst/>
+            </a:prstGeom>
+            <a:solidFill>
+              <a:srgbClr val="60C495"/>
+            </a:solidFill>
+            <a:ln>
+              <a:solidFill>
+                <a:srgbClr val="60C495"/>
+              </a:solidFill>
+            </a:ln>
+          </p:spPr>
+          <p:style>
+            <a:lnRef idx="2">
+              <a:schemeClr val="accent1">
+                <a:shade val="50000"/>
+              </a:schemeClr>
+            </a:lnRef>
+            <a:fillRef idx="1">
+              <a:schemeClr val="accent1"/>
+            </a:fillRef>
+            <a:effectRef idx="0">
+              <a:schemeClr val="accent1"/>
+            </a:effectRef>
+            <a:fontRef idx="minor">
+              <a:schemeClr val="lt1"/>
+            </a:fontRef>
+          </p:style>
+          <p:txBody>
+            <a:bodyPr rtlCol="0" anchor="ctr"/>
+            <a:lstStyle/>
+            <a:p>
+              <a:pPr algn="ctr"/>
+              <a:endParaRPr lang="en-US"/>
+            </a:p>
+          </p:txBody>
+        </p:sp>
+        <p:sp>
+          <p:nvSpPr>
+            <p:cNvPr id="195" name="Pentagon 194">
+              <a:extLst>
+                <a:ext uri="{FF2B5EF4-FFF2-40B4-BE49-F238E27FC236}">
+                  <a16:creationId xmlns:a16="http://schemas.microsoft.com/office/drawing/2014/main" id="{6B51ED56-B308-4A04-B2A1-14F1310DE708}"/>
+                </a:ext>
+              </a:extLst>
+            </p:cNvPr>
+            <p:cNvSpPr/>
+            <p:nvPr/>
+          </p:nvSpPr>
+          <p:spPr>
+            <a:xfrm rot="2125229">
+              <a:off x="1878439" y="8122357"/>
+              <a:ext cx="259459" cy="259460"/>
+            </a:xfrm>
+            <a:prstGeom prst="pentagon">
+              <a:avLst/>
+            </a:prstGeom>
+            <a:solidFill>
+              <a:srgbClr val="60C495"/>
+            </a:solidFill>
+            <a:ln>
+              <a:solidFill>
+                <a:srgbClr val="60C495"/>
+              </a:solidFill>
+            </a:ln>
+          </p:spPr>
+          <p:style>
+            <a:lnRef idx="2">
+              <a:schemeClr val="accent1">
+                <a:shade val="50000"/>
+              </a:schemeClr>
+            </a:lnRef>
+            <a:fillRef idx="1">
+              <a:schemeClr val="accent1"/>
+            </a:fillRef>
+            <a:effectRef idx="0">
+              <a:schemeClr val="accent1"/>
+            </a:effectRef>
+            <a:fontRef idx="minor">
+              <a:schemeClr val="lt1"/>
+            </a:fontRef>
+          </p:style>
+          <p:txBody>
+            <a:bodyPr rtlCol="0" anchor="ctr"/>
+            <a:lstStyle/>
+            <a:p>
+              <a:pPr algn="ctr"/>
+              <a:endParaRPr lang="en-US"/>
+            </a:p>
+          </p:txBody>
+        </p:sp>
+        <p:sp>
+          <p:nvSpPr>
+            <p:cNvPr id="196" name="Pentagon 195">
+              <a:extLst>
+                <a:ext uri="{FF2B5EF4-FFF2-40B4-BE49-F238E27FC236}">
+                  <a16:creationId xmlns:a16="http://schemas.microsoft.com/office/drawing/2014/main" id="{AC04BCCC-60EA-426B-96F2-EDFD624BCFB5}"/>
+                </a:ext>
+              </a:extLst>
+            </p:cNvPr>
+            <p:cNvSpPr/>
+            <p:nvPr/>
+          </p:nvSpPr>
+          <p:spPr>
+            <a:xfrm>
+              <a:off x="2189076" y="7992626"/>
+              <a:ext cx="259459" cy="259460"/>
+            </a:xfrm>
+            <a:prstGeom prst="pentagon">
+              <a:avLst/>
+            </a:prstGeom>
+            <a:solidFill>
+              <a:srgbClr val="60C495"/>
+            </a:solidFill>
+            <a:ln>
+              <a:solidFill>
+                <a:srgbClr val="60C495"/>
+              </a:solidFill>
+            </a:ln>
+          </p:spPr>
+          <p:style>
+            <a:lnRef idx="2">
+              <a:schemeClr val="accent1">
+                <a:shade val="50000"/>
+              </a:schemeClr>
+            </a:lnRef>
+            <a:fillRef idx="1">
+              <a:schemeClr val="accent1"/>
+            </a:fillRef>
+            <a:effectRef idx="0">
+              <a:schemeClr val="accent1"/>
+            </a:effectRef>
+            <a:fontRef idx="minor">
+              <a:schemeClr val="lt1"/>
+            </a:fontRef>
+          </p:style>
+          <p:txBody>
+            <a:bodyPr rtlCol="0" anchor="ctr"/>
+            <a:lstStyle/>
+            <a:p>
+              <a:pPr algn="ctr"/>
+              <a:endParaRPr lang="en-US"/>
+            </a:p>
+          </p:txBody>
+        </p:sp>
+        <p:sp>
+          <p:nvSpPr>
+            <p:cNvPr id="197" name="Pentagon 196">
+              <a:extLst>
+                <a:ext uri="{FF2B5EF4-FFF2-40B4-BE49-F238E27FC236}">
+                  <a16:creationId xmlns:a16="http://schemas.microsoft.com/office/drawing/2014/main" id="{51D24684-480A-4F22-BAFF-FAA3596E16E0}"/>
+                </a:ext>
+              </a:extLst>
+            </p:cNvPr>
+            <p:cNvSpPr/>
+            <p:nvPr/>
+          </p:nvSpPr>
+          <p:spPr>
+            <a:xfrm rot="2125229">
+              <a:off x="2499713" y="8122356"/>
+              <a:ext cx="259459" cy="259460"/>
+            </a:xfrm>
+            <a:prstGeom prst="pentagon">
+              <a:avLst/>
+            </a:prstGeom>
+            <a:solidFill>
+              <a:srgbClr val="60C495"/>
+            </a:solidFill>
+            <a:ln>
+              <a:solidFill>
+                <a:srgbClr val="60C495"/>
+              </a:solidFill>
+            </a:ln>
+          </p:spPr>
+          <p:style>
+            <a:lnRef idx="2">
+              <a:schemeClr val="accent1">
+                <a:shade val="50000"/>
+              </a:schemeClr>
+            </a:lnRef>
+            <a:fillRef idx="1">
+              <a:schemeClr val="accent1"/>
+            </a:fillRef>
+            <a:effectRef idx="0">
+              <a:schemeClr val="accent1"/>
+            </a:effectRef>
+            <a:fontRef idx="minor">
+              <a:schemeClr val="lt1"/>
+            </a:fontRef>
+          </p:style>
+          <p:txBody>
+            <a:bodyPr rtlCol="0" anchor="ctr"/>
+            <a:lstStyle/>
+            <a:p>
+              <a:pPr algn="ctr"/>
+              <a:endParaRPr lang="en-US"/>
+            </a:p>
+          </p:txBody>
+        </p:sp>
+        <p:sp>
+          <p:nvSpPr>
+            <p:cNvPr id="198" name="Pentagon 197">
+              <a:extLst>
+                <a:ext uri="{FF2B5EF4-FFF2-40B4-BE49-F238E27FC236}">
+                  <a16:creationId xmlns:a16="http://schemas.microsoft.com/office/drawing/2014/main" id="{B433F1F1-0A56-4615-B5A0-BB5D6A6C77AB}"/>
+                </a:ext>
+              </a:extLst>
+            </p:cNvPr>
+            <p:cNvSpPr/>
+            <p:nvPr/>
+          </p:nvSpPr>
+          <p:spPr>
+            <a:xfrm>
+              <a:off x="2810351" y="8071178"/>
+              <a:ext cx="259459" cy="259460"/>
+            </a:xfrm>
+            <a:prstGeom prst="pentagon">
+              <a:avLst/>
+            </a:prstGeom>
+            <a:solidFill>
+              <a:srgbClr val="60C495"/>
+            </a:solidFill>
+            <a:ln>
+              <a:solidFill>
+                <a:srgbClr val="60C495"/>
+              </a:solidFill>
+            </a:ln>
+          </p:spPr>
+          <p:style>
+            <a:lnRef idx="2">
+              <a:schemeClr val="accent1">
+                <a:shade val="50000"/>
+              </a:schemeClr>
+            </a:lnRef>
+            <a:fillRef idx="1">
+              <a:schemeClr val="accent1"/>
+            </a:fillRef>
+            <a:effectRef idx="0">
+              <a:schemeClr val="accent1"/>
+            </a:effectRef>
+            <a:fontRef idx="minor">
+              <a:schemeClr val="lt1"/>
+            </a:fontRef>
+          </p:style>
+          <p:txBody>
+            <a:bodyPr rtlCol="0" anchor="ctr"/>
+            <a:lstStyle/>
+            <a:p>
+              <a:pPr algn="ctr"/>
+              <a:endParaRPr lang="en-US"/>
+            </a:p>
+          </p:txBody>
+        </p:sp>
+        <p:sp>
+          <p:nvSpPr>
+            <p:cNvPr id="199" name="Pentagon 198">
+              <a:extLst>
+                <a:ext uri="{FF2B5EF4-FFF2-40B4-BE49-F238E27FC236}">
+                  <a16:creationId xmlns:a16="http://schemas.microsoft.com/office/drawing/2014/main" id="{117FBA7D-22FB-48B7-AD31-FCA917539B32}"/>
+                </a:ext>
+              </a:extLst>
+            </p:cNvPr>
+            <p:cNvSpPr/>
+            <p:nvPr/>
+          </p:nvSpPr>
+          <p:spPr>
+            <a:xfrm rot="2125229">
+              <a:off x="3120988" y="8200908"/>
+              <a:ext cx="259459" cy="259460"/>
+            </a:xfrm>
+            <a:prstGeom prst="pentagon">
+              <a:avLst/>
+            </a:prstGeom>
+            <a:solidFill>
+              <a:srgbClr val="60C495"/>
+            </a:solidFill>
+            <a:ln>
+              <a:solidFill>
+                <a:srgbClr val="60C495"/>
+              </a:solidFill>
+            </a:ln>
+          </p:spPr>
+          <p:style>
+            <a:lnRef idx="2">
+              <a:schemeClr val="accent1">
+                <a:shade val="50000"/>
+              </a:schemeClr>
+            </a:lnRef>
+            <a:fillRef idx="1">
+              <a:schemeClr val="accent1"/>
+            </a:fillRef>
+            <a:effectRef idx="0">
+              <a:schemeClr val="accent1"/>
+            </a:effectRef>
+            <a:fontRef idx="minor">
+              <a:schemeClr val="lt1"/>
+            </a:fontRef>
+          </p:style>
+          <p:txBody>
+            <a:bodyPr rtlCol="0" anchor="ctr"/>
+            <a:lstStyle/>
+            <a:p>
+              <a:pPr algn="ctr"/>
+              <a:endParaRPr lang="en-US"/>
+            </a:p>
+          </p:txBody>
+        </p:sp>
+        <p:sp>
+          <p:nvSpPr>
+            <p:cNvPr id="200" name="Pentagon 199">
+              <a:extLst>
+                <a:ext uri="{FF2B5EF4-FFF2-40B4-BE49-F238E27FC236}">
+                  <a16:creationId xmlns:a16="http://schemas.microsoft.com/office/drawing/2014/main" id="{C20227E4-8B88-418E-ACBC-2E3E50914E75}"/>
+                </a:ext>
+              </a:extLst>
+            </p:cNvPr>
+            <p:cNvSpPr/>
+            <p:nvPr/>
+          </p:nvSpPr>
+          <p:spPr>
+            <a:xfrm>
+              <a:off x="3431625" y="8089034"/>
+              <a:ext cx="259459" cy="259460"/>
+            </a:xfrm>
+            <a:prstGeom prst="pentagon">
+              <a:avLst/>
+            </a:prstGeom>
+            <a:solidFill>
+              <a:srgbClr val="60C495"/>
+            </a:solidFill>
+            <a:ln>
+              <a:solidFill>
+                <a:srgbClr val="60C495"/>
+              </a:solidFill>
+            </a:ln>
+          </p:spPr>
+          <p:style>
+            <a:lnRef idx="2">
+              <a:schemeClr val="accent1">
+                <a:shade val="50000"/>
+              </a:schemeClr>
+            </a:lnRef>
+            <a:fillRef idx="1">
+              <a:schemeClr val="accent1"/>
+            </a:fillRef>
+            <a:effectRef idx="0">
+              <a:schemeClr val="accent1"/>
+            </a:effectRef>
+            <a:fontRef idx="minor">
+              <a:schemeClr val="lt1"/>
+            </a:fontRef>
+          </p:style>
+          <p:txBody>
+            <a:bodyPr rtlCol="0" anchor="ctr"/>
+            <a:lstStyle/>
+            <a:p>
+              <a:pPr algn="ctr"/>
+              <a:endParaRPr lang="en-US"/>
+            </a:p>
+          </p:txBody>
+        </p:sp>
+        <p:sp>
+          <p:nvSpPr>
+            <p:cNvPr id="201" name="Pentagon 200">
+              <a:extLst>
+                <a:ext uri="{FF2B5EF4-FFF2-40B4-BE49-F238E27FC236}">
+                  <a16:creationId xmlns:a16="http://schemas.microsoft.com/office/drawing/2014/main" id="{98C05014-5C9D-4B17-9F2C-64F78C40C59B}"/>
+                </a:ext>
+              </a:extLst>
+            </p:cNvPr>
+            <p:cNvSpPr/>
+            <p:nvPr/>
+          </p:nvSpPr>
+          <p:spPr>
+            <a:xfrm rot="2125229">
+              <a:off x="3742263" y="8218765"/>
+              <a:ext cx="259459" cy="259460"/>
+            </a:xfrm>
+            <a:prstGeom prst="pentagon">
+              <a:avLst/>
+            </a:prstGeom>
+            <a:solidFill>
+              <a:srgbClr val="60C495"/>
+            </a:solidFill>
+            <a:ln>
+              <a:solidFill>
+                <a:srgbClr val="60C495"/>
+              </a:solidFill>
+            </a:ln>
+          </p:spPr>
+          <p:style>
+            <a:lnRef idx="2">
+              <a:schemeClr val="accent1">
+                <a:shade val="50000"/>
+              </a:schemeClr>
+            </a:lnRef>
+            <a:fillRef idx="1">
+              <a:schemeClr val="accent1"/>
+            </a:fillRef>
+            <a:effectRef idx="0">
+              <a:schemeClr val="accent1"/>
+            </a:effectRef>
+            <a:fontRef idx="minor">
+              <a:schemeClr val="lt1"/>
+            </a:fontRef>
+          </p:style>
+          <p:txBody>
+            <a:bodyPr rtlCol="0" anchor="ctr"/>
+            <a:lstStyle/>
+            <a:p>
+              <a:pPr algn="ctr"/>
+              <a:endParaRPr lang="en-US"/>
+            </a:p>
+          </p:txBody>
+        </p:sp>
+        <p:sp>
+          <p:nvSpPr>
+            <p:cNvPr id="202" name="Pentagon 201">
+              <a:extLst>
+                <a:ext uri="{FF2B5EF4-FFF2-40B4-BE49-F238E27FC236}">
+                  <a16:creationId xmlns:a16="http://schemas.microsoft.com/office/drawing/2014/main" id="{A0BDE8CD-11AC-4BA1-A371-A1793DC38E9F}"/>
+                </a:ext>
+              </a:extLst>
+            </p:cNvPr>
+            <p:cNvSpPr/>
+            <p:nvPr/>
+          </p:nvSpPr>
+          <p:spPr>
+            <a:xfrm>
+              <a:off x="4043762" y="8051731"/>
+              <a:ext cx="259459" cy="259460"/>
+            </a:xfrm>
+            <a:prstGeom prst="pentagon">
+              <a:avLst/>
+            </a:prstGeom>
+            <a:solidFill>
+              <a:srgbClr val="60C495"/>
+            </a:solidFill>
+            <a:ln>
+              <a:solidFill>
+                <a:srgbClr val="60C495"/>
+              </a:solidFill>
+            </a:ln>
+          </p:spPr>
+          <p:style>
+            <a:lnRef idx="2">
+              <a:schemeClr val="accent1">
+                <a:shade val="50000"/>
+              </a:schemeClr>
+            </a:lnRef>
+            <a:fillRef idx="1">
+              <a:schemeClr val="accent1"/>
+            </a:fillRef>
+            <a:effectRef idx="0">
+              <a:schemeClr val="accent1"/>
+            </a:effectRef>
+            <a:fontRef idx="minor">
+              <a:schemeClr val="lt1"/>
+            </a:fontRef>
+          </p:style>
+          <p:txBody>
+            <a:bodyPr rtlCol="0" anchor="ctr"/>
+            <a:lstStyle/>
+            <a:p>
+              <a:pPr algn="ctr"/>
+              <a:endParaRPr lang="en-US"/>
+            </a:p>
+          </p:txBody>
+        </p:sp>
+        <p:sp>
+          <p:nvSpPr>
+            <p:cNvPr id="203" name="Pentagon 202">
+              <a:extLst>
+                <a:ext uri="{FF2B5EF4-FFF2-40B4-BE49-F238E27FC236}">
+                  <a16:creationId xmlns:a16="http://schemas.microsoft.com/office/drawing/2014/main" id="{8D650C06-D45B-4C36-A060-2852A0BE112A}"/>
+                </a:ext>
+              </a:extLst>
+            </p:cNvPr>
+            <p:cNvSpPr/>
+            <p:nvPr/>
+          </p:nvSpPr>
+          <p:spPr>
+            <a:xfrm rot="2125229">
+              <a:off x="4354400" y="8181461"/>
+              <a:ext cx="259459" cy="259460"/>
+            </a:xfrm>
+            <a:prstGeom prst="pentagon">
+              <a:avLst/>
+            </a:prstGeom>
+            <a:solidFill>
+              <a:srgbClr val="60C495"/>
+            </a:solidFill>
+            <a:ln>
+              <a:solidFill>
+                <a:srgbClr val="60C495"/>
+              </a:solidFill>
+            </a:ln>
+          </p:spPr>
+          <p:style>
+            <a:lnRef idx="2">
+              <a:schemeClr val="accent1">
+                <a:shade val="50000"/>
+              </a:schemeClr>
+            </a:lnRef>
+            <a:fillRef idx="1">
+              <a:schemeClr val="accent1"/>
+            </a:fillRef>
+            <a:effectRef idx="0">
+              <a:schemeClr val="accent1"/>
+            </a:effectRef>
+            <a:fontRef idx="minor">
+              <a:schemeClr val="lt1"/>
+            </a:fontRef>
+          </p:style>
+          <p:txBody>
+            <a:bodyPr rtlCol="0" anchor="ctr"/>
+            <a:lstStyle/>
+            <a:p>
+              <a:pPr algn="ctr"/>
+              <a:endParaRPr lang="en-US"/>
+            </a:p>
+          </p:txBody>
+        </p:sp>
+        <p:sp>
+          <p:nvSpPr>
+            <p:cNvPr id="206" name="Pentagon 205">
+              <a:extLst>
+                <a:ext uri="{FF2B5EF4-FFF2-40B4-BE49-F238E27FC236}">
+                  <a16:creationId xmlns:a16="http://schemas.microsoft.com/office/drawing/2014/main" id="{91CB6AB7-3C24-44CB-A21B-B0336E9FE3E9}"/>
+                </a:ext>
+              </a:extLst>
+            </p:cNvPr>
+            <p:cNvSpPr/>
+            <p:nvPr/>
+          </p:nvSpPr>
+          <p:spPr>
+            <a:xfrm>
+              <a:off x="1567799" y="8334682"/>
+              <a:ext cx="259459" cy="259460"/>
+            </a:xfrm>
+            <a:prstGeom prst="pentagon">
+              <a:avLst/>
+            </a:prstGeom>
+            <a:solidFill>
+              <a:srgbClr val="60C495"/>
+            </a:solidFill>
+            <a:ln>
+              <a:solidFill>
+                <a:srgbClr val="60C495"/>
+              </a:solidFill>
+            </a:ln>
+          </p:spPr>
+          <p:style>
+            <a:lnRef idx="2">
+              <a:schemeClr val="accent1">
+                <a:shade val="50000"/>
+              </a:schemeClr>
+            </a:lnRef>
+            <a:fillRef idx="1">
+              <a:schemeClr val="accent1"/>
+            </a:fillRef>
+            <a:effectRef idx="0">
+              <a:schemeClr val="accent1"/>
+            </a:effectRef>
+            <a:fontRef idx="minor">
+              <a:schemeClr val="lt1"/>
+            </a:fontRef>
+          </p:style>
+          <p:txBody>
+            <a:bodyPr rtlCol="0" anchor="ctr"/>
+            <a:lstStyle/>
+            <a:p>
+              <a:pPr algn="ctr"/>
+              <a:endParaRPr lang="en-US"/>
+            </a:p>
+          </p:txBody>
+        </p:sp>
+        <p:sp>
+          <p:nvSpPr>
+            <p:cNvPr id="207" name="Pentagon 206">
+              <a:extLst>
+                <a:ext uri="{FF2B5EF4-FFF2-40B4-BE49-F238E27FC236}">
+                  <a16:creationId xmlns:a16="http://schemas.microsoft.com/office/drawing/2014/main" id="{6EEA1258-069A-4F5D-94F4-906A58F5EFAC}"/>
+                </a:ext>
+              </a:extLst>
+            </p:cNvPr>
+            <p:cNvSpPr/>
+            <p:nvPr/>
+          </p:nvSpPr>
+          <p:spPr>
+            <a:xfrm rot="2125229">
+              <a:off x="1878437" y="8464412"/>
+              <a:ext cx="259459" cy="259460"/>
+            </a:xfrm>
+            <a:prstGeom prst="pentagon">
+              <a:avLst/>
+            </a:prstGeom>
+            <a:solidFill>
+              <a:srgbClr val="60C495"/>
+            </a:solidFill>
+            <a:ln>
+              <a:solidFill>
+                <a:srgbClr val="60C495"/>
+              </a:solidFill>
+            </a:ln>
+          </p:spPr>
+          <p:style>
+            <a:lnRef idx="2">
+              <a:schemeClr val="accent1">
+                <a:shade val="50000"/>
+              </a:schemeClr>
+            </a:lnRef>
+            <a:fillRef idx="1">
+              <a:schemeClr val="accent1"/>
+            </a:fillRef>
+            <a:effectRef idx="0">
+              <a:schemeClr val="accent1"/>
+            </a:effectRef>
+            <a:fontRef idx="minor">
+              <a:schemeClr val="lt1"/>
+            </a:fontRef>
+          </p:style>
+          <p:txBody>
+            <a:bodyPr rtlCol="0" anchor="ctr"/>
+            <a:lstStyle/>
+            <a:p>
+              <a:pPr algn="ctr"/>
+              <a:endParaRPr lang="en-US"/>
+            </a:p>
+          </p:txBody>
+        </p:sp>
+        <p:sp>
+          <p:nvSpPr>
+            <p:cNvPr id="208" name="Pentagon 207">
+              <a:extLst>
+                <a:ext uri="{FF2B5EF4-FFF2-40B4-BE49-F238E27FC236}">
+                  <a16:creationId xmlns:a16="http://schemas.microsoft.com/office/drawing/2014/main" id="{96F5CFB4-D26E-475D-94B2-9C0E676E12FA}"/>
+                </a:ext>
+              </a:extLst>
+            </p:cNvPr>
+            <p:cNvSpPr/>
+            <p:nvPr/>
+          </p:nvSpPr>
+          <p:spPr>
+            <a:xfrm>
+              <a:off x="2189074" y="8334681"/>
+              <a:ext cx="259459" cy="259460"/>
+            </a:xfrm>
+            <a:prstGeom prst="pentagon">
+              <a:avLst/>
+            </a:prstGeom>
+            <a:solidFill>
+              <a:srgbClr val="60C495"/>
+            </a:solidFill>
+            <a:ln>
+              <a:solidFill>
+                <a:srgbClr val="60C495"/>
+              </a:solidFill>
+            </a:ln>
+          </p:spPr>
+          <p:style>
+            <a:lnRef idx="2">
+              <a:schemeClr val="accent1">
+                <a:shade val="50000"/>
+              </a:schemeClr>
+            </a:lnRef>
+            <a:fillRef idx="1">
+              <a:schemeClr val="accent1"/>
+            </a:fillRef>
+            <a:effectRef idx="0">
+              <a:schemeClr val="accent1"/>
+            </a:effectRef>
+            <a:fontRef idx="minor">
+              <a:schemeClr val="lt1"/>
+            </a:fontRef>
+          </p:style>
+          <p:txBody>
+            <a:bodyPr rtlCol="0" anchor="ctr"/>
+            <a:lstStyle/>
+            <a:p>
+              <a:pPr algn="ctr"/>
+              <a:endParaRPr lang="en-US"/>
+            </a:p>
+          </p:txBody>
+        </p:sp>
+        <p:sp>
+          <p:nvSpPr>
+            <p:cNvPr id="209" name="Pentagon 208">
+              <a:extLst>
+                <a:ext uri="{FF2B5EF4-FFF2-40B4-BE49-F238E27FC236}">
+                  <a16:creationId xmlns:a16="http://schemas.microsoft.com/office/drawing/2014/main" id="{8E42D7B2-3CFA-4DA5-B20F-BDA0CFED10F3}"/>
+                </a:ext>
+              </a:extLst>
+            </p:cNvPr>
+            <p:cNvSpPr/>
+            <p:nvPr/>
+          </p:nvSpPr>
+          <p:spPr>
+            <a:xfrm rot="2125229">
+              <a:off x="2499711" y="8464411"/>
+              <a:ext cx="259459" cy="259460"/>
+            </a:xfrm>
+            <a:prstGeom prst="pentagon">
+              <a:avLst/>
+            </a:prstGeom>
+            <a:solidFill>
+              <a:srgbClr val="60C495"/>
+            </a:solidFill>
+            <a:ln>
+              <a:solidFill>
+                <a:srgbClr val="60C495"/>
+              </a:solidFill>
+            </a:ln>
+          </p:spPr>
+          <p:style>
+            <a:lnRef idx="2">
+              <a:schemeClr val="accent1">
+                <a:shade val="50000"/>
+              </a:schemeClr>
+            </a:lnRef>
+            <a:fillRef idx="1">
+              <a:schemeClr val="accent1"/>
+            </a:fillRef>
+            <a:effectRef idx="0">
+              <a:schemeClr val="accent1"/>
+            </a:effectRef>
+            <a:fontRef idx="minor">
+              <a:schemeClr val="lt1"/>
+            </a:fontRef>
+          </p:style>
+          <p:txBody>
+            <a:bodyPr rtlCol="0" anchor="ctr"/>
+            <a:lstStyle/>
+            <a:p>
+              <a:pPr algn="ctr"/>
+              <a:endParaRPr lang="en-US"/>
+            </a:p>
+          </p:txBody>
+        </p:sp>
+        <p:sp>
+          <p:nvSpPr>
+            <p:cNvPr id="210" name="Pentagon 209">
+              <a:extLst>
+                <a:ext uri="{FF2B5EF4-FFF2-40B4-BE49-F238E27FC236}">
+                  <a16:creationId xmlns:a16="http://schemas.microsoft.com/office/drawing/2014/main" id="{BB53CD11-4D18-4824-A323-126BAE46EDC3}"/>
+                </a:ext>
+              </a:extLst>
+            </p:cNvPr>
+            <p:cNvSpPr/>
+            <p:nvPr/>
+          </p:nvSpPr>
+          <p:spPr>
+            <a:xfrm>
+              <a:off x="2810349" y="8413233"/>
+              <a:ext cx="259459" cy="259460"/>
+            </a:xfrm>
+            <a:prstGeom prst="pentagon">
+              <a:avLst/>
+            </a:prstGeom>
+            <a:solidFill>
+              <a:srgbClr val="60C495"/>
+            </a:solidFill>
+            <a:ln>
+              <a:solidFill>
+                <a:srgbClr val="60C495"/>
+              </a:solidFill>
+            </a:ln>
+          </p:spPr>
+          <p:style>
+            <a:lnRef idx="2">
+              <a:schemeClr val="accent1">
+                <a:shade val="50000"/>
+              </a:schemeClr>
+            </a:lnRef>
+            <a:fillRef idx="1">
+              <a:schemeClr val="accent1"/>
+            </a:fillRef>
+            <a:effectRef idx="0">
+              <a:schemeClr val="accent1"/>
+            </a:effectRef>
+            <a:fontRef idx="minor">
+              <a:schemeClr val="lt1"/>
+            </a:fontRef>
+          </p:style>
+          <p:txBody>
+            <a:bodyPr rtlCol="0" anchor="ctr"/>
+            <a:lstStyle/>
+            <a:p>
+              <a:pPr algn="ctr"/>
+              <a:endParaRPr lang="en-US"/>
+            </a:p>
+          </p:txBody>
+        </p:sp>
+        <p:sp>
+          <p:nvSpPr>
+            <p:cNvPr id="211" name="Pentagon 210">
+              <a:extLst>
+                <a:ext uri="{FF2B5EF4-FFF2-40B4-BE49-F238E27FC236}">
+                  <a16:creationId xmlns:a16="http://schemas.microsoft.com/office/drawing/2014/main" id="{54A21BF4-81B9-4E6B-B8CE-B6F9E08A7428}"/>
+                </a:ext>
+              </a:extLst>
+            </p:cNvPr>
+            <p:cNvSpPr/>
+            <p:nvPr/>
+          </p:nvSpPr>
+          <p:spPr>
+            <a:xfrm rot="2125229">
+              <a:off x="3120986" y="8542963"/>
+              <a:ext cx="259459" cy="259460"/>
+            </a:xfrm>
+            <a:prstGeom prst="pentagon">
+              <a:avLst/>
+            </a:prstGeom>
+            <a:solidFill>
+              <a:srgbClr val="60C495"/>
+            </a:solidFill>
+            <a:ln>
+              <a:solidFill>
+                <a:srgbClr val="60C495"/>
+              </a:solidFill>
+            </a:ln>
+          </p:spPr>
+          <p:style>
+            <a:lnRef idx="2">
+              <a:schemeClr val="accent1">
+                <a:shade val="50000"/>
+              </a:schemeClr>
+            </a:lnRef>
+            <a:fillRef idx="1">
+              <a:schemeClr val="accent1"/>
+            </a:fillRef>
+            <a:effectRef idx="0">
+              <a:schemeClr val="accent1"/>
+            </a:effectRef>
+            <a:fontRef idx="minor">
+              <a:schemeClr val="lt1"/>
+            </a:fontRef>
+          </p:style>
+          <p:txBody>
+            <a:bodyPr rtlCol="0" anchor="ctr"/>
+            <a:lstStyle/>
+            <a:p>
+              <a:pPr algn="ctr"/>
+              <a:endParaRPr lang="en-US"/>
+            </a:p>
+          </p:txBody>
+        </p:sp>
+        <p:sp>
+          <p:nvSpPr>
+            <p:cNvPr id="212" name="Pentagon 211">
+              <a:extLst>
+                <a:ext uri="{FF2B5EF4-FFF2-40B4-BE49-F238E27FC236}">
+                  <a16:creationId xmlns:a16="http://schemas.microsoft.com/office/drawing/2014/main" id="{DA9F4823-8F33-45FA-85FF-718DF6C86AA1}"/>
+                </a:ext>
+              </a:extLst>
+            </p:cNvPr>
+            <p:cNvSpPr/>
+            <p:nvPr/>
+          </p:nvSpPr>
+          <p:spPr>
+            <a:xfrm>
+              <a:off x="3431623" y="8431089"/>
+              <a:ext cx="259459" cy="259460"/>
+            </a:xfrm>
+            <a:prstGeom prst="pentagon">
+              <a:avLst/>
+            </a:prstGeom>
+            <a:solidFill>
+              <a:srgbClr val="60C495"/>
+            </a:solidFill>
+            <a:ln>
+              <a:solidFill>
+                <a:srgbClr val="60C495"/>
+              </a:solidFill>
+            </a:ln>
+          </p:spPr>
+          <p:style>
+            <a:lnRef idx="2">
+              <a:schemeClr val="accent1">
+                <a:shade val="50000"/>
+              </a:schemeClr>
+            </a:lnRef>
+            <a:fillRef idx="1">
+              <a:schemeClr val="accent1"/>
+            </a:fillRef>
+            <a:effectRef idx="0">
+              <a:schemeClr val="accent1"/>
+            </a:effectRef>
+            <a:fontRef idx="minor">
+              <a:schemeClr val="lt1"/>
+            </a:fontRef>
+          </p:style>
+          <p:txBody>
+            <a:bodyPr rtlCol="0" anchor="ctr"/>
+            <a:lstStyle/>
+            <a:p>
+              <a:pPr algn="ctr"/>
+              <a:endParaRPr lang="en-US"/>
+            </a:p>
+          </p:txBody>
+        </p:sp>
+        <p:sp>
+          <p:nvSpPr>
+            <p:cNvPr id="213" name="Pentagon 212">
+              <a:extLst>
+                <a:ext uri="{FF2B5EF4-FFF2-40B4-BE49-F238E27FC236}">
+                  <a16:creationId xmlns:a16="http://schemas.microsoft.com/office/drawing/2014/main" id="{061BB160-80AA-4F98-857B-FC1F72F486BD}"/>
+                </a:ext>
+              </a:extLst>
+            </p:cNvPr>
+            <p:cNvSpPr/>
+            <p:nvPr/>
+          </p:nvSpPr>
+          <p:spPr>
+            <a:xfrm rot="2125229">
+              <a:off x="3742261" y="8560820"/>
+              <a:ext cx="259459" cy="259460"/>
+            </a:xfrm>
+            <a:prstGeom prst="pentagon">
+              <a:avLst/>
+            </a:prstGeom>
+            <a:solidFill>
+              <a:srgbClr val="60C495"/>
+            </a:solidFill>
+            <a:ln>
+              <a:solidFill>
+                <a:srgbClr val="60C495"/>
+              </a:solidFill>
+            </a:ln>
+          </p:spPr>
+          <p:style>
+            <a:lnRef idx="2">
+              <a:schemeClr val="accent1">
+                <a:shade val="50000"/>
+              </a:schemeClr>
+            </a:lnRef>
+            <a:fillRef idx="1">
+              <a:schemeClr val="accent1"/>
+            </a:fillRef>
+            <a:effectRef idx="0">
+              <a:schemeClr val="accent1"/>
+            </a:effectRef>
+            <a:fontRef idx="minor">
+              <a:schemeClr val="lt1"/>
+            </a:fontRef>
+          </p:style>
+          <p:txBody>
+            <a:bodyPr rtlCol="0" anchor="ctr"/>
+            <a:lstStyle/>
+            <a:p>
+              <a:pPr algn="ctr"/>
+              <a:endParaRPr lang="en-US"/>
+            </a:p>
+          </p:txBody>
+        </p:sp>
+        <p:sp>
+          <p:nvSpPr>
+            <p:cNvPr id="214" name="Pentagon 213">
+              <a:extLst>
+                <a:ext uri="{FF2B5EF4-FFF2-40B4-BE49-F238E27FC236}">
+                  <a16:creationId xmlns:a16="http://schemas.microsoft.com/office/drawing/2014/main" id="{945D5C7F-A86D-4F9D-BBAE-C055B8B5682E}"/>
+                </a:ext>
+              </a:extLst>
+            </p:cNvPr>
+            <p:cNvSpPr/>
+            <p:nvPr/>
+          </p:nvSpPr>
+          <p:spPr>
+            <a:xfrm>
+              <a:off x="4043760" y="8393786"/>
+              <a:ext cx="259459" cy="259460"/>
+            </a:xfrm>
+            <a:prstGeom prst="pentagon">
+              <a:avLst/>
+            </a:prstGeom>
+            <a:solidFill>
+              <a:srgbClr val="60C495"/>
+            </a:solidFill>
+            <a:ln>
+              <a:solidFill>
+                <a:srgbClr val="60C495"/>
+              </a:solidFill>
+            </a:ln>
+          </p:spPr>
+          <p:style>
+            <a:lnRef idx="2">
+              <a:schemeClr val="accent1">
+                <a:shade val="50000"/>
+              </a:schemeClr>
+            </a:lnRef>
+            <a:fillRef idx="1">
+              <a:schemeClr val="accent1"/>
+            </a:fillRef>
+            <a:effectRef idx="0">
+              <a:schemeClr val="accent1"/>
+            </a:effectRef>
+            <a:fontRef idx="minor">
+              <a:schemeClr val="lt1"/>
+            </a:fontRef>
+          </p:style>
+          <p:txBody>
+            <a:bodyPr rtlCol="0" anchor="ctr"/>
+            <a:lstStyle/>
+            <a:p>
+              <a:pPr algn="ctr"/>
+              <a:endParaRPr lang="en-US"/>
+            </a:p>
+          </p:txBody>
+        </p:sp>
+        <p:sp>
+          <p:nvSpPr>
+            <p:cNvPr id="215" name="Pentagon 214">
+              <a:extLst>
+                <a:ext uri="{FF2B5EF4-FFF2-40B4-BE49-F238E27FC236}">
+                  <a16:creationId xmlns:a16="http://schemas.microsoft.com/office/drawing/2014/main" id="{928CB9EA-A781-4D72-9459-E314BE0D389E}"/>
+                </a:ext>
+              </a:extLst>
+            </p:cNvPr>
+            <p:cNvSpPr/>
+            <p:nvPr/>
+          </p:nvSpPr>
+          <p:spPr>
+            <a:xfrm rot="2125229">
+              <a:off x="4354398" y="8523516"/>
+              <a:ext cx="259459" cy="259460"/>
+            </a:xfrm>
+            <a:prstGeom prst="pentagon">
+              <a:avLst/>
+            </a:prstGeom>
+            <a:solidFill>
+              <a:srgbClr val="60C495"/>
+            </a:solidFill>
+            <a:ln>
+              <a:solidFill>
+                <a:srgbClr val="60C495"/>
+              </a:solidFill>
+            </a:ln>
+          </p:spPr>
+          <p:style>
+            <a:lnRef idx="2">
+              <a:schemeClr val="accent1">
+                <a:shade val="50000"/>
+              </a:schemeClr>
+            </a:lnRef>
+            <a:fillRef idx="1">
+              <a:schemeClr val="accent1"/>
+            </a:fillRef>
+            <a:effectRef idx="0">
+              <a:schemeClr val="accent1"/>
+            </a:effectRef>
+            <a:fontRef idx="minor">
+              <a:schemeClr val="lt1"/>
+            </a:fontRef>
+          </p:style>
+          <p:txBody>
+            <a:bodyPr rtlCol="0" anchor="ctr"/>
+            <a:lstStyle/>
+            <a:p>
+              <a:pPr algn="ctr"/>
+              <a:endParaRPr lang="en-US"/>
+            </a:p>
+          </p:txBody>
+        </p:sp>
+        <p:sp>
+          <p:nvSpPr>
+            <p:cNvPr id="216" name="Pentagon 215">
+              <a:extLst>
+                <a:ext uri="{FF2B5EF4-FFF2-40B4-BE49-F238E27FC236}">
+                  <a16:creationId xmlns:a16="http://schemas.microsoft.com/office/drawing/2014/main" id="{4FBE99DB-8520-4A9D-8FBF-F5EF7B99521B}"/>
+                </a:ext>
+              </a:extLst>
+            </p:cNvPr>
+            <p:cNvSpPr/>
+            <p:nvPr/>
+          </p:nvSpPr>
+          <p:spPr>
+            <a:xfrm>
+              <a:off x="4608214" y="8359360"/>
+              <a:ext cx="259459" cy="259460"/>
+            </a:xfrm>
+            <a:prstGeom prst="pentagon">
+              <a:avLst/>
+            </a:prstGeom>
+            <a:solidFill>
+              <a:srgbClr val="60C495"/>
+            </a:solidFill>
+            <a:ln>
+              <a:solidFill>
+                <a:srgbClr val="60C495"/>
+              </a:solidFill>
+            </a:ln>
+          </p:spPr>
+          <p:style>
+            <a:lnRef idx="2">
+              <a:schemeClr val="accent1">
+                <a:shade val="50000"/>
+              </a:schemeClr>
+            </a:lnRef>
+            <a:fillRef idx="1">
+              <a:schemeClr val="accent1"/>
+            </a:fillRef>
+            <a:effectRef idx="0">
+              <a:schemeClr val="accent1"/>
+            </a:effectRef>
+            <a:fontRef idx="minor">
+              <a:schemeClr val="lt1"/>
+            </a:fontRef>
+          </p:style>
+          <p:txBody>
+            <a:bodyPr rtlCol="0" anchor="ctr"/>
+            <a:lstStyle/>
+            <a:p>
+              <a:pPr algn="ctr"/>
+              <a:endParaRPr lang="en-US"/>
+            </a:p>
+          </p:txBody>
+        </p:sp>
+        <p:sp>
+          <p:nvSpPr>
+            <p:cNvPr id="217" name="Pentagon 216">
+              <a:extLst>
+                <a:ext uri="{FF2B5EF4-FFF2-40B4-BE49-F238E27FC236}">
+                  <a16:creationId xmlns:a16="http://schemas.microsoft.com/office/drawing/2014/main" id="{4F122BF4-93DE-4D43-AFBB-BDF66E28291D}"/>
+                </a:ext>
+              </a:extLst>
+            </p:cNvPr>
+            <p:cNvSpPr/>
+            <p:nvPr/>
+          </p:nvSpPr>
+          <p:spPr>
+            <a:xfrm rot="2125229">
+              <a:off x="4918852" y="8489090"/>
+              <a:ext cx="259459" cy="259460"/>
+            </a:xfrm>
+            <a:prstGeom prst="pentagon">
+              <a:avLst/>
+            </a:prstGeom>
+            <a:solidFill>
+              <a:srgbClr val="60C495"/>
+            </a:solidFill>
+            <a:ln>
+              <a:solidFill>
+                <a:srgbClr val="60C495"/>
+              </a:solidFill>
+            </a:ln>
+          </p:spPr>
+          <p:style>
+            <a:lnRef idx="2">
+              <a:schemeClr val="accent1">
+                <a:shade val="50000"/>
+              </a:schemeClr>
+            </a:lnRef>
+            <a:fillRef idx="1">
+              <a:schemeClr val="accent1"/>
+            </a:fillRef>
+            <a:effectRef idx="0">
+              <a:schemeClr val="accent1"/>
+            </a:effectRef>
+            <a:fontRef idx="minor">
+              <a:schemeClr val="lt1"/>
+            </a:fontRef>
+          </p:style>
+          <p:txBody>
+            <a:bodyPr rtlCol="0" anchor="ctr"/>
+            <a:lstStyle/>
+            <a:p>
+              <a:pPr algn="ctr"/>
+              <a:endParaRPr lang="en-US"/>
+            </a:p>
+          </p:txBody>
+        </p:sp>
+      </p:grpSp>
+      <p:grpSp>
+        <p:nvGrpSpPr>
+          <p:cNvPr id="220" name="Group 219">
             <a:extLst>
               <a:ext uri="{FF2B5EF4-FFF2-40B4-BE49-F238E27FC236}">
-                <a16:creationId xmlns:a16="http://schemas.microsoft.com/office/drawing/2014/main" id="{0D8AD89A-3484-4D0A-8702-60D9E553083F}"/>
+                <a16:creationId xmlns:a16="http://schemas.microsoft.com/office/drawing/2014/main" id="{F0149AA4-CCB8-47A5-A579-0686D4A9DB2F}"/>
               </a:ext>
             </a:extLst>
           </p:cNvPr>
-          <p:cNvCxnSpPr>
-            <a:cxnSpLocks/>
-          </p:cNvCxnSpPr>
+          <p:cNvGrpSpPr/>
           <p:nvPr/>
-        </p:nvCxnSpPr>
-        <p:spPr>
-          <a:xfrm>
-            <a:off x="7382413" y="1549538"/>
-            <a:ext cx="0" cy="518159"/>
+        </p:nvGrpSpPr>
+        <p:grpSpPr>
+          <a:xfrm flipH="1">
+            <a:off x="7720147" y="4477255"/>
+            <a:ext cx="3610512" cy="4299926"/>
+            <a:chOff x="1567799" y="4520354"/>
+            <a:chExt cx="3610512" cy="4299926"/>
           </a:xfrm>
-          <a:prstGeom prst="line">
-            <a:avLst/>
-          </a:prstGeom>
-          <a:ln>
-            <a:solidFill>
-              <a:srgbClr val="60C495"/>
-            </a:solidFill>
-          </a:ln>
-        </p:spPr>
-        <p:style>
-          <a:lnRef idx="1">
-            <a:schemeClr val="accent1"/>
-          </a:lnRef>
-          <a:fillRef idx="0">
-            <a:schemeClr val="accent1"/>
-          </a:fillRef>
-          <a:effectRef idx="0">
-            <a:schemeClr val="accent1"/>
-          </a:effectRef>
-          <a:fontRef idx="minor">
-            <a:schemeClr val="tx1"/>
-          </a:fontRef>
-        </p:style>
-      </p:cxnSp>
-      <p:cxnSp>
-        <p:nvCxnSpPr>
-          <p:cNvPr id="103" name="Straight Connector 102">
-            <a:extLst>
-              <a:ext uri="{FF2B5EF4-FFF2-40B4-BE49-F238E27FC236}">
-                <a16:creationId xmlns:a16="http://schemas.microsoft.com/office/drawing/2014/main" id="{253415EE-DE92-47A3-AB35-38E843AD627E}"/>
-              </a:ext>
-            </a:extLst>
-          </p:cNvPr>
-          <p:cNvCxnSpPr>
-            <a:cxnSpLocks/>
-          </p:cNvCxnSpPr>
-          <p:nvPr/>
-        </p:nvCxnSpPr>
-        <p:spPr>
-          <a:xfrm>
-            <a:off x="5579769" y="2066271"/>
-            <a:ext cx="900404" cy="369406"/>
-          </a:xfrm>
-          <a:prstGeom prst="line">
-            <a:avLst/>
-          </a:prstGeom>
-          <a:ln>
-            <a:solidFill>
-              <a:srgbClr val="60C495"/>
-            </a:solidFill>
-          </a:ln>
-        </p:spPr>
-        <p:style>
-          <a:lnRef idx="1">
-            <a:schemeClr val="accent1"/>
-          </a:lnRef>
-          <a:fillRef idx="0">
-            <a:schemeClr val="accent1"/>
-          </a:fillRef>
-          <a:effectRef idx="0">
-            <a:schemeClr val="accent1"/>
-          </a:effectRef>
-          <a:fontRef idx="minor">
-            <a:schemeClr val="tx1"/>
-          </a:fontRef>
-        </p:style>
-      </p:cxnSp>
-      <p:cxnSp>
-        <p:nvCxnSpPr>
-          <p:cNvPr id="104" name="Straight Connector 103">
-            <a:extLst>
-              <a:ext uri="{FF2B5EF4-FFF2-40B4-BE49-F238E27FC236}">
-                <a16:creationId xmlns:a16="http://schemas.microsoft.com/office/drawing/2014/main" id="{F768E9B3-CD9A-4E8F-9575-B975B620AF56}"/>
-              </a:ext>
-            </a:extLst>
-          </p:cNvPr>
-          <p:cNvCxnSpPr>
-            <a:cxnSpLocks/>
-          </p:cNvCxnSpPr>
-          <p:nvPr/>
-        </p:nvCxnSpPr>
-        <p:spPr>
-          <a:xfrm flipH="1">
-            <a:off x="6480178" y="2063892"/>
-            <a:ext cx="902239" cy="369406"/>
-          </a:xfrm>
-          <a:prstGeom prst="line">
-            <a:avLst/>
-          </a:prstGeom>
-          <a:ln>
-            <a:solidFill>
-              <a:srgbClr val="60C495"/>
-            </a:solidFill>
-          </a:ln>
-        </p:spPr>
-        <p:style>
-          <a:lnRef idx="1">
-            <a:schemeClr val="accent1"/>
-          </a:lnRef>
-          <a:fillRef idx="0">
-            <a:schemeClr val="accent1"/>
-          </a:fillRef>
-          <a:effectRef idx="0">
-            <a:schemeClr val="accent1"/>
-          </a:effectRef>
-          <a:fontRef idx="minor">
-            <a:schemeClr val="tx1"/>
-          </a:fontRef>
-        </p:style>
-      </p:cxnSp>
-      <p:cxnSp>
-        <p:nvCxnSpPr>
-          <p:cNvPr id="105" name="Straight Connector 104">
-            <a:extLst>
-              <a:ext uri="{FF2B5EF4-FFF2-40B4-BE49-F238E27FC236}">
-                <a16:creationId xmlns:a16="http://schemas.microsoft.com/office/drawing/2014/main" id="{B302EDA8-D6FC-413B-BAA6-48233F47F4B1}"/>
-              </a:ext>
-            </a:extLst>
-          </p:cNvPr>
-          <p:cNvCxnSpPr>
-            <a:cxnSpLocks/>
-          </p:cNvCxnSpPr>
-          <p:nvPr/>
-        </p:nvCxnSpPr>
-        <p:spPr>
-          <a:xfrm>
-            <a:off x="7662569" y="1428893"/>
-            <a:ext cx="0" cy="1127126"/>
-          </a:xfrm>
-          <a:prstGeom prst="line">
-            <a:avLst/>
-          </a:prstGeom>
-          <a:ln>
-            <a:solidFill>
-              <a:srgbClr val="60C495"/>
-            </a:solidFill>
-          </a:ln>
-        </p:spPr>
-        <p:style>
-          <a:lnRef idx="1">
-            <a:schemeClr val="accent1"/>
-          </a:lnRef>
-          <a:fillRef idx="0">
-            <a:schemeClr val="accent1"/>
-          </a:fillRef>
-          <a:effectRef idx="0">
-            <a:schemeClr val="accent1"/>
-          </a:effectRef>
-          <a:fontRef idx="minor">
-            <a:schemeClr val="tx1"/>
-          </a:fontRef>
-        </p:style>
-      </p:cxnSp>
-      <p:sp>
-        <p:nvSpPr>
-          <p:cNvPr id="106" name="Flowchart: Connector 105">
-            <a:extLst>
-              <a:ext uri="{FF2B5EF4-FFF2-40B4-BE49-F238E27FC236}">
-                <a16:creationId xmlns:a16="http://schemas.microsoft.com/office/drawing/2014/main" id="{8CF4E94E-4ECE-414D-8A06-A14528A032FA}"/>
-              </a:ext>
-            </a:extLst>
-          </p:cNvPr>
-          <p:cNvSpPr/>
-          <p:nvPr/>
-        </p:nvSpPr>
-        <p:spPr>
-          <a:xfrm>
-            <a:off x="7960083" y="1266060"/>
-            <a:ext cx="64801" cy="64801"/>
-          </a:xfrm>
-          <a:prstGeom prst="flowChartConnector">
-            <a:avLst/>
-          </a:prstGeom>
-          <a:solidFill>
-            <a:srgbClr val="60C495"/>
-          </a:solidFill>
-          <a:ln>
-            <a:solidFill>
-              <a:srgbClr val="60C495"/>
-            </a:solidFill>
-          </a:ln>
-        </p:spPr>
-        <p:style>
-          <a:lnRef idx="2">
-            <a:schemeClr val="accent1">
-              <a:shade val="50000"/>
-            </a:schemeClr>
-          </a:lnRef>
-          <a:fillRef idx="1">
-            <a:schemeClr val="accent1"/>
-          </a:fillRef>
-          <a:effectRef idx="0">
-            <a:schemeClr val="accent1"/>
-          </a:effectRef>
-          <a:fontRef idx="minor">
-            <a:schemeClr val="lt1"/>
-          </a:fontRef>
-        </p:style>
-        <p:txBody>
-          <a:bodyPr rot="0" spcFirstLastPara="0" vertOverflow="overflow" horzOverflow="overflow" vert="horz" wrap="square" lIns="91440" tIns="45722" rIns="91440" bIns="45722" numCol="1" spcCol="0" rtlCol="0" fromWordArt="0" anchor="ctr" anchorCtr="0" forceAA="0" compatLnSpc="1">
-            <a:prstTxWarp prst="textNoShape">
-              <a:avLst/>
-            </a:prstTxWarp>
-            <a:noAutofit/>
-          </a:bodyPr>
-          <a:lstStyle/>
-          <a:p>
-            <a:pPr algn="ctr"/>
-            <a:endParaRPr lang="en-US" sz="1799"/>
-          </a:p>
-        </p:txBody>
-      </p:sp>
-      <p:sp>
-        <p:nvSpPr>
-          <p:cNvPr id="107" name="Flowchart: Connector 106">
-            <a:extLst>
-              <a:ext uri="{FF2B5EF4-FFF2-40B4-BE49-F238E27FC236}">
-                <a16:creationId xmlns:a16="http://schemas.microsoft.com/office/drawing/2014/main" id="{170D1294-7CED-4829-9ADD-153DD63794D1}"/>
-              </a:ext>
-            </a:extLst>
-          </p:cNvPr>
-          <p:cNvSpPr/>
-          <p:nvPr/>
-        </p:nvSpPr>
-        <p:spPr>
-          <a:xfrm>
-            <a:off x="6443663" y="650194"/>
-            <a:ext cx="64801" cy="64801"/>
-          </a:xfrm>
-          <a:prstGeom prst="flowChartConnector">
-            <a:avLst/>
-          </a:prstGeom>
-          <a:solidFill>
-            <a:srgbClr val="60C495"/>
-          </a:solidFill>
-          <a:ln>
-            <a:solidFill>
-              <a:srgbClr val="60C495"/>
-            </a:solidFill>
-          </a:ln>
-        </p:spPr>
-        <p:style>
-          <a:lnRef idx="2">
-            <a:schemeClr val="accent1">
-              <a:shade val="50000"/>
-            </a:schemeClr>
-          </a:lnRef>
-          <a:fillRef idx="1">
-            <a:schemeClr val="accent1"/>
-          </a:fillRef>
-          <a:effectRef idx="0">
-            <a:schemeClr val="accent1"/>
-          </a:effectRef>
-          <a:fontRef idx="minor">
-            <a:schemeClr val="lt1"/>
-          </a:fontRef>
-        </p:style>
-        <p:txBody>
-          <a:bodyPr rot="0" spcFirstLastPara="0" vertOverflow="overflow" horzOverflow="overflow" vert="horz" wrap="square" lIns="91440" tIns="45722" rIns="91440" bIns="45722" numCol="1" spcCol="0" rtlCol="0" fromWordArt="0" anchor="ctr" anchorCtr="0" forceAA="0" compatLnSpc="1">
-            <a:prstTxWarp prst="textNoShape">
-              <a:avLst/>
-            </a:prstTxWarp>
-            <a:noAutofit/>
-          </a:bodyPr>
-          <a:lstStyle/>
-          <a:p>
-            <a:pPr algn="ctr"/>
-            <a:endParaRPr lang="en-US" sz="1799"/>
-          </a:p>
-        </p:txBody>
-      </p:sp>
-      <p:sp>
-        <p:nvSpPr>
-          <p:cNvPr id="108" name="Flowchart: Connector 107">
-            <a:extLst>
-              <a:ext uri="{FF2B5EF4-FFF2-40B4-BE49-F238E27FC236}">
-                <a16:creationId xmlns:a16="http://schemas.microsoft.com/office/drawing/2014/main" id="{0BC8866C-9AA6-46C8-A633-9A02635A9D35}"/>
-              </a:ext>
-            </a:extLst>
-          </p:cNvPr>
-          <p:cNvSpPr/>
-          <p:nvPr/>
-        </p:nvSpPr>
-        <p:spPr>
-          <a:xfrm>
-            <a:off x="4940881" y="1266060"/>
-            <a:ext cx="64801" cy="64801"/>
-          </a:xfrm>
-          <a:prstGeom prst="flowChartConnector">
-            <a:avLst/>
-          </a:prstGeom>
-          <a:solidFill>
-            <a:srgbClr val="60C495"/>
-          </a:solidFill>
-          <a:ln>
-            <a:solidFill>
-              <a:srgbClr val="60C495"/>
-            </a:solidFill>
-          </a:ln>
-        </p:spPr>
-        <p:style>
-          <a:lnRef idx="2">
-            <a:schemeClr val="accent1">
-              <a:shade val="50000"/>
-            </a:schemeClr>
-          </a:lnRef>
-          <a:fillRef idx="1">
-            <a:schemeClr val="accent1"/>
-          </a:fillRef>
-          <a:effectRef idx="0">
-            <a:schemeClr val="accent1"/>
-          </a:effectRef>
-          <a:fontRef idx="minor">
-            <a:schemeClr val="lt1"/>
-          </a:fontRef>
-        </p:style>
-        <p:txBody>
-          <a:bodyPr rot="0" spcFirstLastPara="0" vertOverflow="overflow" horzOverflow="overflow" vert="horz" wrap="square" lIns="91440" tIns="45722" rIns="91440" bIns="45722" numCol="1" spcCol="0" rtlCol="0" fromWordArt="0" anchor="ctr" anchorCtr="0" forceAA="0" compatLnSpc="1">
-            <a:prstTxWarp prst="textNoShape">
-              <a:avLst/>
-            </a:prstTxWarp>
-            <a:noAutofit/>
-          </a:bodyPr>
-          <a:lstStyle/>
-          <a:p>
-            <a:pPr algn="ctr"/>
-            <a:endParaRPr lang="en-US" sz="1799"/>
-          </a:p>
-        </p:txBody>
-      </p:sp>
-      <p:sp>
-        <p:nvSpPr>
-          <p:cNvPr id="109" name="Flowchart: Connector 108">
-            <a:extLst>
-              <a:ext uri="{FF2B5EF4-FFF2-40B4-BE49-F238E27FC236}">
-                <a16:creationId xmlns:a16="http://schemas.microsoft.com/office/drawing/2014/main" id="{C1CB24C1-C0F8-4B6A-B138-A2D6A5DA6C17}"/>
-              </a:ext>
-            </a:extLst>
-          </p:cNvPr>
-          <p:cNvSpPr/>
-          <p:nvPr/>
-        </p:nvSpPr>
-        <p:spPr>
-          <a:xfrm>
-            <a:off x="6443663" y="1893030"/>
-            <a:ext cx="64801" cy="64801"/>
-          </a:xfrm>
-          <a:prstGeom prst="flowChartConnector">
-            <a:avLst/>
-          </a:prstGeom>
-          <a:solidFill>
-            <a:srgbClr val="60C495"/>
-          </a:solidFill>
-          <a:ln>
-            <a:solidFill>
-              <a:srgbClr val="60C495"/>
-            </a:solidFill>
-          </a:ln>
-        </p:spPr>
-        <p:style>
-          <a:lnRef idx="2">
-            <a:schemeClr val="accent1">
-              <a:shade val="50000"/>
-            </a:schemeClr>
-          </a:lnRef>
-          <a:fillRef idx="1">
-            <a:schemeClr val="accent1"/>
-          </a:fillRef>
-          <a:effectRef idx="0">
-            <a:schemeClr val="accent1"/>
-          </a:effectRef>
-          <a:fontRef idx="minor">
-            <a:schemeClr val="lt1"/>
-          </a:fontRef>
-        </p:style>
-        <p:txBody>
-          <a:bodyPr rot="0" spcFirstLastPara="0" vertOverflow="overflow" horzOverflow="overflow" vert="horz" wrap="square" lIns="91440" tIns="45722" rIns="91440" bIns="45722" numCol="1" spcCol="0" rtlCol="0" fromWordArt="0" anchor="ctr" anchorCtr="0" forceAA="0" compatLnSpc="1">
-            <a:prstTxWarp prst="textNoShape">
-              <a:avLst/>
-            </a:prstTxWarp>
-            <a:noAutofit/>
-          </a:bodyPr>
-          <a:lstStyle/>
-          <a:p>
-            <a:pPr algn="ctr"/>
-            <a:endParaRPr lang="en-US" sz="1799"/>
-          </a:p>
-        </p:txBody>
-      </p:sp>
-      <p:sp>
-        <p:nvSpPr>
-          <p:cNvPr id="110" name="Flowchart: Connector 109">
-            <a:extLst>
-              <a:ext uri="{FF2B5EF4-FFF2-40B4-BE49-F238E27FC236}">
-                <a16:creationId xmlns:a16="http://schemas.microsoft.com/office/drawing/2014/main" id="{79C7EC07-B569-49B4-AA8E-FD35F549C7E6}"/>
-              </a:ext>
-            </a:extLst>
-          </p:cNvPr>
-          <p:cNvSpPr/>
-          <p:nvPr/>
-        </p:nvSpPr>
-        <p:spPr>
-          <a:xfrm>
-            <a:off x="5547372" y="1517139"/>
-            <a:ext cx="64801" cy="64801"/>
-          </a:xfrm>
-          <a:prstGeom prst="flowChartConnector">
-            <a:avLst/>
-          </a:prstGeom>
-          <a:solidFill>
-            <a:srgbClr val="60C495"/>
-          </a:solidFill>
-          <a:ln>
-            <a:solidFill>
-              <a:srgbClr val="60C495"/>
-            </a:solidFill>
-          </a:ln>
-        </p:spPr>
-        <p:style>
-          <a:lnRef idx="2">
-            <a:schemeClr val="accent1">
-              <a:shade val="50000"/>
-            </a:schemeClr>
-          </a:lnRef>
-          <a:fillRef idx="1">
-            <a:schemeClr val="accent1"/>
-          </a:fillRef>
-          <a:effectRef idx="0">
-            <a:schemeClr val="accent1"/>
-          </a:effectRef>
-          <a:fontRef idx="minor">
-            <a:schemeClr val="lt1"/>
-          </a:fontRef>
-        </p:style>
-        <p:txBody>
-          <a:bodyPr rot="0" spcFirstLastPara="0" vertOverflow="overflow" horzOverflow="overflow" vert="horz" wrap="square" lIns="91440" tIns="45722" rIns="91440" bIns="45722" numCol="1" spcCol="0" rtlCol="0" fromWordArt="0" anchor="ctr" anchorCtr="0" forceAA="0" compatLnSpc="1">
-            <a:prstTxWarp prst="textNoShape">
-              <a:avLst/>
-            </a:prstTxWarp>
-            <a:noAutofit/>
-          </a:bodyPr>
-          <a:lstStyle/>
-          <a:p>
-            <a:pPr algn="ctr"/>
-            <a:endParaRPr lang="en-US" sz="1799"/>
-          </a:p>
-        </p:txBody>
-      </p:sp>
-      <p:sp>
-        <p:nvSpPr>
-          <p:cNvPr id="111" name="Flowchart: Connector 110">
-            <a:extLst>
-              <a:ext uri="{FF2B5EF4-FFF2-40B4-BE49-F238E27FC236}">
-                <a16:creationId xmlns:a16="http://schemas.microsoft.com/office/drawing/2014/main" id="{54671559-14FA-4803-BC06-AF48D96134AB}"/>
-              </a:ext>
-            </a:extLst>
-          </p:cNvPr>
-          <p:cNvSpPr/>
-          <p:nvPr/>
-        </p:nvSpPr>
-        <p:spPr>
-          <a:xfrm>
-            <a:off x="5547372" y="2038479"/>
-            <a:ext cx="64801" cy="64801"/>
-          </a:xfrm>
-          <a:prstGeom prst="flowChartConnector">
-            <a:avLst/>
-          </a:prstGeom>
-          <a:solidFill>
-            <a:srgbClr val="60C495"/>
-          </a:solidFill>
-          <a:ln>
-            <a:solidFill>
-              <a:srgbClr val="60C495"/>
-            </a:solidFill>
-          </a:ln>
-        </p:spPr>
-        <p:style>
-          <a:lnRef idx="2">
-            <a:schemeClr val="accent1">
-              <a:shade val="50000"/>
-            </a:schemeClr>
-          </a:lnRef>
-          <a:fillRef idx="1">
-            <a:schemeClr val="accent1"/>
-          </a:fillRef>
-          <a:effectRef idx="0">
-            <a:schemeClr val="accent1"/>
-          </a:effectRef>
-          <a:fontRef idx="minor">
-            <a:schemeClr val="lt1"/>
-          </a:fontRef>
-        </p:style>
-        <p:txBody>
-          <a:bodyPr rot="0" spcFirstLastPara="0" vertOverflow="overflow" horzOverflow="overflow" vert="horz" wrap="square" lIns="91440" tIns="45722" rIns="91440" bIns="45722" numCol="1" spcCol="0" rtlCol="0" fromWordArt="0" anchor="ctr" anchorCtr="0" forceAA="0" compatLnSpc="1">
-            <a:prstTxWarp prst="textNoShape">
-              <a:avLst/>
-            </a:prstTxWarp>
-            <a:noAutofit/>
-          </a:bodyPr>
-          <a:lstStyle/>
-          <a:p>
-            <a:pPr algn="ctr"/>
-            <a:endParaRPr lang="en-US" sz="1799"/>
-          </a:p>
-        </p:txBody>
-      </p:sp>
-      <p:sp>
-        <p:nvSpPr>
-          <p:cNvPr id="112" name="Flowchart: Connector 111">
-            <a:extLst>
-              <a:ext uri="{FF2B5EF4-FFF2-40B4-BE49-F238E27FC236}">
-                <a16:creationId xmlns:a16="http://schemas.microsoft.com/office/drawing/2014/main" id="{BCEE0100-64A9-4861-AED6-5E120C13C454}"/>
-              </a:ext>
-            </a:extLst>
-          </p:cNvPr>
-          <p:cNvSpPr/>
-          <p:nvPr/>
-        </p:nvSpPr>
-        <p:spPr>
-          <a:xfrm>
-            <a:off x="6443663" y="2396292"/>
-            <a:ext cx="64801" cy="64801"/>
-          </a:xfrm>
-          <a:prstGeom prst="flowChartConnector">
-            <a:avLst/>
-          </a:prstGeom>
-          <a:solidFill>
-            <a:srgbClr val="60C495"/>
-          </a:solidFill>
-          <a:ln>
-            <a:solidFill>
-              <a:srgbClr val="60C495"/>
-            </a:solidFill>
-          </a:ln>
-        </p:spPr>
-        <p:style>
-          <a:lnRef idx="2">
-            <a:schemeClr val="accent1">
-              <a:shade val="50000"/>
-            </a:schemeClr>
-          </a:lnRef>
-          <a:fillRef idx="1">
-            <a:schemeClr val="accent1"/>
-          </a:fillRef>
-          <a:effectRef idx="0">
-            <a:schemeClr val="accent1"/>
-          </a:effectRef>
-          <a:fontRef idx="minor">
-            <a:schemeClr val="lt1"/>
-          </a:fontRef>
-        </p:style>
-        <p:txBody>
-          <a:bodyPr rot="0" spcFirstLastPara="0" vertOverflow="overflow" horzOverflow="overflow" vert="horz" wrap="square" lIns="91440" tIns="45722" rIns="91440" bIns="45722" numCol="1" spcCol="0" rtlCol="0" fromWordArt="0" anchor="ctr" anchorCtr="0" forceAA="0" compatLnSpc="1">
-            <a:prstTxWarp prst="textNoShape">
-              <a:avLst/>
-            </a:prstTxWarp>
-            <a:noAutofit/>
-          </a:bodyPr>
-          <a:lstStyle/>
-          <a:p>
-            <a:pPr algn="ctr"/>
-            <a:endParaRPr lang="en-US" sz="1799"/>
-          </a:p>
-        </p:txBody>
-      </p:sp>
-      <p:sp>
-        <p:nvSpPr>
-          <p:cNvPr id="113" name="Flowchart: Connector 112">
-            <a:extLst>
-              <a:ext uri="{FF2B5EF4-FFF2-40B4-BE49-F238E27FC236}">
-                <a16:creationId xmlns:a16="http://schemas.microsoft.com/office/drawing/2014/main" id="{FE440AE7-F9C1-4DED-8BD6-A7576B9B29E8}"/>
-              </a:ext>
-            </a:extLst>
-          </p:cNvPr>
-          <p:cNvSpPr/>
-          <p:nvPr/>
-        </p:nvSpPr>
-        <p:spPr>
-          <a:xfrm>
-            <a:off x="7354128" y="2036099"/>
-            <a:ext cx="64801" cy="64801"/>
-          </a:xfrm>
-          <a:prstGeom prst="flowChartConnector">
-            <a:avLst/>
-          </a:prstGeom>
-          <a:solidFill>
-            <a:srgbClr val="60C495"/>
-          </a:solidFill>
-          <a:ln>
-            <a:solidFill>
-              <a:srgbClr val="60C495"/>
-            </a:solidFill>
-          </a:ln>
-        </p:spPr>
-        <p:style>
-          <a:lnRef idx="2">
-            <a:schemeClr val="accent1">
-              <a:shade val="50000"/>
-            </a:schemeClr>
-          </a:lnRef>
-          <a:fillRef idx="1">
-            <a:schemeClr val="accent1"/>
-          </a:fillRef>
-          <a:effectRef idx="0">
-            <a:schemeClr val="accent1"/>
-          </a:effectRef>
-          <a:fontRef idx="minor">
-            <a:schemeClr val="lt1"/>
-          </a:fontRef>
-        </p:style>
-        <p:txBody>
-          <a:bodyPr rot="0" spcFirstLastPara="0" vertOverflow="overflow" horzOverflow="overflow" vert="horz" wrap="square" lIns="91440" tIns="45722" rIns="91440" bIns="45722" numCol="1" spcCol="0" rtlCol="0" fromWordArt="0" anchor="ctr" anchorCtr="0" forceAA="0" compatLnSpc="1">
-            <a:prstTxWarp prst="textNoShape">
-              <a:avLst/>
-            </a:prstTxWarp>
-            <a:noAutofit/>
-          </a:bodyPr>
-          <a:lstStyle/>
-          <a:p>
-            <a:pPr algn="ctr"/>
-            <a:endParaRPr lang="en-US" sz="1799"/>
-          </a:p>
-        </p:txBody>
-      </p:sp>
-      <p:sp>
-        <p:nvSpPr>
-          <p:cNvPr id="114" name="Flowchart: Connector 113">
-            <a:extLst>
-              <a:ext uri="{FF2B5EF4-FFF2-40B4-BE49-F238E27FC236}">
-                <a16:creationId xmlns:a16="http://schemas.microsoft.com/office/drawing/2014/main" id="{429F1398-7E8A-4377-9240-D11DC134EC5B}"/>
-              </a:ext>
-            </a:extLst>
-          </p:cNvPr>
-          <p:cNvSpPr/>
-          <p:nvPr/>
-        </p:nvSpPr>
-        <p:spPr>
-          <a:xfrm>
-            <a:off x="7350015" y="1525196"/>
-            <a:ext cx="64801" cy="64801"/>
-          </a:xfrm>
-          <a:prstGeom prst="flowChartConnector">
-            <a:avLst/>
-          </a:prstGeom>
-          <a:solidFill>
-            <a:srgbClr val="60C495"/>
-          </a:solidFill>
-          <a:ln>
-            <a:solidFill>
-              <a:srgbClr val="60C495"/>
-            </a:solidFill>
-          </a:ln>
-        </p:spPr>
-        <p:style>
-          <a:lnRef idx="2">
-            <a:schemeClr val="accent1">
-              <a:shade val="50000"/>
-            </a:schemeClr>
-          </a:lnRef>
-          <a:fillRef idx="1">
-            <a:schemeClr val="accent1"/>
-          </a:fillRef>
-          <a:effectRef idx="0">
-            <a:schemeClr val="accent1"/>
-          </a:effectRef>
-          <a:fontRef idx="minor">
-            <a:schemeClr val="lt1"/>
-          </a:fontRef>
-        </p:style>
-        <p:txBody>
-          <a:bodyPr rot="0" spcFirstLastPara="0" vertOverflow="overflow" horzOverflow="overflow" vert="horz" wrap="square" lIns="91440" tIns="45722" rIns="91440" bIns="45722" numCol="1" spcCol="0" rtlCol="0" fromWordArt="0" anchor="ctr" anchorCtr="0" forceAA="0" compatLnSpc="1">
-            <a:prstTxWarp prst="textNoShape">
-              <a:avLst/>
-            </a:prstTxWarp>
-            <a:noAutofit/>
-          </a:bodyPr>
-          <a:lstStyle/>
-          <a:p>
-            <a:pPr algn="ctr"/>
-            <a:endParaRPr lang="en-US" sz="1799"/>
-          </a:p>
-        </p:txBody>
-      </p:sp>
-      <p:sp>
-        <p:nvSpPr>
-          <p:cNvPr id="115" name="Flowchart: Connector 114">
-            <a:extLst>
-              <a:ext uri="{FF2B5EF4-FFF2-40B4-BE49-F238E27FC236}">
-                <a16:creationId xmlns:a16="http://schemas.microsoft.com/office/drawing/2014/main" id="{45495698-3F2F-4D7C-B6AB-6E0B628A8E59}"/>
-              </a:ext>
-            </a:extLst>
-          </p:cNvPr>
-          <p:cNvSpPr/>
-          <p:nvPr/>
-        </p:nvSpPr>
-        <p:spPr>
-          <a:xfrm>
-            <a:off x="7630173" y="2523619"/>
-            <a:ext cx="64801" cy="64801"/>
-          </a:xfrm>
-          <a:prstGeom prst="flowChartConnector">
-            <a:avLst/>
-          </a:prstGeom>
-          <a:solidFill>
-            <a:srgbClr val="60C495"/>
-          </a:solidFill>
-          <a:ln>
-            <a:solidFill>
-              <a:srgbClr val="60C495"/>
-            </a:solidFill>
-          </a:ln>
-        </p:spPr>
-        <p:style>
-          <a:lnRef idx="2">
-            <a:schemeClr val="accent1">
-              <a:shade val="50000"/>
-            </a:schemeClr>
-          </a:lnRef>
-          <a:fillRef idx="1">
-            <a:schemeClr val="accent1"/>
-          </a:fillRef>
-          <a:effectRef idx="0">
-            <a:schemeClr val="accent1"/>
-          </a:effectRef>
-          <a:fontRef idx="minor">
-            <a:schemeClr val="lt1"/>
-          </a:fontRef>
-        </p:style>
-        <p:txBody>
-          <a:bodyPr rot="0" spcFirstLastPara="0" vertOverflow="overflow" horzOverflow="overflow" vert="horz" wrap="square" lIns="91440" tIns="45722" rIns="91440" bIns="45722" numCol="1" spcCol="0" rtlCol="0" fromWordArt="0" anchor="ctr" anchorCtr="0" forceAA="0" compatLnSpc="1">
-            <a:prstTxWarp prst="textNoShape">
-              <a:avLst/>
-            </a:prstTxWarp>
-            <a:noAutofit/>
-          </a:bodyPr>
-          <a:lstStyle/>
-          <a:p>
-            <a:pPr algn="ctr"/>
-            <a:endParaRPr lang="en-US" sz="1799"/>
-          </a:p>
-        </p:txBody>
-      </p:sp>
+        </p:grpSpPr>
+        <p:sp>
+          <p:nvSpPr>
+            <p:cNvPr id="221" name="Pentagon 220">
+              <a:extLst>
+                <a:ext uri="{FF2B5EF4-FFF2-40B4-BE49-F238E27FC236}">
+                  <a16:creationId xmlns:a16="http://schemas.microsoft.com/office/drawing/2014/main" id="{9F5D30FA-E67C-468F-8CE7-4A5146009BFD}"/>
+                </a:ext>
+              </a:extLst>
+            </p:cNvPr>
+            <p:cNvSpPr/>
+            <p:nvPr/>
+          </p:nvSpPr>
+          <p:spPr>
+            <a:xfrm>
+              <a:off x="1567803" y="7235637"/>
+              <a:ext cx="259459" cy="259460"/>
+            </a:xfrm>
+            <a:prstGeom prst="pentagon">
+              <a:avLst/>
+            </a:prstGeom>
+            <a:solidFill>
+              <a:srgbClr val="60C495"/>
+            </a:solidFill>
+            <a:ln>
+              <a:solidFill>
+                <a:srgbClr val="60C495"/>
+              </a:solidFill>
+            </a:ln>
+          </p:spPr>
+          <p:style>
+            <a:lnRef idx="2">
+              <a:schemeClr val="accent1">
+                <a:shade val="50000"/>
+              </a:schemeClr>
+            </a:lnRef>
+            <a:fillRef idx="1">
+              <a:schemeClr val="accent1"/>
+            </a:fillRef>
+            <a:effectRef idx="0">
+              <a:schemeClr val="accent1"/>
+            </a:effectRef>
+            <a:fontRef idx="minor">
+              <a:schemeClr val="lt1"/>
+            </a:fontRef>
+          </p:style>
+          <p:txBody>
+            <a:bodyPr rtlCol="0" anchor="ctr"/>
+            <a:lstStyle/>
+            <a:p>
+              <a:pPr algn="ctr"/>
+              <a:endParaRPr lang="en-US"/>
+            </a:p>
+          </p:txBody>
+        </p:sp>
+        <p:sp>
+          <p:nvSpPr>
+            <p:cNvPr id="222" name="Pentagon 221">
+              <a:extLst>
+                <a:ext uri="{FF2B5EF4-FFF2-40B4-BE49-F238E27FC236}">
+                  <a16:creationId xmlns:a16="http://schemas.microsoft.com/office/drawing/2014/main" id="{EA80118C-A9F3-47AF-8B53-B9A76A8FB952}"/>
+                </a:ext>
+              </a:extLst>
+            </p:cNvPr>
+            <p:cNvSpPr/>
+            <p:nvPr/>
+          </p:nvSpPr>
+          <p:spPr>
+            <a:xfrm>
+              <a:off x="1567803" y="5240040"/>
+              <a:ext cx="259459" cy="259460"/>
+            </a:xfrm>
+            <a:prstGeom prst="pentagon">
+              <a:avLst/>
+            </a:prstGeom>
+            <a:solidFill>
+              <a:srgbClr val="60C495"/>
+            </a:solidFill>
+            <a:ln>
+              <a:solidFill>
+                <a:srgbClr val="60C495"/>
+              </a:solidFill>
+            </a:ln>
+          </p:spPr>
+          <p:style>
+            <a:lnRef idx="2">
+              <a:schemeClr val="accent1">
+                <a:shade val="50000"/>
+              </a:schemeClr>
+            </a:lnRef>
+            <a:fillRef idx="1">
+              <a:schemeClr val="accent1"/>
+            </a:fillRef>
+            <a:effectRef idx="0">
+              <a:schemeClr val="accent1"/>
+            </a:effectRef>
+            <a:fontRef idx="minor">
+              <a:schemeClr val="lt1"/>
+            </a:fontRef>
+          </p:style>
+          <p:txBody>
+            <a:bodyPr rtlCol="0" anchor="ctr"/>
+            <a:lstStyle/>
+            <a:p>
+              <a:pPr algn="ctr"/>
+              <a:endParaRPr lang="en-US"/>
+            </a:p>
+          </p:txBody>
+        </p:sp>
+        <p:sp>
+          <p:nvSpPr>
+            <p:cNvPr id="223" name="Pentagon 222">
+              <a:extLst>
+                <a:ext uri="{FF2B5EF4-FFF2-40B4-BE49-F238E27FC236}">
+                  <a16:creationId xmlns:a16="http://schemas.microsoft.com/office/drawing/2014/main" id="{C72DB460-D78D-49FF-8D71-7DE0AE56D963}"/>
+                </a:ext>
+              </a:extLst>
+            </p:cNvPr>
+            <p:cNvSpPr/>
+            <p:nvPr/>
+          </p:nvSpPr>
+          <p:spPr>
+            <a:xfrm>
+              <a:off x="1567803" y="5639159"/>
+              <a:ext cx="259459" cy="259460"/>
+            </a:xfrm>
+            <a:prstGeom prst="pentagon">
+              <a:avLst/>
+            </a:prstGeom>
+            <a:solidFill>
+              <a:srgbClr val="60C495"/>
+            </a:solidFill>
+            <a:ln>
+              <a:solidFill>
+                <a:srgbClr val="60C495"/>
+              </a:solidFill>
+            </a:ln>
+          </p:spPr>
+          <p:style>
+            <a:lnRef idx="2">
+              <a:schemeClr val="accent1">
+                <a:shade val="50000"/>
+              </a:schemeClr>
+            </a:lnRef>
+            <a:fillRef idx="1">
+              <a:schemeClr val="accent1"/>
+            </a:fillRef>
+            <a:effectRef idx="0">
+              <a:schemeClr val="accent1"/>
+            </a:effectRef>
+            <a:fontRef idx="minor">
+              <a:schemeClr val="lt1"/>
+            </a:fontRef>
+          </p:style>
+          <p:txBody>
+            <a:bodyPr rtlCol="0" anchor="ctr"/>
+            <a:lstStyle/>
+            <a:p>
+              <a:pPr algn="ctr"/>
+              <a:endParaRPr lang="en-US"/>
+            </a:p>
+          </p:txBody>
+        </p:sp>
+        <p:sp>
+          <p:nvSpPr>
+            <p:cNvPr id="224" name="Pentagon 223">
+              <a:extLst>
+                <a:ext uri="{FF2B5EF4-FFF2-40B4-BE49-F238E27FC236}">
+                  <a16:creationId xmlns:a16="http://schemas.microsoft.com/office/drawing/2014/main" id="{708BA909-93FD-4DA9-8884-AEBE5A9B96DC}"/>
+                </a:ext>
+              </a:extLst>
+            </p:cNvPr>
+            <p:cNvSpPr/>
+            <p:nvPr/>
+          </p:nvSpPr>
+          <p:spPr>
+            <a:xfrm>
+              <a:off x="1567803" y="6038279"/>
+              <a:ext cx="259459" cy="259460"/>
+            </a:xfrm>
+            <a:prstGeom prst="pentagon">
+              <a:avLst/>
+            </a:prstGeom>
+            <a:solidFill>
+              <a:srgbClr val="60C495"/>
+            </a:solidFill>
+            <a:ln>
+              <a:solidFill>
+                <a:srgbClr val="60C495"/>
+              </a:solidFill>
+            </a:ln>
+          </p:spPr>
+          <p:style>
+            <a:lnRef idx="2">
+              <a:schemeClr val="accent1">
+                <a:shade val="50000"/>
+              </a:schemeClr>
+            </a:lnRef>
+            <a:fillRef idx="1">
+              <a:schemeClr val="accent1"/>
+            </a:fillRef>
+            <a:effectRef idx="0">
+              <a:schemeClr val="accent1"/>
+            </a:effectRef>
+            <a:fontRef idx="minor">
+              <a:schemeClr val="lt1"/>
+            </a:fontRef>
+          </p:style>
+          <p:txBody>
+            <a:bodyPr rtlCol="0" anchor="ctr"/>
+            <a:lstStyle/>
+            <a:p>
+              <a:pPr algn="ctr"/>
+              <a:endParaRPr lang="en-US"/>
+            </a:p>
+          </p:txBody>
+        </p:sp>
+        <p:sp>
+          <p:nvSpPr>
+            <p:cNvPr id="225" name="Pentagon 224">
+              <a:extLst>
+                <a:ext uri="{FF2B5EF4-FFF2-40B4-BE49-F238E27FC236}">
+                  <a16:creationId xmlns:a16="http://schemas.microsoft.com/office/drawing/2014/main" id="{438DD201-8B9A-46CA-A62C-5140B9A983CC}"/>
+                </a:ext>
+              </a:extLst>
+            </p:cNvPr>
+            <p:cNvSpPr/>
+            <p:nvPr/>
+          </p:nvSpPr>
+          <p:spPr>
+            <a:xfrm>
+              <a:off x="1567803" y="6437398"/>
+              <a:ext cx="259459" cy="259460"/>
+            </a:xfrm>
+            <a:prstGeom prst="pentagon">
+              <a:avLst/>
+            </a:prstGeom>
+            <a:solidFill>
+              <a:srgbClr val="60C495"/>
+            </a:solidFill>
+            <a:ln>
+              <a:solidFill>
+                <a:srgbClr val="60C495"/>
+              </a:solidFill>
+            </a:ln>
+          </p:spPr>
+          <p:style>
+            <a:lnRef idx="2">
+              <a:schemeClr val="accent1">
+                <a:shade val="50000"/>
+              </a:schemeClr>
+            </a:lnRef>
+            <a:fillRef idx="1">
+              <a:schemeClr val="accent1"/>
+            </a:fillRef>
+            <a:effectRef idx="0">
+              <a:schemeClr val="accent1"/>
+            </a:effectRef>
+            <a:fontRef idx="minor">
+              <a:schemeClr val="lt1"/>
+            </a:fontRef>
+          </p:style>
+          <p:txBody>
+            <a:bodyPr rtlCol="0" anchor="ctr"/>
+            <a:lstStyle/>
+            <a:p>
+              <a:pPr algn="ctr"/>
+              <a:endParaRPr lang="en-US"/>
+            </a:p>
+          </p:txBody>
+        </p:sp>
+        <p:sp>
+          <p:nvSpPr>
+            <p:cNvPr id="226" name="Pentagon 225">
+              <a:extLst>
+                <a:ext uri="{FF2B5EF4-FFF2-40B4-BE49-F238E27FC236}">
+                  <a16:creationId xmlns:a16="http://schemas.microsoft.com/office/drawing/2014/main" id="{79D0A80D-0688-4673-BD29-AF9B1B2F37CD}"/>
+                </a:ext>
+              </a:extLst>
+            </p:cNvPr>
+            <p:cNvSpPr/>
+            <p:nvPr/>
+          </p:nvSpPr>
+          <p:spPr>
+            <a:xfrm>
+              <a:off x="1567803" y="6836517"/>
+              <a:ext cx="259459" cy="259460"/>
+            </a:xfrm>
+            <a:prstGeom prst="pentagon">
+              <a:avLst/>
+            </a:prstGeom>
+            <a:solidFill>
+              <a:srgbClr val="60C495"/>
+            </a:solidFill>
+            <a:ln>
+              <a:solidFill>
+                <a:srgbClr val="60C495"/>
+              </a:solidFill>
+            </a:ln>
+          </p:spPr>
+          <p:style>
+            <a:lnRef idx="2">
+              <a:schemeClr val="accent1">
+                <a:shade val="50000"/>
+              </a:schemeClr>
+            </a:lnRef>
+            <a:fillRef idx="1">
+              <a:schemeClr val="accent1"/>
+            </a:fillRef>
+            <a:effectRef idx="0">
+              <a:schemeClr val="accent1"/>
+            </a:effectRef>
+            <a:fontRef idx="minor">
+              <a:schemeClr val="lt1"/>
+            </a:fontRef>
+          </p:style>
+          <p:txBody>
+            <a:bodyPr rtlCol="0" anchor="ctr"/>
+            <a:lstStyle/>
+            <a:p>
+              <a:pPr algn="ctr"/>
+              <a:endParaRPr lang="en-US"/>
+            </a:p>
+          </p:txBody>
+        </p:sp>
+        <p:sp>
+          <p:nvSpPr>
+            <p:cNvPr id="227" name="Pentagon 226">
+              <a:extLst>
+                <a:ext uri="{FF2B5EF4-FFF2-40B4-BE49-F238E27FC236}">
+                  <a16:creationId xmlns:a16="http://schemas.microsoft.com/office/drawing/2014/main" id="{591E0EEE-3D16-47EC-BE09-0165A85396B8}"/>
+                </a:ext>
+              </a:extLst>
+            </p:cNvPr>
+            <p:cNvSpPr/>
+            <p:nvPr/>
+          </p:nvSpPr>
+          <p:spPr>
+            <a:xfrm>
+              <a:off x="1567803" y="7634756"/>
+              <a:ext cx="259459" cy="259460"/>
+            </a:xfrm>
+            <a:prstGeom prst="pentagon">
+              <a:avLst/>
+            </a:prstGeom>
+            <a:solidFill>
+              <a:srgbClr val="60C495"/>
+            </a:solidFill>
+            <a:ln>
+              <a:solidFill>
+                <a:srgbClr val="60C495"/>
+              </a:solidFill>
+            </a:ln>
+          </p:spPr>
+          <p:style>
+            <a:lnRef idx="2">
+              <a:schemeClr val="accent1">
+                <a:shade val="50000"/>
+              </a:schemeClr>
+            </a:lnRef>
+            <a:fillRef idx="1">
+              <a:schemeClr val="accent1"/>
+            </a:fillRef>
+            <a:effectRef idx="0">
+              <a:schemeClr val="accent1"/>
+            </a:effectRef>
+            <a:fontRef idx="minor">
+              <a:schemeClr val="lt1"/>
+            </a:fontRef>
+          </p:style>
+          <p:txBody>
+            <a:bodyPr rtlCol="0" anchor="ctr"/>
+            <a:lstStyle/>
+            <a:p>
+              <a:pPr algn="ctr"/>
+              <a:endParaRPr lang="en-US"/>
+            </a:p>
+          </p:txBody>
+        </p:sp>
+        <p:sp>
+          <p:nvSpPr>
+            <p:cNvPr id="228" name="Pentagon 227">
+              <a:extLst>
+                <a:ext uri="{FF2B5EF4-FFF2-40B4-BE49-F238E27FC236}">
+                  <a16:creationId xmlns:a16="http://schemas.microsoft.com/office/drawing/2014/main" id="{B12E896B-7A72-44A9-B09E-5CF72A39FBC2}"/>
+                </a:ext>
+              </a:extLst>
+            </p:cNvPr>
+            <p:cNvSpPr/>
+            <p:nvPr/>
+          </p:nvSpPr>
+          <p:spPr>
+            <a:xfrm rot="2125229">
+              <a:off x="1878441" y="7365367"/>
+              <a:ext cx="259459" cy="259460"/>
+            </a:xfrm>
+            <a:prstGeom prst="pentagon">
+              <a:avLst/>
+            </a:prstGeom>
+            <a:solidFill>
+              <a:srgbClr val="60C495"/>
+            </a:solidFill>
+            <a:ln>
+              <a:solidFill>
+                <a:srgbClr val="60C495"/>
+              </a:solidFill>
+            </a:ln>
+          </p:spPr>
+          <p:style>
+            <a:lnRef idx="2">
+              <a:schemeClr val="accent1">
+                <a:shade val="50000"/>
+              </a:schemeClr>
+            </a:lnRef>
+            <a:fillRef idx="1">
+              <a:schemeClr val="accent1"/>
+            </a:fillRef>
+            <a:effectRef idx="0">
+              <a:schemeClr val="accent1"/>
+            </a:effectRef>
+            <a:fontRef idx="minor">
+              <a:schemeClr val="lt1"/>
+            </a:fontRef>
+          </p:style>
+          <p:txBody>
+            <a:bodyPr rtlCol="0" anchor="ctr"/>
+            <a:lstStyle/>
+            <a:p>
+              <a:pPr algn="ctr"/>
+              <a:endParaRPr lang="en-US"/>
+            </a:p>
+          </p:txBody>
+        </p:sp>
+        <p:sp>
+          <p:nvSpPr>
+            <p:cNvPr id="229" name="Pentagon 228">
+              <a:extLst>
+                <a:ext uri="{FF2B5EF4-FFF2-40B4-BE49-F238E27FC236}">
+                  <a16:creationId xmlns:a16="http://schemas.microsoft.com/office/drawing/2014/main" id="{0AE52B1F-2F7E-458A-AE3A-EDED81D8FC4B}"/>
+                </a:ext>
+              </a:extLst>
+            </p:cNvPr>
+            <p:cNvSpPr/>
+            <p:nvPr/>
+          </p:nvSpPr>
+          <p:spPr>
+            <a:xfrm rot="2125229">
+              <a:off x="1878441" y="5369770"/>
+              <a:ext cx="259459" cy="259460"/>
+            </a:xfrm>
+            <a:prstGeom prst="pentagon">
+              <a:avLst/>
+            </a:prstGeom>
+            <a:solidFill>
+              <a:srgbClr val="60C495"/>
+            </a:solidFill>
+            <a:ln>
+              <a:solidFill>
+                <a:srgbClr val="60C495"/>
+              </a:solidFill>
+            </a:ln>
+          </p:spPr>
+          <p:style>
+            <a:lnRef idx="2">
+              <a:schemeClr val="accent1">
+                <a:shade val="50000"/>
+              </a:schemeClr>
+            </a:lnRef>
+            <a:fillRef idx="1">
+              <a:schemeClr val="accent1"/>
+            </a:fillRef>
+            <a:effectRef idx="0">
+              <a:schemeClr val="accent1"/>
+            </a:effectRef>
+            <a:fontRef idx="minor">
+              <a:schemeClr val="lt1"/>
+            </a:fontRef>
+          </p:style>
+          <p:txBody>
+            <a:bodyPr rtlCol="0" anchor="ctr"/>
+            <a:lstStyle/>
+            <a:p>
+              <a:pPr algn="ctr"/>
+              <a:endParaRPr lang="en-US"/>
+            </a:p>
+          </p:txBody>
+        </p:sp>
+        <p:sp>
+          <p:nvSpPr>
+            <p:cNvPr id="230" name="Pentagon 229">
+              <a:extLst>
+                <a:ext uri="{FF2B5EF4-FFF2-40B4-BE49-F238E27FC236}">
+                  <a16:creationId xmlns:a16="http://schemas.microsoft.com/office/drawing/2014/main" id="{F6530BAC-32D5-4A57-A641-54A1B3AE94AA}"/>
+                </a:ext>
+              </a:extLst>
+            </p:cNvPr>
+            <p:cNvSpPr/>
+            <p:nvPr/>
+          </p:nvSpPr>
+          <p:spPr>
+            <a:xfrm rot="2125229">
+              <a:off x="1878441" y="5768890"/>
+              <a:ext cx="259459" cy="259460"/>
+            </a:xfrm>
+            <a:prstGeom prst="pentagon">
+              <a:avLst/>
+            </a:prstGeom>
+            <a:solidFill>
+              <a:srgbClr val="60C495"/>
+            </a:solidFill>
+            <a:ln>
+              <a:solidFill>
+                <a:srgbClr val="60C495"/>
+              </a:solidFill>
+            </a:ln>
+          </p:spPr>
+          <p:style>
+            <a:lnRef idx="2">
+              <a:schemeClr val="accent1">
+                <a:shade val="50000"/>
+              </a:schemeClr>
+            </a:lnRef>
+            <a:fillRef idx="1">
+              <a:schemeClr val="accent1"/>
+            </a:fillRef>
+            <a:effectRef idx="0">
+              <a:schemeClr val="accent1"/>
+            </a:effectRef>
+            <a:fontRef idx="minor">
+              <a:schemeClr val="lt1"/>
+            </a:fontRef>
+          </p:style>
+          <p:txBody>
+            <a:bodyPr rtlCol="0" anchor="ctr"/>
+            <a:lstStyle/>
+            <a:p>
+              <a:pPr algn="ctr"/>
+              <a:endParaRPr lang="en-US"/>
+            </a:p>
+          </p:txBody>
+        </p:sp>
+        <p:sp>
+          <p:nvSpPr>
+            <p:cNvPr id="231" name="Pentagon 230">
+              <a:extLst>
+                <a:ext uri="{FF2B5EF4-FFF2-40B4-BE49-F238E27FC236}">
+                  <a16:creationId xmlns:a16="http://schemas.microsoft.com/office/drawing/2014/main" id="{7C816D1B-8F3C-4B66-BDC2-ECD4201E48F1}"/>
+                </a:ext>
+              </a:extLst>
+            </p:cNvPr>
+            <p:cNvSpPr/>
+            <p:nvPr/>
+          </p:nvSpPr>
+          <p:spPr>
+            <a:xfrm rot="2125229">
+              <a:off x="1878441" y="6168009"/>
+              <a:ext cx="259459" cy="259460"/>
+            </a:xfrm>
+            <a:prstGeom prst="pentagon">
+              <a:avLst/>
+            </a:prstGeom>
+            <a:solidFill>
+              <a:srgbClr val="60C495"/>
+            </a:solidFill>
+            <a:ln>
+              <a:solidFill>
+                <a:srgbClr val="60C495"/>
+              </a:solidFill>
+            </a:ln>
+          </p:spPr>
+          <p:style>
+            <a:lnRef idx="2">
+              <a:schemeClr val="accent1">
+                <a:shade val="50000"/>
+              </a:schemeClr>
+            </a:lnRef>
+            <a:fillRef idx="1">
+              <a:schemeClr val="accent1"/>
+            </a:fillRef>
+            <a:effectRef idx="0">
+              <a:schemeClr val="accent1"/>
+            </a:effectRef>
+            <a:fontRef idx="minor">
+              <a:schemeClr val="lt1"/>
+            </a:fontRef>
+          </p:style>
+          <p:txBody>
+            <a:bodyPr rtlCol="0" anchor="ctr"/>
+            <a:lstStyle/>
+            <a:p>
+              <a:pPr algn="ctr"/>
+              <a:endParaRPr lang="en-US"/>
+            </a:p>
+          </p:txBody>
+        </p:sp>
+        <p:sp>
+          <p:nvSpPr>
+            <p:cNvPr id="232" name="Pentagon 231">
+              <a:extLst>
+                <a:ext uri="{FF2B5EF4-FFF2-40B4-BE49-F238E27FC236}">
+                  <a16:creationId xmlns:a16="http://schemas.microsoft.com/office/drawing/2014/main" id="{7EA09319-EF4B-49D1-8D19-9C8BF4486235}"/>
+                </a:ext>
+              </a:extLst>
+            </p:cNvPr>
+            <p:cNvSpPr/>
+            <p:nvPr/>
+          </p:nvSpPr>
+          <p:spPr>
+            <a:xfrm rot="2125229">
+              <a:off x="1878441" y="6567128"/>
+              <a:ext cx="259459" cy="259460"/>
+            </a:xfrm>
+            <a:prstGeom prst="pentagon">
+              <a:avLst/>
+            </a:prstGeom>
+            <a:solidFill>
+              <a:srgbClr val="60C495"/>
+            </a:solidFill>
+            <a:ln>
+              <a:solidFill>
+                <a:srgbClr val="60C495"/>
+              </a:solidFill>
+            </a:ln>
+          </p:spPr>
+          <p:style>
+            <a:lnRef idx="2">
+              <a:schemeClr val="accent1">
+                <a:shade val="50000"/>
+              </a:schemeClr>
+            </a:lnRef>
+            <a:fillRef idx="1">
+              <a:schemeClr val="accent1"/>
+            </a:fillRef>
+            <a:effectRef idx="0">
+              <a:schemeClr val="accent1"/>
+            </a:effectRef>
+            <a:fontRef idx="minor">
+              <a:schemeClr val="lt1"/>
+            </a:fontRef>
+          </p:style>
+          <p:txBody>
+            <a:bodyPr rtlCol="0" anchor="ctr"/>
+            <a:lstStyle/>
+            <a:p>
+              <a:pPr algn="ctr"/>
+              <a:endParaRPr lang="en-US"/>
+            </a:p>
+          </p:txBody>
+        </p:sp>
+        <p:sp>
+          <p:nvSpPr>
+            <p:cNvPr id="233" name="Pentagon 232">
+              <a:extLst>
+                <a:ext uri="{FF2B5EF4-FFF2-40B4-BE49-F238E27FC236}">
+                  <a16:creationId xmlns:a16="http://schemas.microsoft.com/office/drawing/2014/main" id="{7CE80CF4-E2FA-4898-B35B-7322311CD814}"/>
+                </a:ext>
+              </a:extLst>
+            </p:cNvPr>
+            <p:cNvSpPr/>
+            <p:nvPr/>
+          </p:nvSpPr>
+          <p:spPr>
+            <a:xfrm rot="2125229">
+              <a:off x="1878441" y="6966247"/>
+              <a:ext cx="259459" cy="259460"/>
+            </a:xfrm>
+            <a:prstGeom prst="pentagon">
+              <a:avLst/>
+            </a:prstGeom>
+            <a:solidFill>
+              <a:srgbClr val="60C495"/>
+            </a:solidFill>
+            <a:ln>
+              <a:solidFill>
+                <a:srgbClr val="60C495"/>
+              </a:solidFill>
+            </a:ln>
+          </p:spPr>
+          <p:style>
+            <a:lnRef idx="2">
+              <a:schemeClr val="accent1">
+                <a:shade val="50000"/>
+              </a:schemeClr>
+            </a:lnRef>
+            <a:fillRef idx="1">
+              <a:schemeClr val="accent1"/>
+            </a:fillRef>
+            <a:effectRef idx="0">
+              <a:schemeClr val="accent1"/>
+            </a:effectRef>
+            <a:fontRef idx="minor">
+              <a:schemeClr val="lt1"/>
+            </a:fontRef>
+          </p:style>
+          <p:txBody>
+            <a:bodyPr rtlCol="0" anchor="ctr"/>
+            <a:lstStyle/>
+            <a:p>
+              <a:pPr algn="ctr"/>
+              <a:endParaRPr lang="en-US"/>
+            </a:p>
+          </p:txBody>
+        </p:sp>
+        <p:sp>
+          <p:nvSpPr>
+            <p:cNvPr id="234" name="Pentagon 233">
+              <a:extLst>
+                <a:ext uri="{FF2B5EF4-FFF2-40B4-BE49-F238E27FC236}">
+                  <a16:creationId xmlns:a16="http://schemas.microsoft.com/office/drawing/2014/main" id="{F5245A47-C943-46CA-847D-F9223683BEE7}"/>
+                </a:ext>
+              </a:extLst>
+            </p:cNvPr>
+            <p:cNvSpPr/>
+            <p:nvPr/>
+          </p:nvSpPr>
+          <p:spPr>
+            <a:xfrm rot="2125229">
+              <a:off x="1878441" y="7764486"/>
+              <a:ext cx="259459" cy="259460"/>
+            </a:xfrm>
+            <a:prstGeom prst="pentagon">
+              <a:avLst/>
+            </a:prstGeom>
+            <a:solidFill>
+              <a:srgbClr val="60C495"/>
+            </a:solidFill>
+            <a:ln>
+              <a:solidFill>
+                <a:srgbClr val="60C495"/>
+              </a:solidFill>
+            </a:ln>
+          </p:spPr>
+          <p:style>
+            <a:lnRef idx="2">
+              <a:schemeClr val="accent1">
+                <a:shade val="50000"/>
+              </a:schemeClr>
+            </a:lnRef>
+            <a:fillRef idx="1">
+              <a:schemeClr val="accent1"/>
+            </a:fillRef>
+            <a:effectRef idx="0">
+              <a:schemeClr val="accent1"/>
+            </a:effectRef>
+            <a:fontRef idx="minor">
+              <a:schemeClr val="lt1"/>
+            </a:fontRef>
+          </p:style>
+          <p:txBody>
+            <a:bodyPr rtlCol="0" anchor="ctr"/>
+            <a:lstStyle/>
+            <a:p>
+              <a:pPr algn="ctr"/>
+              <a:endParaRPr lang="en-US"/>
+            </a:p>
+          </p:txBody>
+        </p:sp>
+        <p:sp>
+          <p:nvSpPr>
+            <p:cNvPr id="235" name="Pentagon 234">
+              <a:extLst>
+                <a:ext uri="{FF2B5EF4-FFF2-40B4-BE49-F238E27FC236}">
+                  <a16:creationId xmlns:a16="http://schemas.microsoft.com/office/drawing/2014/main" id="{2690A661-8837-43A8-A4F0-E8910F36189B}"/>
+                </a:ext>
+              </a:extLst>
+            </p:cNvPr>
+            <p:cNvSpPr/>
+            <p:nvPr/>
+          </p:nvSpPr>
+          <p:spPr>
+            <a:xfrm>
+              <a:off x="2189078" y="7235636"/>
+              <a:ext cx="259459" cy="259460"/>
+            </a:xfrm>
+            <a:prstGeom prst="pentagon">
+              <a:avLst/>
+            </a:prstGeom>
+            <a:solidFill>
+              <a:srgbClr val="60C495"/>
+            </a:solidFill>
+            <a:ln>
+              <a:solidFill>
+                <a:srgbClr val="60C495"/>
+              </a:solidFill>
+            </a:ln>
+          </p:spPr>
+          <p:style>
+            <a:lnRef idx="2">
+              <a:schemeClr val="accent1">
+                <a:shade val="50000"/>
+              </a:schemeClr>
+            </a:lnRef>
+            <a:fillRef idx="1">
+              <a:schemeClr val="accent1"/>
+            </a:fillRef>
+            <a:effectRef idx="0">
+              <a:schemeClr val="accent1"/>
+            </a:effectRef>
+            <a:fontRef idx="minor">
+              <a:schemeClr val="lt1"/>
+            </a:fontRef>
+          </p:style>
+          <p:txBody>
+            <a:bodyPr rtlCol="0" anchor="ctr"/>
+            <a:lstStyle/>
+            <a:p>
+              <a:pPr algn="ctr"/>
+              <a:endParaRPr lang="en-US"/>
+            </a:p>
+          </p:txBody>
+        </p:sp>
+        <p:sp>
+          <p:nvSpPr>
+            <p:cNvPr id="236" name="Pentagon 235">
+              <a:extLst>
+                <a:ext uri="{FF2B5EF4-FFF2-40B4-BE49-F238E27FC236}">
+                  <a16:creationId xmlns:a16="http://schemas.microsoft.com/office/drawing/2014/main" id="{D72AF298-0686-4443-BDB2-E9ECE0C67EFC}"/>
+                </a:ext>
+              </a:extLst>
+            </p:cNvPr>
+            <p:cNvSpPr/>
+            <p:nvPr/>
+          </p:nvSpPr>
+          <p:spPr>
+            <a:xfrm>
+              <a:off x="2189078" y="5240039"/>
+              <a:ext cx="259459" cy="259460"/>
+            </a:xfrm>
+            <a:prstGeom prst="pentagon">
+              <a:avLst/>
+            </a:prstGeom>
+            <a:solidFill>
+              <a:srgbClr val="60C495"/>
+            </a:solidFill>
+            <a:ln>
+              <a:solidFill>
+                <a:srgbClr val="60C495"/>
+              </a:solidFill>
+            </a:ln>
+          </p:spPr>
+          <p:style>
+            <a:lnRef idx="2">
+              <a:schemeClr val="accent1">
+                <a:shade val="50000"/>
+              </a:schemeClr>
+            </a:lnRef>
+            <a:fillRef idx="1">
+              <a:schemeClr val="accent1"/>
+            </a:fillRef>
+            <a:effectRef idx="0">
+              <a:schemeClr val="accent1"/>
+            </a:effectRef>
+            <a:fontRef idx="minor">
+              <a:schemeClr val="lt1"/>
+            </a:fontRef>
+          </p:style>
+          <p:txBody>
+            <a:bodyPr rtlCol="0" anchor="ctr"/>
+            <a:lstStyle/>
+            <a:p>
+              <a:pPr algn="ctr"/>
+              <a:endParaRPr lang="en-US"/>
+            </a:p>
+          </p:txBody>
+        </p:sp>
+        <p:sp>
+          <p:nvSpPr>
+            <p:cNvPr id="237" name="Pentagon 236">
+              <a:extLst>
+                <a:ext uri="{FF2B5EF4-FFF2-40B4-BE49-F238E27FC236}">
+                  <a16:creationId xmlns:a16="http://schemas.microsoft.com/office/drawing/2014/main" id="{F4E47B74-64D4-408E-8C55-74B395BD2CF7}"/>
+                </a:ext>
+              </a:extLst>
+            </p:cNvPr>
+            <p:cNvSpPr/>
+            <p:nvPr/>
+          </p:nvSpPr>
+          <p:spPr>
+            <a:xfrm>
+              <a:off x="2189078" y="5639159"/>
+              <a:ext cx="259459" cy="259460"/>
+            </a:xfrm>
+            <a:prstGeom prst="pentagon">
+              <a:avLst/>
+            </a:prstGeom>
+            <a:solidFill>
+              <a:srgbClr val="60C495"/>
+            </a:solidFill>
+            <a:ln>
+              <a:solidFill>
+                <a:srgbClr val="60C495"/>
+              </a:solidFill>
+            </a:ln>
+          </p:spPr>
+          <p:style>
+            <a:lnRef idx="2">
+              <a:schemeClr val="accent1">
+                <a:shade val="50000"/>
+              </a:schemeClr>
+            </a:lnRef>
+            <a:fillRef idx="1">
+              <a:schemeClr val="accent1"/>
+            </a:fillRef>
+            <a:effectRef idx="0">
+              <a:schemeClr val="accent1"/>
+            </a:effectRef>
+            <a:fontRef idx="minor">
+              <a:schemeClr val="lt1"/>
+            </a:fontRef>
+          </p:style>
+          <p:txBody>
+            <a:bodyPr rtlCol="0" anchor="ctr"/>
+            <a:lstStyle/>
+            <a:p>
+              <a:pPr algn="ctr"/>
+              <a:endParaRPr lang="en-US"/>
+            </a:p>
+          </p:txBody>
+        </p:sp>
+        <p:sp>
+          <p:nvSpPr>
+            <p:cNvPr id="238" name="Pentagon 237">
+              <a:extLst>
+                <a:ext uri="{FF2B5EF4-FFF2-40B4-BE49-F238E27FC236}">
+                  <a16:creationId xmlns:a16="http://schemas.microsoft.com/office/drawing/2014/main" id="{A4DFB6D7-BAB9-4146-B826-4E05B711F24E}"/>
+                </a:ext>
+              </a:extLst>
+            </p:cNvPr>
+            <p:cNvSpPr/>
+            <p:nvPr/>
+          </p:nvSpPr>
+          <p:spPr>
+            <a:xfrm>
+              <a:off x="2189078" y="6038278"/>
+              <a:ext cx="259459" cy="259460"/>
+            </a:xfrm>
+            <a:prstGeom prst="pentagon">
+              <a:avLst/>
+            </a:prstGeom>
+            <a:solidFill>
+              <a:srgbClr val="60C495"/>
+            </a:solidFill>
+            <a:ln>
+              <a:solidFill>
+                <a:srgbClr val="60C495"/>
+              </a:solidFill>
+            </a:ln>
+          </p:spPr>
+          <p:style>
+            <a:lnRef idx="2">
+              <a:schemeClr val="accent1">
+                <a:shade val="50000"/>
+              </a:schemeClr>
+            </a:lnRef>
+            <a:fillRef idx="1">
+              <a:schemeClr val="accent1"/>
+            </a:fillRef>
+            <a:effectRef idx="0">
+              <a:schemeClr val="accent1"/>
+            </a:effectRef>
+            <a:fontRef idx="minor">
+              <a:schemeClr val="lt1"/>
+            </a:fontRef>
+          </p:style>
+          <p:txBody>
+            <a:bodyPr rtlCol="0" anchor="ctr"/>
+            <a:lstStyle/>
+            <a:p>
+              <a:pPr algn="ctr"/>
+              <a:endParaRPr lang="en-US"/>
+            </a:p>
+          </p:txBody>
+        </p:sp>
+        <p:sp>
+          <p:nvSpPr>
+            <p:cNvPr id="239" name="Pentagon 238">
+              <a:extLst>
+                <a:ext uri="{FF2B5EF4-FFF2-40B4-BE49-F238E27FC236}">
+                  <a16:creationId xmlns:a16="http://schemas.microsoft.com/office/drawing/2014/main" id="{CD001FA9-8632-4805-B75E-6C290318F127}"/>
+                </a:ext>
+              </a:extLst>
+            </p:cNvPr>
+            <p:cNvSpPr/>
+            <p:nvPr/>
+          </p:nvSpPr>
+          <p:spPr>
+            <a:xfrm>
+              <a:off x="2189078" y="6437397"/>
+              <a:ext cx="259459" cy="259460"/>
+            </a:xfrm>
+            <a:prstGeom prst="pentagon">
+              <a:avLst/>
+            </a:prstGeom>
+            <a:solidFill>
+              <a:srgbClr val="60C495"/>
+            </a:solidFill>
+            <a:ln>
+              <a:solidFill>
+                <a:srgbClr val="60C495"/>
+              </a:solidFill>
+            </a:ln>
+          </p:spPr>
+          <p:style>
+            <a:lnRef idx="2">
+              <a:schemeClr val="accent1">
+                <a:shade val="50000"/>
+              </a:schemeClr>
+            </a:lnRef>
+            <a:fillRef idx="1">
+              <a:schemeClr val="accent1"/>
+            </a:fillRef>
+            <a:effectRef idx="0">
+              <a:schemeClr val="accent1"/>
+            </a:effectRef>
+            <a:fontRef idx="minor">
+              <a:schemeClr val="lt1"/>
+            </a:fontRef>
+          </p:style>
+          <p:txBody>
+            <a:bodyPr rtlCol="0" anchor="ctr"/>
+            <a:lstStyle/>
+            <a:p>
+              <a:pPr algn="ctr"/>
+              <a:endParaRPr lang="en-US"/>
+            </a:p>
+          </p:txBody>
+        </p:sp>
+        <p:sp>
+          <p:nvSpPr>
+            <p:cNvPr id="240" name="Pentagon 239">
+              <a:extLst>
+                <a:ext uri="{FF2B5EF4-FFF2-40B4-BE49-F238E27FC236}">
+                  <a16:creationId xmlns:a16="http://schemas.microsoft.com/office/drawing/2014/main" id="{E7082DF8-F0B7-4C2C-B8D9-67187059EB09}"/>
+                </a:ext>
+              </a:extLst>
+            </p:cNvPr>
+            <p:cNvSpPr/>
+            <p:nvPr/>
+          </p:nvSpPr>
+          <p:spPr>
+            <a:xfrm>
+              <a:off x="2189078" y="6836517"/>
+              <a:ext cx="259459" cy="259460"/>
+            </a:xfrm>
+            <a:prstGeom prst="pentagon">
+              <a:avLst/>
+            </a:prstGeom>
+            <a:solidFill>
+              <a:srgbClr val="60C495"/>
+            </a:solidFill>
+            <a:ln>
+              <a:solidFill>
+                <a:srgbClr val="60C495"/>
+              </a:solidFill>
+            </a:ln>
+          </p:spPr>
+          <p:style>
+            <a:lnRef idx="2">
+              <a:schemeClr val="accent1">
+                <a:shade val="50000"/>
+              </a:schemeClr>
+            </a:lnRef>
+            <a:fillRef idx="1">
+              <a:schemeClr val="accent1"/>
+            </a:fillRef>
+            <a:effectRef idx="0">
+              <a:schemeClr val="accent1"/>
+            </a:effectRef>
+            <a:fontRef idx="minor">
+              <a:schemeClr val="lt1"/>
+            </a:fontRef>
+          </p:style>
+          <p:txBody>
+            <a:bodyPr rtlCol="0" anchor="ctr"/>
+            <a:lstStyle/>
+            <a:p>
+              <a:pPr algn="ctr"/>
+              <a:endParaRPr lang="en-US"/>
+            </a:p>
+          </p:txBody>
+        </p:sp>
+        <p:sp>
+          <p:nvSpPr>
+            <p:cNvPr id="241" name="Pentagon 240">
+              <a:extLst>
+                <a:ext uri="{FF2B5EF4-FFF2-40B4-BE49-F238E27FC236}">
+                  <a16:creationId xmlns:a16="http://schemas.microsoft.com/office/drawing/2014/main" id="{B3BE7C0E-FE6A-4DCF-82D0-2CCAC76DD1AB}"/>
+                </a:ext>
+              </a:extLst>
+            </p:cNvPr>
+            <p:cNvSpPr/>
+            <p:nvPr/>
+          </p:nvSpPr>
+          <p:spPr>
+            <a:xfrm>
+              <a:off x="2189078" y="7634755"/>
+              <a:ext cx="259459" cy="259460"/>
+            </a:xfrm>
+            <a:prstGeom prst="pentagon">
+              <a:avLst/>
+            </a:prstGeom>
+            <a:solidFill>
+              <a:srgbClr val="60C495"/>
+            </a:solidFill>
+            <a:ln>
+              <a:solidFill>
+                <a:srgbClr val="60C495"/>
+              </a:solidFill>
+            </a:ln>
+          </p:spPr>
+          <p:style>
+            <a:lnRef idx="2">
+              <a:schemeClr val="accent1">
+                <a:shade val="50000"/>
+              </a:schemeClr>
+            </a:lnRef>
+            <a:fillRef idx="1">
+              <a:schemeClr val="accent1"/>
+            </a:fillRef>
+            <a:effectRef idx="0">
+              <a:schemeClr val="accent1"/>
+            </a:effectRef>
+            <a:fontRef idx="minor">
+              <a:schemeClr val="lt1"/>
+            </a:fontRef>
+          </p:style>
+          <p:txBody>
+            <a:bodyPr rtlCol="0" anchor="ctr"/>
+            <a:lstStyle/>
+            <a:p>
+              <a:pPr algn="ctr"/>
+              <a:endParaRPr lang="en-US"/>
+            </a:p>
+          </p:txBody>
+        </p:sp>
+        <p:sp>
+          <p:nvSpPr>
+            <p:cNvPr id="242" name="Pentagon 241">
+              <a:extLst>
+                <a:ext uri="{FF2B5EF4-FFF2-40B4-BE49-F238E27FC236}">
+                  <a16:creationId xmlns:a16="http://schemas.microsoft.com/office/drawing/2014/main" id="{491F0075-78E3-4DCF-8501-881F43B67210}"/>
+                </a:ext>
+              </a:extLst>
+            </p:cNvPr>
+            <p:cNvSpPr/>
+            <p:nvPr/>
+          </p:nvSpPr>
+          <p:spPr>
+            <a:xfrm rot="2125229">
+              <a:off x="2499715" y="7365366"/>
+              <a:ext cx="259459" cy="259460"/>
+            </a:xfrm>
+            <a:prstGeom prst="pentagon">
+              <a:avLst/>
+            </a:prstGeom>
+            <a:solidFill>
+              <a:srgbClr val="60C495"/>
+            </a:solidFill>
+            <a:ln>
+              <a:solidFill>
+                <a:srgbClr val="60C495"/>
+              </a:solidFill>
+            </a:ln>
+          </p:spPr>
+          <p:style>
+            <a:lnRef idx="2">
+              <a:schemeClr val="accent1">
+                <a:shade val="50000"/>
+              </a:schemeClr>
+            </a:lnRef>
+            <a:fillRef idx="1">
+              <a:schemeClr val="accent1"/>
+            </a:fillRef>
+            <a:effectRef idx="0">
+              <a:schemeClr val="accent1"/>
+            </a:effectRef>
+            <a:fontRef idx="minor">
+              <a:schemeClr val="lt1"/>
+            </a:fontRef>
+          </p:style>
+          <p:txBody>
+            <a:bodyPr rtlCol="0" anchor="ctr"/>
+            <a:lstStyle/>
+            <a:p>
+              <a:pPr algn="ctr"/>
+              <a:endParaRPr lang="en-US"/>
+            </a:p>
+          </p:txBody>
+        </p:sp>
+        <p:sp>
+          <p:nvSpPr>
+            <p:cNvPr id="243" name="Pentagon 242">
+              <a:extLst>
+                <a:ext uri="{FF2B5EF4-FFF2-40B4-BE49-F238E27FC236}">
+                  <a16:creationId xmlns:a16="http://schemas.microsoft.com/office/drawing/2014/main" id="{D048442A-8C1D-465B-AEF3-5A00A63F5610}"/>
+                </a:ext>
+              </a:extLst>
+            </p:cNvPr>
+            <p:cNvSpPr/>
+            <p:nvPr/>
+          </p:nvSpPr>
+          <p:spPr>
+            <a:xfrm rot="2125229">
+              <a:off x="2499715" y="5369770"/>
+              <a:ext cx="259459" cy="259460"/>
+            </a:xfrm>
+            <a:prstGeom prst="pentagon">
+              <a:avLst/>
+            </a:prstGeom>
+            <a:solidFill>
+              <a:srgbClr val="60C495"/>
+            </a:solidFill>
+            <a:ln>
+              <a:solidFill>
+                <a:srgbClr val="60C495"/>
+              </a:solidFill>
+            </a:ln>
+          </p:spPr>
+          <p:style>
+            <a:lnRef idx="2">
+              <a:schemeClr val="accent1">
+                <a:shade val="50000"/>
+              </a:schemeClr>
+            </a:lnRef>
+            <a:fillRef idx="1">
+              <a:schemeClr val="accent1"/>
+            </a:fillRef>
+            <a:effectRef idx="0">
+              <a:schemeClr val="accent1"/>
+            </a:effectRef>
+            <a:fontRef idx="minor">
+              <a:schemeClr val="lt1"/>
+            </a:fontRef>
+          </p:style>
+          <p:txBody>
+            <a:bodyPr rtlCol="0" anchor="ctr"/>
+            <a:lstStyle/>
+            <a:p>
+              <a:pPr algn="ctr"/>
+              <a:endParaRPr lang="en-US"/>
+            </a:p>
+          </p:txBody>
+        </p:sp>
+        <p:sp>
+          <p:nvSpPr>
+            <p:cNvPr id="244" name="Pentagon 243">
+              <a:extLst>
+                <a:ext uri="{FF2B5EF4-FFF2-40B4-BE49-F238E27FC236}">
+                  <a16:creationId xmlns:a16="http://schemas.microsoft.com/office/drawing/2014/main" id="{5A3E9AD4-ED24-4374-A18C-9A0BC9A177BF}"/>
+                </a:ext>
+              </a:extLst>
+            </p:cNvPr>
+            <p:cNvSpPr/>
+            <p:nvPr/>
+          </p:nvSpPr>
+          <p:spPr>
+            <a:xfrm rot="2125229">
+              <a:off x="2499715" y="5768889"/>
+              <a:ext cx="259459" cy="259460"/>
+            </a:xfrm>
+            <a:prstGeom prst="pentagon">
+              <a:avLst/>
+            </a:prstGeom>
+            <a:solidFill>
+              <a:srgbClr val="60C495"/>
+            </a:solidFill>
+            <a:ln>
+              <a:solidFill>
+                <a:srgbClr val="60C495"/>
+              </a:solidFill>
+            </a:ln>
+          </p:spPr>
+          <p:style>
+            <a:lnRef idx="2">
+              <a:schemeClr val="accent1">
+                <a:shade val="50000"/>
+              </a:schemeClr>
+            </a:lnRef>
+            <a:fillRef idx="1">
+              <a:schemeClr val="accent1"/>
+            </a:fillRef>
+            <a:effectRef idx="0">
+              <a:schemeClr val="accent1"/>
+            </a:effectRef>
+            <a:fontRef idx="minor">
+              <a:schemeClr val="lt1"/>
+            </a:fontRef>
+          </p:style>
+          <p:txBody>
+            <a:bodyPr rtlCol="0" anchor="ctr"/>
+            <a:lstStyle/>
+            <a:p>
+              <a:pPr algn="ctr"/>
+              <a:endParaRPr lang="en-US"/>
+            </a:p>
+          </p:txBody>
+        </p:sp>
+        <p:sp>
+          <p:nvSpPr>
+            <p:cNvPr id="245" name="Pentagon 244">
+              <a:extLst>
+                <a:ext uri="{FF2B5EF4-FFF2-40B4-BE49-F238E27FC236}">
+                  <a16:creationId xmlns:a16="http://schemas.microsoft.com/office/drawing/2014/main" id="{4CD72387-2C07-41A3-A945-DD108C60F063}"/>
+                </a:ext>
+              </a:extLst>
+            </p:cNvPr>
+            <p:cNvSpPr/>
+            <p:nvPr/>
+          </p:nvSpPr>
+          <p:spPr>
+            <a:xfrm rot="2125229">
+              <a:off x="2499715" y="6168008"/>
+              <a:ext cx="259459" cy="259460"/>
+            </a:xfrm>
+            <a:prstGeom prst="pentagon">
+              <a:avLst/>
+            </a:prstGeom>
+            <a:solidFill>
+              <a:srgbClr val="60C495"/>
+            </a:solidFill>
+            <a:ln>
+              <a:solidFill>
+                <a:srgbClr val="60C495"/>
+              </a:solidFill>
+            </a:ln>
+          </p:spPr>
+          <p:style>
+            <a:lnRef idx="2">
+              <a:schemeClr val="accent1">
+                <a:shade val="50000"/>
+              </a:schemeClr>
+            </a:lnRef>
+            <a:fillRef idx="1">
+              <a:schemeClr val="accent1"/>
+            </a:fillRef>
+            <a:effectRef idx="0">
+              <a:schemeClr val="accent1"/>
+            </a:effectRef>
+            <a:fontRef idx="minor">
+              <a:schemeClr val="lt1"/>
+            </a:fontRef>
+          </p:style>
+          <p:txBody>
+            <a:bodyPr rtlCol="0" anchor="ctr"/>
+            <a:lstStyle/>
+            <a:p>
+              <a:pPr algn="ctr"/>
+              <a:endParaRPr lang="en-US"/>
+            </a:p>
+          </p:txBody>
+        </p:sp>
+        <p:sp>
+          <p:nvSpPr>
+            <p:cNvPr id="246" name="Pentagon 245">
+              <a:extLst>
+                <a:ext uri="{FF2B5EF4-FFF2-40B4-BE49-F238E27FC236}">
+                  <a16:creationId xmlns:a16="http://schemas.microsoft.com/office/drawing/2014/main" id="{4B481173-4F2B-42DC-B6FD-F8967C8AF9B8}"/>
+                </a:ext>
+              </a:extLst>
+            </p:cNvPr>
+            <p:cNvSpPr/>
+            <p:nvPr/>
+          </p:nvSpPr>
+          <p:spPr>
+            <a:xfrm rot="2125229">
+              <a:off x="2499715" y="6567128"/>
+              <a:ext cx="259459" cy="259460"/>
+            </a:xfrm>
+            <a:prstGeom prst="pentagon">
+              <a:avLst/>
+            </a:prstGeom>
+            <a:solidFill>
+              <a:srgbClr val="60C495"/>
+            </a:solidFill>
+            <a:ln>
+              <a:solidFill>
+                <a:srgbClr val="60C495"/>
+              </a:solidFill>
+            </a:ln>
+          </p:spPr>
+          <p:style>
+            <a:lnRef idx="2">
+              <a:schemeClr val="accent1">
+                <a:shade val="50000"/>
+              </a:schemeClr>
+            </a:lnRef>
+            <a:fillRef idx="1">
+              <a:schemeClr val="accent1"/>
+            </a:fillRef>
+            <a:effectRef idx="0">
+              <a:schemeClr val="accent1"/>
+            </a:effectRef>
+            <a:fontRef idx="minor">
+              <a:schemeClr val="lt1"/>
+            </a:fontRef>
+          </p:style>
+          <p:txBody>
+            <a:bodyPr rtlCol="0" anchor="ctr"/>
+            <a:lstStyle/>
+            <a:p>
+              <a:pPr algn="ctr"/>
+              <a:endParaRPr lang="en-US"/>
+            </a:p>
+          </p:txBody>
+        </p:sp>
+        <p:sp>
+          <p:nvSpPr>
+            <p:cNvPr id="247" name="Pentagon 246">
+              <a:extLst>
+                <a:ext uri="{FF2B5EF4-FFF2-40B4-BE49-F238E27FC236}">
+                  <a16:creationId xmlns:a16="http://schemas.microsoft.com/office/drawing/2014/main" id="{6F4363FA-5B3A-457B-A484-F30BD0D2AD05}"/>
+                </a:ext>
+              </a:extLst>
+            </p:cNvPr>
+            <p:cNvSpPr/>
+            <p:nvPr/>
+          </p:nvSpPr>
+          <p:spPr>
+            <a:xfrm rot="2125229">
+              <a:off x="2499715" y="6966247"/>
+              <a:ext cx="259459" cy="259460"/>
+            </a:xfrm>
+            <a:prstGeom prst="pentagon">
+              <a:avLst/>
+            </a:prstGeom>
+            <a:solidFill>
+              <a:srgbClr val="60C495"/>
+            </a:solidFill>
+            <a:ln>
+              <a:solidFill>
+                <a:srgbClr val="60C495"/>
+              </a:solidFill>
+            </a:ln>
+          </p:spPr>
+          <p:style>
+            <a:lnRef idx="2">
+              <a:schemeClr val="accent1">
+                <a:shade val="50000"/>
+              </a:schemeClr>
+            </a:lnRef>
+            <a:fillRef idx="1">
+              <a:schemeClr val="accent1"/>
+            </a:fillRef>
+            <a:effectRef idx="0">
+              <a:schemeClr val="accent1"/>
+            </a:effectRef>
+            <a:fontRef idx="minor">
+              <a:schemeClr val="lt1"/>
+            </a:fontRef>
+          </p:style>
+          <p:txBody>
+            <a:bodyPr rtlCol="0" anchor="ctr"/>
+            <a:lstStyle/>
+            <a:p>
+              <a:pPr algn="ctr"/>
+              <a:endParaRPr lang="en-US"/>
+            </a:p>
+          </p:txBody>
+        </p:sp>
+        <p:sp>
+          <p:nvSpPr>
+            <p:cNvPr id="248" name="Pentagon 247">
+              <a:extLst>
+                <a:ext uri="{FF2B5EF4-FFF2-40B4-BE49-F238E27FC236}">
+                  <a16:creationId xmlns:a16="http://schemas.microsoft.com/office/drawing/2014/main" id="{6142E313-4D71-4530-BABD-3835C307049B}"/>
+                </a:ext>
+              </a:extLst>
+            </p:cNvPr>
+            <p:cNvSpPr/>
+            <p:nvPr/>
+          </p:nvSpPr>
+          <p:spPr>
+            <a:xfrm rot="2125229">
+              <a:off x="2499715" y="7764485"/>
+              <a:ext cx="259459" cy="259460"/>
+            </a:xfrm>
+            <a:prstGeom prst="pentagon">
+              <a:avLst/>
+            </a:prstGeom>
+            <a:solidFill>
+              <a:srgbClr val="60C495"/>
+            </a:solidFill>
+            <a:ln>
+              <a:solidFill>
+                <a:srgbClr val="60C495"/>
+              </a:solidFill>
+            </a:ln>
+          </p:spPr>
+          <p:style>
+            <a:lnRef idx="2">
+              <a:schemeClr val="accent1">
+                <a:shade val="50000"/>
+              </a:schemeClr>
+            </a:lnRef>
+            <a:fillRef idx="1">
+              <a:schemeClr val="accent1"/>
+            </a:fillRef>
+            <a:effectRef idx="0">
+              <a:schemeClr val="accent1"/>
+            </a:effectRef>
+            <a:fontRef idx="minor">
+              <a:schemeClr val="lt1"/>
+            </a:fontRef>
+          </p:style>
+          <p:txBody>
+            <a:bodyPr rtlCol="0" anchor="ctr"/>
+            <a:lstStyle/>
+            <a:p>
+              <a:pPr algn="ctr"/>
+              <a:endParaRPr lang="en-US"/>
+            </a:p>
+          </p:txBody>
+        </p:sp>
+        <p:sp>
+          <p:nvSpPr>
+            <p:cNvPr id="249" name="Pentagon 248">
+              <a:extLst>
+                <a:ext uri="{FF2B5EF4-FFF2-40B4-BE49-F238E27FC236}">
+                  <a16:creationId xmlns:a16="http://schemas.microsoft.com/office/drawing/2014/main" id="{3A152525-4ADF-4718-A06A-0E65F50EE6F1}"/>
+                </a:ext>
+              </a:extLst>
+            </p:cNvPr>
+            <p:cNvSpPr/>
+            <p:nvPr/>
+          </p:nvSpPr>
+          <p:spPr>
+            <a:xfrm>
+              <a:off x="1567802" y="4520354"/>
+              <a:ext cx="259459" cy="259460"/>
+            </a:xfrm>
+            <a:prstGeom prst="pentagon">
+              <a:avLst/>
+            </a:prstGeom>
+            <a:solidFill>
+              <a:srgbClr val="60C495"/>
+            </a:solidFill>
+            <a:ln>
+              <a:solidFill>
+                <a:srgbClr val="60C495"/>
+              </a:solidFill>
+            </a:ln>
+          </p:spPr>
+          <p:style>
+            <a:lnRef idx="2">
+              <a:schemeClr val="accent1">
+                <a:shade val="50000"/>
+              </a:schemeClr>
+            </a:lnRef>
+            <a:fillRef idx="1">
+              <a:schemeClr val="accent1"/>
+            </a:fillRef>
+            <a:effectRef idx="0">
+              <a:schemeClr val="accent1"/>
+            </a:effectRef>
+            <a:fontRef idx="minor">
+              <a:schemeClr val="lt1"/>
+            </a:fontRef>
+          </p:style>
+          <p:txBody>
+            <a:bodyPr rtlCol="0" anchor="ctr"/>
+            <a:lstStyle/>
+            <a:p>
+              <a:pPr algn="ctr"/>
+              <a:endParaRPr lang="en-US"/>
+            </a:p>
+          </p:txBody>
+        </p:sp>
+        <p:sp>
+          <p:nvSpPr>
+            <p:cNvPr id="250" name="Pentagon 249">
+              <a:extLst>
+                <a:ext uri="{FF2B5EF4-FFF2-40B4-BE49-F238E27FC236}">
+                  <a16:creationId xmlns:a16="http://schemas.microsoft.com/office/drawing/2014/main" id="{1332D309-0189-49C5-89C8-DC52804CB850}"/>
+                </a:ext>
+              </a:extLst>
+            </p:cNvPr>
+            <p:cNvSpPr/>
+            <p:nvPr/>
+          </p:nvSpPr>
+          <p:spPr>
+            <a:xfrm>
+              <a:off x="1567802" y="4919473"/>
+              <a:ext cx="259459" cy="259460"/>
+            </a:xfrm>
+            <a:prstGeom prst="pentagon">
+              <a:avLst/>
+            </a:prstGeom>
+            <a:solidFill>
+              <a:srgbClr val="60C495"/>
+            </a:solidFill>
+            <a:ln>
+              <a:solidFill>
+                <a:srgbClr val="60C495"/>
+              </a:solidFill>
+            </a:ln>
+          </p:spPr>
+          <p:style>
+            <a:lnRef idx="2">
+              <a:schemeClr val="accent1">
+                <a:shade val="50000"/>
+              </a:schemeClr>
+            </a:lnRef>
+            <a:fillRef idx="1">
+              <a:schemeClr val="accent1"/>
+            </a:fillRef>
+            <a:effectRef idx="0">
+              <a:schemeClr val="accent1"/>
+            </a:effectRef>
+            <a:fontRef idx="minor">
+              <a:schemeClr val="lt1"/>
+            </a:fontRef>
+          </p:style>
+          <p:txBody>
+            <a:bodyPr rtlCol="0" anchor="ctr"/>
+            <a:lstStyle/>
+            <a:p>
+              <a:pPr algn="ctr"/>
+              <a:endParaRPr lang="en-US"/>
+            </a:p>
+          </p:txBody>
+        </p:sp>
+        <p:sp>
+          <p:nvSpPr>
+            <p:cNvPr id="251" name="Pentagon 250">
+              <a:extLst>
+                <a:ext uri="{FF2B5EF4-FFF2-40B4-BE49-F238E27FC236}">
+                  <a16:creationId xmlns:a16="http://schemas.microsoft.com/office/drawing/2014/main" id="{1AE8DA2A-98BF-433A-A10A-046114A2E7B4}"/>
+                </a:ext>
+              </a:extLst>
+            </p:cNvPr>
+            <p:cNvSpPr/>
+            <p:nvPr/>
+          </p:nvSpPr>
+          <p:spPr>
+            <a:xfrm rot="2125229">
+              <a:off x="1878440" y="4650084"/>
+              <a:ext cx="259459" cy="259460"/>
+            </a:xfrm>
+            <a:prstGeom prst="pentagon">
+              <a:avLst/>
+            </a:prstGeom>
+            <a:solidFill>
+              <a:srgbClr val="60C495"/>
+            </a:solidFill>
+            <a:ln>
+              <a:solidFill>
+                <a:srgbClr val="60C495"/>
+              </a:solidFill>
+            </a:ln>
+          </p:spPr>
+          <p:style>
+            <a:lnRef idx="2">
+              <a:schemeClr val="accent1">
+                <a:shade val="50000"/>
+              </a:schemeClr>
+            </a:lnRef>
+            <a:fillRef idx="1">
+              <a:schemeClr val="accent1"/>
+            </a:fillRef>
+            <a:effectRef idx="0">
+              <a:schemeClr val="accent1"/>
+            </a:effectRef>
+            <a:fontRef idx="minor">
+              <a:schemeClr val="lt1"/>
+            </a:fontRef>
+          </p:style>
+          <p:txBody>
+            <a:bodyPr rtlCol="0" anchor="ctr"/>
+            <a:lstStyle/>
+            <a:p>
+              <a:pPr algn="ctr"/>
+              <a:endParaRPr lang="en-US"/>
+            </a:p>
+          </p:txBody>
+        </p:sp>
+        <p:sp>
+          <p:nvSpPr>
+            <p:cNvPr id="252" name="Pentagon 251">
+              <a:extLst>
+                <a:ext uri="{FF2B5EF4-FFF2-40B4-BE49-F238E27FC236}">
+                  <a16:creationId xmlns:a16="http://schemas.microsoft.com/office/drawing/2014/main" id="{FC5C250F-65FC-4256-AC4F-D1C5691D95CA}"/>
+                </a:ext>
+              </a:extLst>
+            </p:cNvPr>
+            <p:cNvSpPr/>
+            <p:nvPr/>
+          </p:nvSpPr>
+          <p:spPr>
+            <a:xfrm rot="2125229">
+              <a:off x="1878440" y="5049203"/>
+              <a:ext cx="259459" cy="259460"/>
+            </a:xfrm>
+            <a:prstGeom prst="pentagon">
+              <a:avLst/>
+            </a:prstGeom>
+            <a:solidFill>
+              <a:srgbClr val="60C495"/>
+            </a:solidFill>
+            <a:ln>
+              <a:solidFill>
+                <a:srgbClr val="60C495"/>
+              </a:solidFill>
+            </a:ln>
+          </p:spPr>
+          <p:style>
+            <a:lnRef idx="2">
+              <a:schemeClr val="accent1">
+                <a:shade val="50000"/>
+              </a:schemeClr>
+            </a:lnRef>
+            <a:fillRef idx="1">
+              <a:schemeClr val="accent1"/>
+            </a:fillRef>
+            <a:effectRef idx="0">
+              <a:schemeClr val="accent1"/>
+            </a:effectRef>
+            <a:fontRef idx="minor">
+              <a:schemeClr val="lt1"/>
+            </a:fontRef>
+          </p:style>
+          <p:txBody>
+            <a:bodyPr rtlCol="0" anchor="ctr"/>
+            <a:lstStyle/>
+            <a:p>
+              <a:pPr algn="ctr"/>
+              <a:endParaRPr lang="en-US"/>
+            </a:p>
+          </p:txBody>
+        </p:sp>
+        <p:sp>
+          <p:nvSpPr>
+            <p:cNvPr id="253" name="Pentagon 252">
+              <a:extLst>
+                <a:ext uri="{FF2B5EF4-FFF2-40B4-BE49-F238E27FC236}">
+                  <a16:creationId xmlns:a16="http://schemas.microsoft.com/office/drawing/2014/main" id="{6B5EF755-EDD5-45CA-A2A3-59B23F508B61}"/>
+                </a:ext>
+              </a:extLst>
+            </p:cNvPr>
+            <p:cNvSpPr/>
+            <p:nvPr/>
+          </p:nvSpPr>
+          <p:spPr>
+            <a:xfrm>
+              <a:off x="2810353" y="7314187"/>
+              <a:ext cx="259459" cy="259460"/>
+            </a:xfrm>
+            <a:prstGeom prst="pentagon">
+              <a:avLst/>
+            </a:prstGeom>
+            <a:solidFill>
+              <a:srgbClr val="60C495"/>
+            </a:solidFill>
+            <a:ln>
+              <a:solidFill>
+                <a:srgbClr val="60C495"/>
+              </a:solidFill>
+            </a:ln>
+          </p:spPr>
+          <p:style>
+            <a:lnRef idx="2">
+              <a:schemeClr val="accent1">
+                <a:shade val="50000"/>
+              </a:schemeClr>
+            </a:lnRef>
+            <a:fillRef idx="1">
+              <a:schemeClr val="accent1"/>
+            </a:fillRef>
+            <a:effectRef idx="0">
+              <a:schemeClr val="accent1"/>
+            </a:effectRef>
+            <a:fontRef idx="minor">
+              <a:schemeClr val="lt1"/>
+            </a:fontRef>
+          </p:style>
+          <p:txBody>
+            <a:bodyPr rtlCol="0" anchor="ctr"/>
+            <a:lstStyle/>
+            <a:p>
+              <a:pPr algn="ctr"/>
+              <a:endParaRPr lang="en-US"/>
+            </a:p>
+          </p:txBody>
+        </p:sp>
+        <p:sp>
+          <p:nvSpPr>
+            <p:cNvPr id="254" name="Pentagon 253">
+              <a:extLst>
+                <a:ext uri="{FF2B5EF4-FFF2-40B4-BE49-F238E27FC236}">
+                  <a16:creationId xmlns:a16="http://schemas.microsoft.com/office/drawing/2014/main" id="{BAED20B9-C46C-4203-90D0-2C3325A031EC}"/>
+                </a:ext>
+              </a:extLst>
+            </p:cNvPr>
+            <p:cNvSpPr/>
+            <p:nvPr/>
+          </p:nvSpPr>
+          <p:spPr>
+            <a:xfrm>
+              <a:off x="2810353" y="6116830"/>
+              <a:ext cx="259459" cy="259460"/>
+            </a:xfrm>
+            <a:prstGeom prst="pentagon">
+              <a:avLst/>
+            </a:prstGeom>
+            <a:solidFill>
+              <a:srgbClr val="60C495"/>
+            </a:solidFill>
+            <a:ln>
+              <a:solidFill>
+                <a:srgbClr val="60C495"/>
+              </a:solidFill>
+            </a:ln>
+          </p:spPr>
+          <p:style>
+            <a:lnRef idx="2">
+              <a:schemeClr val="accent1">
+                <a:shade val="50000"/>
+              </a:schemeClr>
+            </a:lnRef>
+            <a:fillRef idx="1">
+              <a:schemeClr val="accent1"/>
+            </a:fillRef>
+            <a:effectRef idx="0">
+              <a:schemeClr val="accent1"/>
+            </a:effectRef>
+            <a:fontRef idx="minor">
+              <a:schemeClr val="lt1"/>
+            </a:fontRef>
+          </p:style>
+          <p:txBody>
+            <a:bodyPr rtlCol="0" anchor="ctr"/>
+            <a:lstStyle/>
+            <a:p>
+              <a:pPr algn="ctr"/>
+              <a:endParaRPr lang="en-US"/>
+            </a:p>
+          </p:txBody>
+        </p:sp>
+        <p:sp>
+          <p:nvSpPr>
+            <p:cNvPr id="255" name="Pentagon 254">
+              <a:extLst>
+                <a:ext uri="{FF2B5EF4-FFF2-40B4-BE49-F238E27FC236}">
+                  <a16:creationId xmlns:a16="http://schemas.microsoft.com/office/drawing/2014/main" id="{009B6F55-4920-4768-A7FB-03B0377E9EC3}"/>
+                </a:ext>
+              </a:extLst>
+            </p:cNvPr>
+            <p:cNvSpPr/>
+            <p:nvPr/>
+          </p:nvSpPr>
+          <p:spPr>
+            <a:xfrm>
+              <a:off x="2810353" y="6515949"/>
+              <a:ext cx="259459" cy="259460"/>
+            </a:xfrm>
+            <a:prstGeom prst="pentagon">
+              <a:avLst/>
+            </a:prstGeom>
+            <a:solidFill>
+              <a:srgbClr val="60C495"/>
+            </a:solidFill>
+            <a:ln>
+              <a:solidFill>
+                <a:srgbClr val="60C495"/>
+              </a:solidFill>
+            </a:ln>
+          </p:spPr>
+          <p:style>
+            <a:lnRef idx="2">
+              <a:schemeClr val="accent1">
+                <a:shade val="50000"/>
+              </a:schemeClr>
+            </a:lnRef>
+            <a:fillRef idx="1">
+              <a:schemeClr val="accent1"/>
+            </a:fillRef>
+            <a:effectRef idx="0">
+              <a:schemeClr val="accent1"/>
+            </a:effectRef>
+            <a:fontRef idx="minor">
+              <a:schemeClr val="lt1"/>
+            </a:fontRef>
+          </p:style>
+          <p:txBody>
+            <a:bodyPr rtlCol="0" anchor="ctr"/>
+            <a:lstStyle/>
+            <a:p>
+              <a:pPr algn="ctr"/>
+              <a:endParaRPr lang="en-US"/>
+            </a:p>
+          </p:txBody>
+        </p:sp>
+        <p:sp>
+          <p:nvSpPr>
+            <p:cNvPr id="256" name="Pentagon 255">
+              <a:extLst>
+                <a:ext uri="{FF2B5EF4-FFF2-40B4-BE49-F238E27FC236}">
+                  <a16:creationId xmlns:a16="http://schemas.microsoft.com/office/drawing/2014/main" id="{3905FB8E-881D-461D-90E8-EAFB8CE797D9}"/>
+                </a:ext>
+              </a:extLst>
+            </p:cNvPr>
+            <p:cNvSpPr/>
+            <p:nvPr/>
+          </p:nvSpPr>
+          <p:spPr>
+            <a:xfrm>
+              <a:off x="2810353" y="6915068"/>
+              <a:ext cx="259459" cy="259460"/>
+            </a:xfrm>
+            <a:prstGeom prst="pentagon">
+              <a:avLst/>
+            </a:prstGeom>
+            <a:solidFill>
+              <a:srgbClr val="60C495"/>
+            </a:solidFill>
+            <a:ln>
+              <a:solidFill>
+                <a:srgbClr val="60C495"/>
+              </a:solidFill>
+            </a:ln>
+          </p:spPr>
+          <p:style>
+            <a:lnRef idx="2">
+              <a:schemeClr val="accent1">
+                <a:shade val="50000"/>
+              </a:schemeClr>
+            </a:lnRef>
+            <a:fillRef idx="1">
+              <a:schemeClr val="accent1"/>
+            </a:fillRef>
+            <a:effectRef idx="0">
+              <a:schemeClr val="accent1"/>
+            </a:effectRef>
+            <a:fontRef idx="minor">
+              <a:schemeClr val="lt1"/>
+            </a:fontRef>
+          </p:style>
+          <p:txBody>
+            <a:bodyPr rtlCol="0" anchor="ctr"/>
+            <a:lstStyle/>
+            <a:p>
+              <a:pPr algn="ctr"/>
+              <a:endParaRPr lang="en-US"/>
+            </a:p>
+          </p:txBody>
+        </p:sp>
+        <p:sp>
+          <p:nvSpPr>
+            <p:cNvPr id="257" name="Pentagon 256">
+              <a:extLst>
+                <a:ext uri="{FF2B5EF4-FFF2-40B4-BE49-F238E27FC236}">
+                  <a16:creationId xmlns:a16="http://schemas.microsoft.com/office/drawing/2014/main" id="{4F4AA550-C980-4377-BE69-2922FCA3D75F}"/>
+                </a:ext>
+              </a:extLst>
+            </p:cNvPr>
+            <p:cNvSpPr/>
+            <p:nvPr/>
+          </p:nvSpPr>
+          <p:spPr>
+            <a:xfrm>
+              <a:off x="2810353" y="7713307"/>
+              <a:ext cx="259459" cy="259460"/>
+            </a:xfrm>
+            <a:prstGeom prst="pentagon">
+              <a:avLst/>
+            </a:prstGeom>
+            <a:solidFill>
+              <a:srgbClr val="60C495"/>
+            </a:solidFill>
+            <a:ln>
+              <a:solidFill>
+                <a:srgbClr val="60C495"/>
+              </a:solidFill>
+            </a:ln>
+          </p:spPr>
+          <p:style>
+            <a:lnRef idx="2">
+              <a:schemeClr val="accent1">
+                <a:shade val="50000"/>
+              </a:schemeClr>
+            </a:lnRef>
+            <a:fillRef idx="1">
+              <a:schemeClr val="accent1"/>
+            </a:fillRef>
+            <a:effectRef idx="0">
+              <a:schemeClr val="accent1"/>
+            </a:effectRef>
+            <a:fontRef idx="minor">
+              <a:schemeClr val="lt1"/>
+            </a:fontRef>
+          </p:style>
+          <p:txBody>
+            <a:bodyPr rtlCol="0" anchor="ctr"/>
+            <a:lstStyle/>
+            <a:p>
+              <a:pPr algn="ctr"/>
+              <a:endParaRPr lang="en-US"/>
+            </a:p>
+          </p:txBody>
+        </p:sp>
+        <p:sp>
+          <p:nvSpPr>
+            <p:cNvPr id="258" name="Pentagon 257">
+              <a:extLst>
+                <a:ext uri="{FF2B5EF4-FFF2-40B4-BE49-F238E27FC236}">
+                  <a16:creationId xmlns:a16="http://schemas.microsoft.com/office/drawing/2014/main" id="{223BC903-E065-4486-B887-36AF41D2E7CF}"/>
+                </a:ext>
+              </a:extLst>
+            </p:cNvPr>
+            <p:cNvSpPr/>
+            <p:nvPr/>
+          </p:nvSpPr>
+          <p:spPr>
+            <a:xfrm rot="2125229">
+              <a:off x="3120990" y="7443918"/>
+              <a:ext cx="259459" cy="259460"/>
+            </a:xfrm>
+            <a:prstGeom prst="pentagon">
+              <a:avLst/>
+            </a:prstGeom>
+            <a:solidFill>
+              <a:srgbClr val="60C495"/>
+            </a:solidFill>
+            <a:ln>
+              <a:solidFill>
+                <a:srgbClr val="60C495"/>
+              </a:solidFill>
+            </a:ln>
+          </p:spPr>
+          <p:style>
+            <a:lnRef idx="2">
+              <a:schemeClr val="accent1">
+                <a:shade val="50000"/>
+              </a:schemeClr>
+            </a:lnRef>
+            <a:fillRef idx="1">
+              <a:schemeClr val="accent1"/>
+            </a:fillRef>
+            <a:effectRef idx="0">
+              <a:schemeClr val="accent1"/>
+            </a:effectRef>
+            <a:fontRef idx="minor">
+              <a:schemeClr val="lt1"/>
+            </a:fontRef>
+          </p:style>
+          <p:txBody>
+            <a:bodyPr rtlCol="0" anchor="ctr"/>
+            <a:lstStyle/>
+            <a:p>
+              <a:pPr algn="ctr"/>
+              <a:endParaRPr lang="en-US"/>
+            </a:p>
+          </p:txBody>
+        </p:sp>
+        <p:sp>
+          <p:nvSpPr>
+            <p:cNvPr id="259" name="Pentagon 258">
+              <a:extLst>
+                <a:ext uri="{FF2B5EF4-FFF2-40B4-BE49-F238E27FC236}">
+                  <a16:creationId xmlns:a16="http://schemas.microsoft.com/office/drawing/2014/main" id="{818FD56E-D3DB-42AE-A1DF-B2AF092FE0EC}"/>
+                </a:ext>
+              </a:extLst>
+            </p:cNvPr>
+            <p:cNvSpPr/>
+            <p:nvPr/>
+          </p:nvSpPr>
+          <p:spPr>
+            <a:xfrm rot="2125229">
+              <a:off x="3120990" y="6246560"/>
+              <a:ext cx="259459" cy="259460"/>
+            </a:xfrm>
+            <a:prstGeom prst="pentagon">
+              <a:avLst/>
+            </a:prstGeom>
+            <a:solidFill>
+              <a:srgbClr val="60C495"/>
+            </a:solidFill>
+            <a:ln>
+              <a:solidFill>
+                <a:srgbClr val="60C495"/>
+              </a:solidFill>
+            </a:ln>
+          </p:spPr>
+          <p:style>
+            <a:lnRef idx="2">
+              <a:schemeClr val="accent1">
+                <a:shade val="50000"/>
+              </a:schemeClr>
+            </a:lnRef>
+            <a:fillRef idx="1">
+              <a:schemeClr val="accent1"/>
+            </a:fillRef>
+            <a:effectRef idx="0">
+              <a:schemeClr val="accent1"/>
+            </a:effectRef>
+            <a:fontRef idx="minor">
+              <a:schemeClr val="lt1"/>
+            </a:fontRef>
+          </p:style>
+          <p:txBody>
+            <a:bodyPr rtlCol="0" anchor="ctr"/>
+            <a:lstStyle/>
+            <a:p>
+              <a:pPr algn="ctr"/>
+              <a:endParaRPr lang="en-US"/>
+            </a:p>
+          </p:txBody>
+        </p:sp>
+        <p:sp>
+          <p:nvSpPr>
+            <p:cNvPr id="260" name="Pentagon 259">
+              <a:extLst>
+                <a:ext uri="{FF2B5EF4-FFF2-40B4-BE49-F238E27FC236}">
+                  <a16:creationId xmlns:a16="http://schemas.microsoft.com/office/drawing/2014/main" id="{A0AA76A8-0DA2-4BAF-8B6D-ED0FAA09B883}"/>
+                </a:ext>
+              </a:extLst>
+            </p:cNvPr>
+            <p:cNvSpPr/>
+            <p:nvPr/>
+          </p:nvSpPr>
+          <p:spPr>
+            <a:xfrm rot="2125229">
+              <a:off x="3120990" y="6645679"/>
+              <a:ext cx="259459" cy="259460"/>
+            </a:xfrm>
+            <a:prstGeom prst="pentagon">
+              <a:avLst/>
+            </a:prstGeom>
+            <a:solidFill>
+              <a:srgbClr val="60C495"/>
+            </a:solidFill>
+            <a:ln>
+              <a:solidFill>
+                <a:srgbClr val="60C495"/>
+              </a:solidFill>
+            </a:ln>
+          </p:spPr>
+          <p:style>
+            <a:lnRef idx="2">
+              <a:schemeClr val="accent1">
+                <a:shade val="50000"/>
+              </a:schemeClr>
+            </a:lnRef>
+            <a:fillRef idx="1">
+              <a:schemeClr val="accent1"/>
+            </a:fillRef>
+            <a:effectRef idx="0">
+              <a:schemeClr val="accent1"/>
+            </a:effectRef>
+            <a:fontRef idx="minor">
+              <a:schemeClr val="lt1"/>
+            </a:fontRef>
+          </p:style>
+          <p:txBody>
+            <a:bodyPr rtlCol="0" anchor="ctr"/>
+            <a:lstStyle/>
+            <a:p>
+              <a:pPr algn="ctr"/>
+              <a:endParaRPr lang="en-US"/>
+            </a:p>
+          </p:txBody>
+        </p:sp>
+        <p:sp>
+          <p:nvSpPr>
+            <p:cNvPr id="261" name="Pentagon 260">
+              <a:extLst>
+                <a:ext uri="{FF2B5EF4-FFF2-40B4-BE49-F238E27FC236}">
+                  <a16:creationId xmlns:a16="http://schemas.microsoft.com/office/drawing/2014/main" id="{DB58FA65-332B-4920-B175-AA643CB49E92}"/>
+                </a:ext>
+              </a:extLst>
+            </p:cNvPr>
+            <p:cNvSpPr/>
+            <p:nvPr/>
+          </p:nvSpPr>
+          <p:spPr>
+            <a:xfrm rot="2125229">
+              <a:off x="3120990" y="7044798"/>
+              <a:ext cx="259459" cy="259460"/>
+            </a:xfrm>
+            <a:prstGeom prst="pentagon">
+              <a:avLst/>
+            </a:prstGeom>
+            <a:solidFill>
+              <a:srgbClr val="60C495"/>
+            </a:solidFill>
+            <a:ln>
+              <a:solidFill>
+                <a:srgbClr val="60C495"/>
+              </a:solidFill>
+            </a:ln>
+          </p:spPr>
+          <p:style>
+            <a:lnRef idx="2">
+              <a:schemeClr val="accent1">
+                <a:shade val="50000"/>
+              </a:schemeClr>
+            </a:lnRef>
+            <a:fillRef idx="1">
+              <a:schemeClr val="accent1"/>
+            </a:fillRef>
+            <a:effectRef idx="0">
+              <a:schemeClr val="accent1"/>
+            </a:effectRef>
+            <a:fontRef idx="minor">
+              <a:schemeClr val="lt1"/>
+            </a:fontRef>
+          </p:style>
+          <p:txBody>
+            <a:bodyPr rtlCol="0" anchor="ctr"/>
+            <a:lstStyle/>
+            <a:p>
+              <a:pPr algn="ctr"/>
+              <a:endParaRPr lang="en-US"/>
+            </a:p>
+          </p:txBody>
+        </p:sp>
+        <p:sp>
+          <p:nvSpPr>
+            <p:cNvPr id="262" name="Pentagon 261">
+              <a:extLst>
+                <a:ext uri="{FF2B5EF4-FFF2-40B4-BE49-F238E27FC236}">
+                  <a16:creationId xmlns:a16="http://schemas.microsoft.com/office/drawing/2014/main" id="{6B290F6C-A086-4A3B-AF7A-5054E1793436}"/>
+                </a:ext>
+              </a:extLst>
+            </p:cNvPr>
+            <p:cNvSpPr/>
+            <p:nvPr/>
+          </p:nvSpPr>
+          <p:spPr>
+            <a:xfrm rot="2125229">
+              <a:off x="3120990" y="7843037"/>
+              <a:ext cx="259459" cy="259460"/>
+            </a:xfrm>
+            <a:prstGeom prst="pentagon">
+              <a:avLst/>
+            </a:prstGeom>
+            <a:solidFill>
+              <a:srgbClr val="60C495"/>
+            </a:solidFill>
+            <a:ln>
+              <a:solidFill>
+                <a:srgbClr val="60C495"/>
+              </a:solidFill>
+            </a:ln>
+          </p:spPr>
+          <p:style>
+            <a:lnRef idx="2">
+              <a:schemeClr val="accent1">
+                <a:shade val="50000"/>
+              </a:schemeClr>
+            </a:lnRef>
+            <a:fillRef idx="1">
+              <a:schemeClr val="accent1"/>
+            </a:fillRef>
+            <a:effectRef idx="0">
+              <a:schemeClr val="accent1"/>
+            </a:effectRef>
+            <a:fontRef idx="minor">
+              <a:schemeClr val="lt1"/>
+            </a:fontRef>
+          </p:style>
+          <p:txBody>
+            <a:bodyPr rtlCol="0" anchor="ctr"/>
+            <a:lstStyle/>
+            <a:p>
+              <a:pPr algn="ctr"/>
+              <a:endParaRPr lang="en-US"/>
+            </a:p>
+          </p:txBody>
+        </p:sp>
+        <p:sp>
+          <p:nvSpPr>
+            <p:cNvPr id="263" name="Pentagon 262">
+              <a:extLst>
+                <a:ext uri="{FF2B5EF4-FFF2-40B4-BE49-F238E27FC236}">
+                  <a16:creationId xmlns:a16="http://schemas.microsoft.com/office/drawing/2014/main" id="{BB3A85DE-57E4-4705-BCE6-5E9B2CB0844A}"/>
+                </a:ext>
+              </a:extLst>
+            </p:cNvPr>
+            <p:cNvSpPr/>
+            <p:nvPr/>
+          </p:nvSpPr>
+          <p:spPr>
+            <a:xfrm>
+              <a:off x="3431627" y="7332044"/>
+              <a:ext cx="259459" cy="259460"/>
+            </a:xfrm>
+            <a:prstGeom prst="pentagon">
+              <a:avLst/>
+            </a:prstGeom>
+            <a:solidFill>
+              <a:srgbClr val="60C495"/>
+            </a:solidFill>
+            <a:ln>
+              <a:solidFill>
+                <a:srgbClr val="60C495"/>
+              </a:solidFill>
+            </a:ln>
+          </p:spPr>
+          <p:style>
+            <a:lnRef idx="2">
+              <a:schemeClr val="accent1">
+                <a:shade val="50000"/>
+              </a:schemeClr>
+            </a:lnRef>
+            <a:fillRef idx="1">
+              <a:schemeClr val="accent1"/>
+            </a:fillRef>
+            <a:effectRef idx="0">
+              <a:schemeClr val="accent1"/>
+            </a:effectRef>
+            <a:fontRef idx="minor">
+              <a:schemeClr val="lt1"/>
+            </a:fontRef>
+          </p:style>
+          <p:txBody>
+            <a:bodyPr rtlCol="0" anchor="ctr"/>
+            <a:lstStyle/>
+            <a:p>
+              <a:pPr algn="ctr"/>
+              <a:endParaRPr lang="en-US"/>
+            </a:p>
+          </p:txBody>
+        </p:sp>
+        <p:sp>
+          <p:nvSpPr>
+            <p:cNvPr id="264" name="Pentagon 263">
+              <a:extLst>
+                <a:ext uri="{FF2B5EF4-FFF2-40B4-BE49-F238E27FC236}">
+                  <a16:creationId xmlns:a16="http://schemas.microsoft.com/office/drawing/2014/main" id="{143213DC-DCB9-4433-A993-6A51CFDC615B}"/>
+                </a:ext>
+              </a:extLst>
+            </p:cNvPr>
+            <p:cNvSpPr/>
+            <p:nvPr/>
+          </p:nvSpPr>
+          <p:spPr>
+            <a:xfrm>
+              <a:off x="3431627" y="6932925"/>
+              <a:ext cx="259459" cy="259460"/>
+            </a:xfrm>
+            <a:prstGeom prst="pentagon">
+              <a:avLst/>
+            </a:prstGeom>
+            <a:solidFill>
+              <a:srgbClr val="60C495"/>
+            </a:solidFill>
+            <a:ln>
+              <a:solidFill>
+                <a:srgbClr val="60C495"/>
+              </a:solidFill>
+            </a:ln>
+          </p:spPr>
+          <p:style>
+            <a:lnRef idx="2">
+              <a:schemeClr val="accent1">
+                <a:shade val="50000"/>
+              </a:schemeClr>
+            </a:lnRef>
+            <a:fillRef idx="1">
+              <a:schemeClr val="accent1"/>
+            </a:fillRef>
+            <a:effectRef idx="0">
+              <a:schemeClr val="accent1"/>
+            </a:effectRef>
+            <a:fontRef idx="minor">
+              <a:schemeClr val="lt1"/>
+            </a:fontRef>
+          </p:style>
+          <p:txBody>
+            <a:bodyPr rtlCol="0" anchor="ctr"/>
+            <a:lstStyle/>
+            <a:p>
+              <a:pPr algn="ctr"/>
+              <a:endParaRPr lang="en-US"/>
+            </a:p>
+          </p:txBody>
+        </p:sp>
+        <p:sp>
+          <p:nvSpPr>
+            <p:cNvPr id="265" name="Pentagon 264">
+              <a:extLst>
+                <a:ext uri="{FF2B5EF4-FFF2-40B4-BE49-F238E27FC236}">
+                  <a16:creationId xmlns:a16="http://schemas.microsoft.com/office/drawing/2014/main" id="{5C8239C4-1F11-4F7E-B86C-2FC78FE05226}"/>
+                </a:ext>
+              </a:extLst>
+            </p:cNvPr>
+            <p:cNvSpPr/>
+            <p:nvPr/>
+          </p:nvSpPr>
+          <p:spPr>
+            <a:xfrm>
+              <a:off x="3431627" y="7731163"/>
+              <a:ext cx="259459" cy="259460"/>
+            </a:xfrm>
+            <a:prstGeom prst="pentagon">
+              <a:avLst/>
+            </a:prstGeom>
+            <a:solidFill>
+              <a:srgbClr val="60C495"/>
+            </a:solidFill>
+            <a:ln>
+              <a:solidFill>
+                <a:srgbClr val="60C495"/>
+              </a:solidFill>
+            </a:ln>
+          </p:spPr>
+          <p:style>
+            <a:lnRef idx="2">
+              <a:schemeClr val="accent1">
+                <a:shade val="50000"/>
+              </a:schemeClr>
+            </a:lnRef>
+            <a:fillRef idx="1">
+              <a:schemeClr val="accent1"/>
+            </a:fillRef>
+            <a:effectRef idx="0">
+              <a:schemeClr val="accent1"/>
+            </a:effectRef>
+            <a:fontRef idx="minor">
+              <a:schemeClr val="lt1"/>
+            </a:fontRef>
+          </p:style>
+          <p:txBody>
+            <a:bodyPr rtlCol="0" anchor="ctr"/>
+            <a:lstStyle/>
+            <a:p>
+              <a:pPr algn="ctr"/>
+              <a:endParaRPr lang="en-US"/>
+            </a:p>
+          </p:txBody>
+        </p:sp>
+        <p:sp>
+          <p:nvSpPr>
+            <p:cNvPr id="266" name="Pentagon 265">
+              <a:extLst>
+                <a:ext uri="{FF2B5EF4-FFF2-40B4-BE49-F238E27FC236}">
+                  <a16:creationId xmlns:a16="http://schemas.microsoft.com/office/drawing/2014/main" id="{D1F2B156-6623-48DE-A2B1-44040642C509}"/>
+                </a:ext>
+              </a:extLst>
+            </p:cNvPr>
+            <p:cNvSpPr/>
+            <p:nvPr/>
+          </p:nvSpPr>
+          <p:spPr>
+            <a:xfrm rot="2125229">
+              <a:off x="3742265" y="7461774"/>
+              <a:ext cx="259459" cy="259460"/>
+            </a:xfrm>
+            <a:prstGeom prst="pentagon">
+              <a:avLst/>
+            </a:prstGeom>
+            <a:solidFill>
+              <a:srgbClr val="60C495"/>
+            </a:solidFill>
+            <a:ln>
+              <a:solidFill>
+                <a:srgbClr val="60C495"/>
+              </a:solidFill>
+            </a:ln>
+          </p:spPr>
+          <p:style>
+            <a:lnRef idx="2">
+              <a:schemeClr val="accent1">
+                <a:shade val="50000"/>
+              </a:schemeClr>
+            </a:lnRef>
+            <a:fillRef idx="1">
+              <a:schemeClr val="accent1"/>
+            </a:fillRef>
+            <a:effectRef idx="0">
+              <a:schemeClr val="accent1"/>
+            </a:effectRef>
+            <a:fontRef idx="minor">
+              <a:schemeClr val="lt1"/>
+            </a:fontRef>
+          </p:style>
+          <p:txBody>
+            <a:bodyPr rtlCol="0" anchor="ctr"/>
+            <a:lstStyle/>
+            <a:p>
+              <a:pPr algn="ctr"/>
+              <a:endParaRPr lang="en-US"/>
+            </a:p>
+          </p:txBody>
+        </p:sp>
+        <p:sp>
+          <p:nvSpPr>
+            <p:cNvPr id="267" name="Pentagon 266">
+              <a:extLst>
+                <a:ext uri="{FF2B5EF4-FFF2-40B4-BE49-F238E27FC236}">
+                  <a16:creationId xmlns:a16="http://schemas.microsoft.com/office/drawing/2014/main" id="{65435AA9-E652-441D-8599-276F28267119}"/>
+                </a:ext>
+              </a:extLst>
+            </p:cNvPr>
+            <p:cNvSpPr/>
+            <p:nvPr/>
+          </p:nvSpPr>
+          <p:spPr>
+            <a:xfrm rot="2125229">
+              <a:off x="3742265" y="7062655"/>
+              <a:ext cx="259459" cy="259460"/>
+            </a:xfrm>
+            <a:prstGeom prst="pentagon">
+              <a:avLst/>
+            </a:prstGeom>
+            <a:solidFill>
+              <a:srgbClr val="60C495"/>
+            </a:solidFill>
+            <a:ln>
+              <a:solidFill>
+                <a:srgbClr val="60C495"/>
+              </a:solidFill>
+            </a:ln>
+          </p:spPr>
+          <p:style>
+            <a:lnRef idx="2">
+              <a:schemeClr val="accent1">
+                <a:shade val="50000"/>
+              </a:schemeClr>
+            </a:lnRef>
+            <a:fillRef idx="1">
+              <a:schemeClr val="accent1"/>
+            </a:fillRef>
+            <a:effectRef idx="0">
+              <a:schemeClr val="accent1"/>
+            </a:effectRef>
+            <a:fontRef idx="minor">
+              <a:schemeClr val="lt1"/>
+            </a:fontRef>
+          </p:style>
+          <p:txBody>
+            <a:bodyPr rtlCol="0" anchor="ctr"/>
+            <a:lstStyle/>
+            <a:p>
+              <a:pPr algn="ctr"/>
+              <a:endParaRPr lang="en-US"/>
+            </a:p>
+          </p:txBody>
+        </p:sp>
+        <p:sp>
+          <p:nvSpPr>
+            <p:cNvPr id="268" name="Pentagon 267">
+              <a:extLst>
+                <a:ext uri="{FF2B5EF4-FFF2-40B4-BE49-F238E27FC236}">
+                  <a16:creationId xmlns:a16="http://schemas.microsoft.com/office/drawing/2014/main" id="{895E5BD2-9365-4AC4-92E4-DD681D3767EB}"/>
+                </a:ext>
+              </a:extLst>
+            </p:cNvPr>
+            <p:cNvSpPr/>
+            <p:nvPr/>
+          </p:nvSpPr>
+          <p:spPr>
+            <a:xfrm rot="2125229">
+              <a:off x="3742265" y="7860894"/>
+              <a:ext cx="259459" cy="259460"/>
+            </a:xfrm>
+            <a:prstGeom prst="pentagon">
+              <a:avLst/>
+            </a:prstGeom>
+            <a:solidFill>
+              <a:srgbClr val="60C495"/>
+            </a:solidFill>
+            <a:ln>
+              <a:solidFill>
+                <a:srgbClr val="60C495"/>
+              </a:solidFill>
+            </a:ln>
+          </p:spPr>
+          <p:style>
+            <a:lnRef idx="2">
+              <a:schemeClr val="accent1">
+                <a:shade val="50000"/>
+              </a:schemeClr>
+            </a:lnRef>
+            <a:fillRef idx="1">
+              <a:schemeClr val="accent1"/>
+            </a:fillRef>
+            <a:effectRef idx="0">
+              <a:schemeClr val="accent1"/>
+            </a:effectRef>
+            <a:fontRef idx="minor">
+              <a:schemeClr val="lt1"/>
+            </a:fontRef>
+          </p:style>
+          <p:txBody>
+            <a:bodyPr rtlCol="0" anchor="ctr"/>
+            <a:lstStyle/>
+            <a:p>
+              <a:pPr algn="ctr"/>
+              <a:endParaRPr lang="en-US"/>
+            </a:p>
+          </p:txBody>
+        </p:sp>
+        <p:sp>
+          <p:nvSpPr>
+            <p:cNvPr id="269" name="Pentagon 268">
+              <a:extLst>
+                <a:ext uri="{FF2B5EF4-FFF2-40B4-BE49-F238E27FC236}">
+                  <a16:creationId xmlns:a16="http://schemas.microsoft.com/office/drawing/2014/main" id="{B0D957AF-F03F-44C9-99E9-DF10AEDCAFCC}"/>
+                </a:ext>
+              </a:extLst>
+            </p:cNvPr>
+            <p:cNvSpPr/>
+            <p:nvPr/>
+          </p:nvSpPr>
+          <p:spPr>
+            <a:xfrm>
+              <a:off x="4043764" y="7693860"/>
+              <a:ext cx="259459" cy="259460"/>
+            </a:xfrm>
+            <a:prstGeom prst="pentagon">
+              <a:avLst/>
+            </a:prstGeom>
+            <a:solidFill>
+              <a:srgbClr val="60C495"/>
+            </a:solidFill>
+            <a:ln>
+              <a:solidFill>
+                <a:srgbClr val="60C495"/>
+              </a:solidFill>
+            </a:ln>
+          </p:spPr>
+          <p:style>
+            <a:lnRef idx="2">
+              <a:schemeClr val="accent1">
+                <a:shade val="50000"/>
+              </a:schemeClr>
+            </a:lnRef>
+            <a:fillRef idx="1">
+              <a:schemeClr val="accent1"/>
+            </a:fillRef>
+            <a:effectRef idx="0">
+              <a:schemeClr val="accent1"/>
+            </a:effectRef>
+            <a:fontRef idx="minor">
+              <a:schemeClr val="lt1"/>
+            </a:fontRef>
+          </p:style>
+          <p:txBody>
+            <a:bodyPr rtlCol="0" anchor="ctr"/>
+            <a:lstStyle/>
+            <a:p>
+              <a:pPr algn="ctr"/>
+              <a:endParaRPr lang="en-US"/>
+            </a:p>
+          </p:txBody>
+        </p:sp>
+        <p:sp>
+          <p:nvSpPr>
+            <p:cNvPr id="270" name="Pentagon 269">
+              <a:extLst>
+                <a:ext uri="{FF2B5EF4-FFF2-40B4-BE49-F238E27FC236}">
+                  <a16:creationId xmlns:a16="http://schemas.microsoft.com/office/drawing/2014/main" id="{96A1E017-10F5-436C-8ABA-B68FA9C53D1A}"/>
+                </a:ext>
+              </a:extLst>
+            </p:cNvPr>
+            <p:cNvSpPr/>
+            <p:nvPr/>
+          </p:nvSpPr>
+          <p:spPr>
+            <a:xfrm rot="2125229">
+              <a:off x="4354402" y="7823590"/>
+              <a:ext cx="259459" cy="259460"/>
+            </a:xfrm>
+            <a:prstGeom prst="pentagon">
+              <a:avLst/>
+            </a:prstGeom>
+            <a:solidFill>
+              <a:srgbClr val="60C495"/>
+            </a:solidFill>
+            <a:ln>
+              <a:solidFill>
+                <a:srgbClr val="60C495"/>
+              </a:solidFill>
+            </a:ln>
+          </p:spPr>
+          <p:style>
+            <a:lnRef idx="2">
+              <a:schemeClr val="accent1">
+                <a:shade val="50000"/>
+              </a:schemeClr>
+            </a:lnRef>
+            <a:fillRef idx="1">
+              <a:schemeClr val="accent1"/>
+            </a:fillRef>
+            <a:effectRef idx="0">
+              <a:schemeClr val="accent1"/>
+            </a:effectRef>
+            <a:fontRef idx="minor">
+              <a:schemeClr val="lt1"/>
+            </a:fontRef>
+          </p:style>
+          <p:txBody>
+            <a:bodyPr rtlCol="0" anchor="ctr"/>
+            <a:lstStyle/>
+            <a:p>
+              <a:pPr algn="ctr"/>
+              <a:endParaRPr lang="en-US"/>
+            </a:p>
+          </p:txBody>
+        </p:sp>
+        <p:sp>
+          <p:nvSpPr>
+            <p:cNvPr id="271" name="Pentagon 270">
+              <a:extLst>
+                <a:ext uri="{FF2B5EF4-FFF2-40B4-BE49-F238E27FC236}">
+                  <a16:creationId xmlns:a16="http://schemas.microsoft.com/office/drawing/2014/main" id="{86C31D27-B2D1-4876-94CB-557FAC93AC76}"/>
+                </a:ext>
+              </a:extLst>
+            </p:cNvPr>
+            <p:cNvSpPr/>
+            <p:nvPr/>
+          </p:nvSpPr>
+          <p:spPr>
+            <a:xfrm>
+              <a:off x="1567801" y="7992627"/>
+              <a:ext cx="259459" cy="259460"/>
+            </a:xfrm>
+            <a:prstGeom prst="pentagon">
+              <a:avLst/>
+            </a:prstGeom>
+            <a:solidFill>
+              <a:srgbClr val="60C495"/>
+            </a:solidFill>
+            <a:ln>
+              <a:solidFill>
+                <a:srgbClr val="60C495"/>
+              </a:solidFill>
+            </a:ln>
+          </p:spPr>
+          <p:style>
+            <a:lnRef idx="2">
+              <a:schemeClr val="accent1">
+                <a:shade val="50000"/>
+              </a:schemeClr>
+            </a:lnRef>
+            <a:fillRef idx="1">
+              <a:schemeClr val="accent1"/>
+            </a:fillRef>
+            <a:effectRef idx="0">
+              <a:schemeClr val="accent1"/>
+            </a:effectRef>
+            <a:fontRef idx="minor">
+              <a:schemeClr val="lt1"/>
+            </a:fontRef>
+          </p:style>
+          <p:txBody>
+            <a:bodyPr rtlCol="0" anchor="ctr"/>
+            <a:lstStyle/>
+            <a:p>
+              <a:pPr algn="ctr"/>
+              <a:endParaRPr lang="en-US"/>
+            </a:p>
+          </p:txBody>
+        </p:sp>
+        <p:sp>
+          <p:nvSpPr>
+            <p:cNvPr id="272" name="Pentagon 271">
+              <a:extLst>
+                <a:ext uri="{FF2B5EF4-FFF2-40B4-BE49-F238E27FC236}">
+                  <a16:creationId xmlns:a16="http://schemas.microsoft.com/office/drawing/2014/main" id="{D9F12055-9D5A-4C2B-BBF9-4D2F25D68383}"/>
+                </a:ext>
+              </a:extLst>
+            </p:cNvPr>
+            <p:cNvSpPr/>
+            <p:nvPr/>
+          </p:nvSpPr>
+          <p:spPr>
+            <a:xfrm rot="2125229">
+              <a:off x="1878439" y="8122357"/>
+              <a:ext cx="259459" cy="259460"/>
+            </a:xfrm>
+            <a:prstGeom prst="pentagon">
+              <a:avLst/>
+            </a:prstGeom>
+            <a:solidFill>
+              <a:srgbClr val="60C495"/>
+            </a:solidFill>
+            <a:ln>
+              <a:solidFill>
+                <a:srgbClr val="60C495"/>
+              </a:solidFill>
+            </a:ln>
+          </p:spPr>
+          <p:style>
+            <a:lnRef idx="2">
+              <a:schemeClr val="accent1">
+                <a:shade val="50000"/>
+              </a:schemeClr>
+            </a:lnRef>
+            <a:fillRef idx="1">
+              <a:schemeClr val="accent1"/>
+            </a:fillRef>
+            <a:effectRef idx="0">
+              <a:schemeClr val="accent1"/>
+            </a:effectRef>
+            <a:fontRef idx="minor">
+              <a:schemeClr val="lt1"/>
+            </a:fontRef>
+          </p:style>
+          <p:txBody>
+            <a:bodyPr rtlCol="0" anchor="ctr"/>
+            <a:lstStyle/>
+            <a:p>
+              <a:pPr algn="ctr"/>
+              <a:endParaRPr lang="en-US"/>
+            </a:p>
+          </p:txBody>
+        </p:sp>
+        <p:sp>
+          <p:nvSpPr>
+            <p:cNvPr id="273" name="Pentagon 272">
+              <a:extLst>
+                <a:ext uri="{FF2B5EF4-FFF2-40B4-BE49-F238E27FC236}">
+                  <a16:creationId xmlns:a16="http://schemas.microsoft.com/office/drawing/2014/main" id="{063DC3D8-9C2F-4C0E-84EB-5C85D25B4B73}"/>
+                </a:ext>
+              </a:extLst>
+            </p:cNvPr>
+            <p:cNvSpPr/>
+            <p:nvPr/>
+          </p:nvSpPr>
+          <p:spPr>
+            <a:xfrm>
+              <a:off x="2189076" y="7992626"/>
+              <a:ext cx="259459" cy="259460"/>
+            </a:xfrm>
+            <a:prstGeom prst="pentagon">
+              <a:avLst/>
+            </a:prstGeom>
+            <a:solidFill>
+              <a:srgbClr val="60C495"/>
+            </a:solidFill>
+            <a:ln>
+              <a:solidFill>
+                <a:srgbClr val="60C495"/>
+              </a:solidFill>
+            </a:ln>
+          </p:spPr>
+          <p:style>
+            <a:lnRef idx="2">
+              <a:schemeClr val="accent1">
+                <a:shade val="50000"/>
+              </a:schemeClr>
+            </a:lnRef>
+            <a:fillRef idx="1">
+              <a:schemeClr val="accent1"/>
+            </a:fillRef>
+            <a:effectRef idx="0">
+              <a:schemeClr val="accent1"/>
+            </a:effectRef>
+            <a:fontRef idx="minor">
+              <a:schemeClr val="lt1"/>
+            </a:fontRef>
+          </p:style>
+          <p:txBody>
+            <a:bodyPr rtlCol="0" anchor="ctr"/>
+            <a:lstStyle/>
+            <a:p>
+              <a:pPr algn="ctr"/>
+              <a:endParaRPr lang="en-US"/>
+            </a:p>
+          </p:txBody>
+        </p:sp>
+        <p:sp>
+          <p:nvSpPr>
+            <p:cNvPr id="274" name="Pentagon 273">
+              <a:extLst>
+                <a:ext uri="{FF2B5EF4-FFF2-40B4-BE49-F238E27FC236}">
+                  <a16:creationId xmlns:a16="http://schemas.microsoft.com/office/drawing/2014/main" id="{B7DF6840-C7F4-47C9-9EFC-D343C26642E4}"/>
+                </a:ext>
+              </a:extLst>
+            </p:cNvPr>
+            <p:cNvSpPr/>
+            <p:nvPr/>
+          </p:nvSpPr>
+          <p:spPr>
+            <a:xfrm rot="2125229">
+              <a:off x="2499713" y="8122356"/>
+              <a:ext cx="259459" cy="259460"/>
+            </a:xfrm>
+            <a:prstGeom prst="pentagon">
+              <a:avLst/>
+            </a:prstGeom>
+            <a:solidFill>
+              <a:srgbClr val="60C495"/>
+            </a:solidFill>
+            <a:ln>
+              <a:solidFill>
+                <a:srgbClr val="60C495"/>
+              </a:solidFill>
+            </a:ln>
+          </p:spPr>
+          <p:style>
+            <a:lnRef idx="2">
+              <a:schemeClr val="accent1">
+                <a:shade val="50000"/>
+              </a:schemeClr>
+            </a:lnRef>
+            <a:fillRef idx="1">
+              <a:schemeClr val="accent1"/>
+            </a:fillRef>
+            <a:effectRef idx="0">
+              <a:schemeClr val="accent1"/>
+            </a:effectRef>
+            <a:fontRef idx="minor">
+              <a:schemeClr val="lt1"/>
+            </a:fontRef>
+          </p:style>
+          <p:txBody>
+            <a:bodyPr rtlCol="0" anchor="ctr"/>
+            <a:lstStyle/>
+            <a:p>
+              <a:pPr algn="ctr"/>
+              <a:endParaRPr lang="en-US"/>
+            </a:p>
+          </p:txBody>
+        </p:sp>
+        <p:sp>
+          <p:nvSpPr>
+            <p:cNvPr id="275" name="Pentagon 274">
+              <a:extLst>
+                <a:ext uri="{FF2B5EF4-FFF2-40B4-BE49-F238E27FC236}">
+                  <a16:creationId xmlns:a16="http://schemas.microsoft.com/office/drawing/2014/main" id="{0343CC4B-D396-4C6B-81FA-9EBF932F0B9A}"/>
+                </a:ext>
+              </a:extLst>
+            </p:cNvPr>
+            <p:cNvSpPr/>
+            <p:nvPr/>
+          </p:nvSpPr>
+          <p:spPr>
+            <a:xfrm>
+              <a:off x="2810351" y="8071178"/>
+              <a:ext cx="259459" cy="259460"/>
+            </a:xfrm>
+            <a:prstGeom prst="pentagon">
+              <a:avLst/>
+            </a:prstGeom>
+            <a:solidFill>
+              <a:srgbClr val="60C495"/>
+            </a:solidFill>
+            <a:ln>
+              <a:solidFill>
+                <a:srgbClr val="60C495"/>
+              </a:solidFill>
+            </a:ln>
+          </p:spPr>
+          <p:style>
+            <a:lnRef idx="2">
+              <a:schemeClr val="accent1">
+                <a:shade val="50000"/>
+              </a:schemeClr>
+            </a:lnRef>
+            <a:fillRef idx="1">
+              <a:schemeClr val="accent1"/>
+            </a:fillRef>
+            <a:effectRef idx="0">
+              <a:schemeClr val="accent1"/>
+            </a:effectRef>
+            <a:fontRef idx="minor">
+              <a:schemeClr val="lt1"/>
+            </a:fontRef>
+          </p:style>
+          <p:txBody>
+            <a:bodyPr rtlCol="0" anchor="ctr"/>
+            <a:lstStyle/>
+            <a:p>
+              <a:pPr algn="ctr"/>
+              <a:endParaRPr lang="en-US"/>
+            </a:p>
+          </p:txBody>
+        </p:sp>
+        <p:sp>
+          <p:nvSpPr>
+            <p:cNvPr id="276" name="Pentagon 275">
+              <a:extLst>
+                <a:ext uri="{FF2B5EF4-FFF2-40B4-BE49-F238E27FC236}">
+                  <a16:creationId xmlns:a16="http://schemas.microsoft.com/office/drawing/2014/main" id="{A5006918-25D3-4B61-9007-A56A126FCA83}"/>
+                </a:ext>
+              </a:extLst>
+            </p:cNvPr>
+            <p:cNvSpPr/>
+            <p:nvPr/>
+          </p:nvSpPr>
+          <p:spPr>
+            <a:xfrm rot="2125229">
+              <a:off x="3120988" y="8200908"/>
+              <a:ext cx="259459" cy="259460"/>
+            </a:xfrm>
+            <a:prstGeom prst="pentagon">
+              <a:avLst/>
+            </a:prstGeom>
+            <a:solidFill>
+              <a:srgbClr val="60C495"/>
+            </a:solidFill>
+            <a:ln>
+              <a:solidFill>
+                <a:srgbClr val="60C495"/>
+              </a:solidFill>
+            </a:ln>
+          </p:spPr>
+          <p:style>
+            <a:lnRef idx="2">
+              <a:schemeClr val="accent1">
+                <a:shade val="50000"/>
+              </a:schemeClr>
+            </a:lnRef>
+            <a:fillRef idx="1">
+              <a:schemeClr val="accent1"/>
+            </a:fillRef>
+            <a:effectRef idx="0">
+              <a:schemeClr val="accent1"/>
+            </a:effectRef>
+            <a:fontRef idx="minor">
+              <a:schemeClr val="lt1"/>
+            </a:fontRef>
+          </p:style>
+          <p:txBody>
+            <a:bodyPr rtlCol="0" anchor="ctr"/>
+            <a:lstStyle/>
+            <a:p>
+              <a:pPr algn="ctr"/>
+              <a:endParaRPr lang="en-US"/>
+            </a:p>
+          </p:txBody>
+        </p:sp>
+        <p:sp>
+          <p:nvSpPr>
+            <p:cNvPr id="277" name="Pentagon 276">
+              <a:extLst>
+                <a:ext uri="{FF2B5EF4-FFF2-40B4-BE49-F238E27FC236}">
+                  <a16:creationId xmlns:a16="http://schemas.microsoft.com/office/drawing/2014/main" id="{1C3323FF-2654-4494-B909-61C50F88E063}"/>
+                </a:ext>
+              </a:extLst>
+            </p:cNvPr>
+            <p:cNvSpPr/>
+            <p:nvPr/>
+          </p:nvSpPr>
+          <p:spPr>
+            <a:xfrm>
+              <a:off x="3431625" y="8089034"/>
+              <a:ext cx="259459" cy="259460"/>
+            </a:xfrm>
+            <a:prstGeom prst="pentagon">
+              <a:avLst/>
+            </a:prstGeom>
+            <a:solidFill>
+              <a:srgbClr val="60C495"/>
+            </a:solidFill>
+            <a:ln>
+              <a:solidFill>
+                <a:srgbClr val="60C495"/>
+              </a:solidFill>
+            </a:ln>
+          </p:spPr>
+          <p:style>
+            <a:lnRef idx="2">
+              <a:schemeClr val="accent1">
+                <a:shade val="50000"/>
+              </a:schemeClr>
+            </a:lnRef>
+            <a:fillRef idx="1">
+              <a:schemeClr val="accent1"/>
+            </a:fillRef>
+            <a:effectRef idx="0">
+              <a:schemeClr val="accent1"/>
+            </a:effectRef>
+            <a:fontRef idx="minor">
+              <a:schemeClr val="lt1"/>
+            </a:fontRef>
+          </p:style>
+          <p:txBody>
+            <a:bodyPr rtlCol="0" anchor="ctr"/>
+            <a:lstStyle/>
+            <a:p>
+              <a:pPr algn="ctr"/>
+              <a:endParaRPr lang="en-US"/>
+            </a:p>
+          </p:txBody>
+        </p:sp>
+        <p:sp>
+          <p:nvSpPr>
+            <p:cNvPr id="278" name="Pentagon 277">
+              <a:extLst>
+                <a:ext uri="{FF2B5EF4-FFF2-40B4-BE49-F238E27FC236}">
+                  <a16:creationId xmlns:a16="http://schemas.microsoft.com/office/drawing/2014/main" id="{0FA24199-9569-4E90-8C08-72CD816850C8}"/>
+                </a:ext>
+              </a:extLst>
+            </p:cNvPr>
+            <p:cNvSpPr/>
+            <p:nvPr/>
+          </p:nvSpPr>
+          <p:spPr>
+            <a:xfrm rot="2125229">
+              <a:off x="3742263" y="8218765"/>
+              <a:ext cx="259459" cy="259460"/>
+            </a:xfrm>
+            <a:prstGeom prst="pentagon">
+              <a:avLst/>
+            </a:prstGeom>
+            <a:solidFill>
+              <a:srgbClr val="60C495"/>
+            </a:solidFill>
+            <a:ln>
+              <a:solidFill>
+                <a:srgbClr val="60C495"/>
+              </a:solidFill>
+            </a:ln>
+          </p:spPr>
+          <p:style>
+            <a:lnRef idx="2">
+              <a:schemeClr val="accent1">
+                <a:shade val="50000"/>
+              </a:schemeClr>
+            </a:lnRef>
+            <a:fillRef idx="1">
+              <a:schemeClr val="accent1"/>
+            </a:fillRef>
+            <a:effectRef idx="0">
+              <a:schemeClr val="accent1"/>
+            </a:effectRef>
+            <a:fontRef idx="minor">
+              <a:schemeClr val="lt1"/>
+            </a:fontRef>
+          </p:style>
+          <p:txBody>
+            <a:bodyPr rtlCol="0" anchor="ctr"/>
+            <a:lstStyle/>
+            <a:p>
+              <a:pPr algn="ctr"/>
+              <a:endParaRPr lang="en-US"/>
+            </a:p>
+          </p:txBody>
+        </p:sp>
+        <p:sp>
+          <p:nvSpPr>
+            <p:cNvPr id="279" name="Pentagon 278">
+              <a:extLst>
+                <a:ext uri="{FF2B5EF4-FFF2-40B4-BE49-F238E27FC236}">
+                  <a16:creationId xmlns:a16="http://schemas.microsoft.com/office/drawing/2014/main" id="{27D37444-5AA0-4D35-B0CA-B37305DC42EE}"/>
+                </a:ext>
+              </a:extLst>
+            </p:cNvPr>
+            <p:cNvSpPr/>
+            <p:nvPr/>
+          </p:nvSpPr>
+          <p:spPr>
+            <a:xfrm>
+              <a:off x="4043762" y="8051731"/>
+              <a:ext cx="259459" cy="259460"/>
+            </a:xfrm>
+            <a:prstGeom prst="pentagon">
+              <a:avLst/>
+            </a:prstGeom>
+            <a:solidFill>
+              <a:srgbClr val="60C495"/>
+            </a:solidFill>
+            <a:ln>
+              <a:solidFill>
+                <a:srgbClr val="60C495"/>
+              </a:solidFill>
+            </a:ln>
+          </p:spPr>
+          <p:style>
+            <a:lnRef idx="2">
+              <a:schemeClr val="accent1">
+                <a:shade val="50000"/>
+              </a:schemeClr>
+            </a:lnRef>
+            <a:fillRef idx="1">
+              <a:schemeClr val="accent1"/>
+            </a:fillRef>
+            <a:effectRef idx="0">
+              <a:schemeClr val="accent1"/>
+            </a:effectRef>
+            <a:fontRef idx="minor">
+              <a:schemeClr val="lt1"/>
+            </a:fontRef>
+          </p:style>
+          <p:txBody>
+            <a:bodyPr rtlCol="0" anchor="ctr"/>
+            <a:lstStyle/>
+            <a:p>
+              <a:pPr algn="ctr"/>
+              <a:endParaRPr lang="en-US"/>
+            </a:p>
+          </p:txBody>
+        </p:sp>
+        <p:sp>
+          <p:nvSpPr>
+            <p:cNvPr id="280" name="Pentagon 279">
+              <a:extLst>
+                <a:ext uri="{FF2B5EF4-FFF2-40B4-BE49-F238E27FC236}">
+                  <a16:creationId xmlns:a16="http://schemas.microsoft.com/office/drawing/2014/main" id="{F1B18149-934D-498F-B88D-01B9FACCC914}"/>
+                </a:ext>
+              </a:extLst>
+            </p:cNvPr>
+            <p:cNvSpPr/>
+            <p:nvPr/>
+          </p:nvSpPr>
+          <p:spPr>
+            <a:xfrm rot="2125229">
+              <a:off x="4354400" y="8181461"/>
+              <a:ext cx="259459" cy="259460"/>
+            </a:xfrm>
+            <a:prstGeom prst="pentagon">
+              <a:avLst/>
+            </a:prstGeom>
+            <a:solidFill>
+              <a:srgbClr val="60C495"/>
+            </a:solidFill>
+            <a:ln>
+              <a:solidFill>
+                <a:srgbClr val="60C495"/>
+              </a:solidFill>
+            </a:ln>
+          </p:spPr>
+          <p:style>
+            <a:lnRef idx="2">
+              <a:schemeClr val="accent1">
+                <a:shade val="50000"/>
+              </a:schemeClr>
+            </a:lnRef>
+            <a:fillRef idx="1">
+              <a:schemeClr val="accent1"/>
+            </a:fillRef>
+            <a:effectRef idx="0">
+              <a:schemeClr val="accent1"/>
+            </a:effectRef>
+            <a:fontRef idx="minor">
+              <a:schemeClr val="lt1"/>
+            </a:fontRef>
+          </p:style>
+          <p:txBody>
+            <a:bodyPr rtlCol="0" anchor="ctr"/>
+            <a:lstStyle/>
+            <a:p>
+              <a:pPr algn="ctr"/>
+              <a:endParaRPr lang="en-US"/>
+            </a:p>
+          </p:txBody>
+        </p:sp>
+        <p:sp>
+          <p:nvSpPr>
+            <p:cNvPr id="281" name="Pentagon 280">
+              <a:extLst>
+                <a:ext uri="{FF2B5EF4-FFF2-40B4-BE49-F238E27FC236}">
+                  <a16:creationId xmlns:a16="http://schemas.microsoft.com/office/drawing/2014/main" id="{70C1AC9C-0928-4C66-8D4C-7B40FB246538}"/>
+                </a:ext>
+              </a:extLst>
+            </p:cNvPr>
+            <p:cNvSpPr/>
+            <p:nvPr/>
+          </p:nvSpPr>
+          <p:spPr>
+            <a:xfrm>
+              <a:off x="1567799" y="8334682"/>
+              <a:ext cx="259459" cy="259460"/>
+            </a:xfrm>
+            <a:prstGeom prst="pentagon">
+              <a:avLst/>
+            </a:prstGeom>
+            <a:solidFill>
+              <a:srgbClr val="60C495"/>
+            </a:solidFill>
+            <a:ln>
+              <a:solidFill>
+                <a:srgbClr val="60C495"/>
+              </a:solidFill>
+            </a:ln>
+          </p:spPr>
+          <p:style>
+            <a:lnRef idx="2">
+              <a:schemeClr val="accent1">
+                <a:shade val="50000"/>
+              </a:schemeClr>
+            </a:lnRef>
+            <a:fillRef idx="1">
+              <a:schemeClr val="accent1"/>
+            </a:fillRef>
+            <a:effectRef idx="0">
+              <a:schemeClr val="accent1"/>
+            </a:effectRef>
+            <a:fontRef idx="minor">
+              <a:schemeClr val="lt1"/>
+            </a:fontRef>
+          </p:style>
+          <p:txBody>
+            <a:bodyPr rtlCol="0" anchor="ctr"/>
+            <a:lstStyle/>
+            <a:p>
+              <a:pPr algn="ctr"/>
+              <a:endParaRPr lang="en-US"/>
+            </a:p>
+          </p:txBody>
+        </p:sp>
+        <p:sp>
+          <p:nvSpPr>
+            <p:cNvPr id="282" name="Pentagon 281">
+              <a:extLst>
+                <a:ext uri="{FF2B5EF4-FFF2-40B4-BE49-F238E27FC236}">
+                  <a16:creationId xmlns:a16="http://schemas.microsoft.com/office/drawing/2014/main" id="{64594F82-BB4B-44DA-9566-70EE224D164E}"/>
+                </a:ext>
+              </a:extLst>
+            </p:cNvPr>
+            <p:cNvSpPr/>
+            <p:nvPr/>
+          </p:nvSpPr>
+          <p:spPr>
+            <a:xfrm rot="2125229">
+              <a:off x="1878437" y="8464412"/>
+              <a:ext cx="259459" cy="259460"/>
+            </a:xfrm>
+            <a:prstGeom prst="pentagon">
+              <a:avLst/>
+            </a:prstGeom>
+            <a:solidFill>
+              <a:srgbClr val="60C495"/>
+            </a:solidFill>
+            <a:ln>
+              <a:solidFill>
+                <a:srgbClr val="60C495"/>
+              </a:solidFill>
+            </a:ln>
+          </p:spPr>
+          <p:style>
+            <a:lnRef idx="2">
+              <a:schemeClr val="accent1">
+                <a:shade val="50000"/>
+              </a:schemeClr>
+            </a:lnRef>
+            <a:fillRef idx="1">
+              <a:schemeClr val="accent1"/>
+            </a:fillRef>
+            <a:effectRef idx="0">
+              <a:schemeClr val="accent1"/>
+            </a:effectRef>
+            <a:fontRef idx="minor">
+              <a:schemeClr val="lt1"/>
+            </a:fontRef>
+          </p:style>
+          <p:txBody>
+            <a:bodyPr rtlCol="0" anchor="ctr"/>
+            <a:lstStyle/>
+            <a:p>
+              <a:pPr algn="ctr"/>
+              <a:endParaRPr lang="en-US"/>
+            </a:p>
+          </p:txBody>
+        </p:sp>
+        <p:sp>
+          <p:nvSpPr>
+            <p:cNvPr id="283" name="Pentagon 282">
+              <a:extLst>
+                <a:ext uri="{FF2B5EF4-FFF2-40B4-BE49-F238E27FC236}">
+                  <a16:creationId xmlns:a16="http://schemas.microsoft.com/office/drawing/2014/main" id="{BCEFFDD7-65BF-458E-A979-6C1DF55BCB0E}"/>
+                </a:ext>
+              </a:extLst>
+            </p:cNvPr>
+            <p:cNvSpPr/>
+            <p:nvPr/>
+          </p:nvSpPr>
+          <p:spPr>
+            <a:xfrm>
+              <a:off x="2189074" y="8334681"/>
+              <a:ext cx="259459" cy="259460"/>
+            </a:xfrm>
+            <a:prstGeom prst="pentagon">
+              <a:avLst/>
+            </a:prstGeom>
+            <a:solidFill>
+              <a:srgbClr val="60C495"/>
+            </a:solidFill>
+            <a:ln>
+              <a:solidFill>
+                <a:srgbClr val="60C495"/>
+              </a:solidFill>
+            </a:ln>
+          </p:spPr>
+          <p:style>
+            <a:lnRef idx="2">
+              <a:schemeClr val="accent1">
+                <a:shade val="50000"/>
+              </a:schemeClr>
+            </a:lnRef>
+            <a:fillRef idx="1">
+              <a:schemeClr val="accent1"/>
+            </a:fillRef>
+            <a:effectRef idx="0">
+              <a:schemeClr val="accent1"/>
+            </a:effectRef>
+            <a:fontRef idx="minor">
+              <a:schemeClr val="lt1"/>
+            </a:fontRef>
+          </p:style>
+          <p:txBody>
+            <a:bodyPr rtlCol="0" anchor="ctr"/>
+            <a:lstStyle/>
+            <a:p>
+              <a:pPr algn="ctr"/>
+              <a:endParaRPr lang="en-US"/>
+            </a:p>
+          </p:txBody>
+        </p:sp>
+        <p:sp>
+          <p:nvSpPr>
+            <p:cNvPr id="284" name="Pentagon 283">
+              <a:extLst>
+                <a:ext uri="{FF2B5EF4-FFF2-40B4-BE49-F238E27FC236}">
+                  <a16:creationId xmlns:a16="http://schemas.microsoft.com/office/drawing/2014/main" id="{F81A5313-63CF-4EA4-8E2A-DCCF91DEF996}"/>
+                </a:ext>
+              </a:extLst>
+            </p:cNvPr>
+            <p:cNvSpPr/>
+            <p:nvPr/>
+          </p:nvSpPr>
+          <p:spPr>
+            <a:xfrm rot="2125229">
+              <a:off x="2499711" y="8464411"/>
+              <a:ext cx="259459" cy="259460"/>
+            </a:xfrm>
+            <a:prstGeom prst="pentagon">
+              <a:avLst/>
+            </a:prstGeom>
+            <a:solidFill>
+              <a:srgbClr val="60C495"/>
+            </a:solidFill>
+            <a:ln>
+              <a:solidFill>
+                <a:srgbClr val="60C495"/>
+              </a:solidFill>
+            </a:ln>
+          </p:spPr>
+          <p:style>
+            <a:lnRef idx="2">
+              <a:schemeClr val="accent1">
+                <a:shade val="50000"/>
+              </a:schemeClr>
+            </a:lnRef>
+            <a:fillRef idx="1">
+              <a:schemeClr val="accent1"/>
+            </a:fillRef>
+            <a:effectRef idx="0">
+              <a:schemeClr val="accent1"/>
+            </a:effectRef>
+            <a:fontRef idx="minor">
+              <a:schemeClr val="lt1"/>
+            </a:fontRef>
+          </p:style>
+          <p:txBody>
+            <a:bodyPr rtlCol="0" anchor="ctr"/>
+            <a:lstStyle/>
+            <a:p>
+              <a:pPr algn="ctr"/>
+              <a:endParaRPr lang="en-US"/>
+            </a:p>
+          </p:txBody>
+        </p:sp>
+        <p:sp>
+          <p:nvSpPr>
+            <p:cNvPr id="285" name="Pentagon 284">
+              <a:extLst>
+                <a:ext uri="{FF2B5EF4-FFF2-40B4-BE49-F238E27FC236}">
+                  <a16:creationId xmlns:a16="http://schemas.microsoft.com/office/drawing/2014/main" id="{29B0A0C7-A5D4-4AE4-A8CE-02D1027820BC}"/>
+                </a:ext>
+              </a:extLst>
+            </p:cNvPr>
+            <p:cNvSpPr/>
+            <p:nvPr/>
+          </p:nvSpPr>
+          <p:spPr>
+            <a:xfrm>
+              <a:off x="2810349" y="8413233"/>
+              <a:ext cx="259459" cy="259460"/>
+            </a:xfrm>
+            <a:prstGeom prst="pentagon">
+              <a:avLst/>
+            </a:prstGeom>
+            <a:solidFill>
+              <a:srgbClr val="60C495"/>
+            </a:solidFill>
+            <a:ln>
+              <a:solidFill>
+                <a:srgbClr val="60C495"/>
+              </a:solidFill>
+            </a:ln>
+          </p:spPr>
+          <p:style>
+            <a:lnRef idx="2">
+              <a:schemeClr val="accent1">
+                <a:shade val="50000"/>
+              </a:schemeClr>
+            </a:lnRef>
+            <a:fillRef idx="1">
+              <a:schemeClr val="accent1"/>
+            </a:fillRef>
+            <a:effectRef idx="0">
+              <a:schemeClr val="accent1"/>
+            </a:effectRef>
+            <a:fontRef idx="minor">
+              <a:schemeClr val="lt1"/>
+            </a:fontRef>
+          </p:style>
+          <p:txBody>
+            <a:bodyPr rtlCol="0" anchor="ctr"/>
+            <a:lstStyle/>
+            <a:p>
+              <a:pPr algn="ctr"/>
+              <a:endParaRPr lang="en-US"/>
+            </a:p>
+          </p:txBody>
+        </p:sp>
+        <p:sp>
+          <p:nvSpPr>
+            <p:cNvPr id="286" name="Pentagon 285">
+              <a:extLst>
+                <a:ext uri="{FF2B5EF4-FFF2-40B4-BE49-F238E27FC236}">
+                  <a16:creationId xmlns:a16="http://schemas.microsoft.com/office/drawing/2014/main" id="{D9BA3CBA-245C-42AB-9C6A-3F5AC955EBB2}"/>
+                </a:ext>
+              </a:extLst>
+            </p:cNvPr>
+            <p:cNvSpPr/>
+            <p:nvPr/>
+          </p:nvSpPr>
+          <p:spPr>
+            <a:xfrm rot="2125229">
+              <a:off x="3120986" y="8542963"/>
+              <a:ext cx="259459" cy="259460"/>
+            </a:xfrm>
+            <a:prstGeom prst="pentagon">
+              <a:avLst/>
+            </a:prstGeom>
+            <a:solidFill>
+              <a:srgbClr val="60C495"/>
+            </a:solidFill>
+            <a:ln>
+              <a:solidFill>
+                <a:srgbClr val="60C495"/>
+              </a:solidFill>
+            </a:ln>
+          </p:spPr>
+          <p:style>
+            <a:lnRef idx="2">
+              <a:schemeClr val="accent1">
+                <a:shade val="50000"/>
+              </a:schemeClr>
+            </a:lnRef>
+            <a:fillRef idx="1">
+              <a:schemeClr val="accent1"/>
+            </a:fillRef>
+            <a:effectRef idx="0">
+              <a:schemeClr val="accent1"/>
+            </a:effectRef>
+            <a:fontRef idx="minor">
+              <a:schemeClr val="lt1"/>
+            </a:fontRef>
+          </p:style>
+          <p:txBody>
+            <a:bodyPr rtlCol="0" anchor="ctr"/>
+            <a:lstStyle/>
+            <a:p>
+              <a:pPr algn="ctr"/>
+              <a:endParaRPr lang="en-US"/>
+            </a:p>
+          </p:txBody>
+        </p:sp>
+        <p:sp>
+          <p:nvSpPr>
+            <p:cNvPr id="287" name="Pentagon 286">
+              <a:extLst>
+                <a:ext uri="{FF2B5EF4-FFF2-40B4-BE49-F238E27FC236}">
+                  <a16:creationId xmlns:a16="http://schemas.microsoft.com/office/drawing/2014/main" id="{9AAF6580-2575-432A-99C4-BCBAFD13B87D}"/>
+                </a:ext>
+              </a:extLst>
+            </p:cNvPr>
+            <p:cNvSpPr/>
+            <p:nvPr/>
+          </p:nvSpPr>
+          <p:spPr>
+            <a:xfrm>
+              <a:off x="3431623" y="8431089"/>
+              <a:ext cx="259459" cy="259460"/>
+            </a:xfrm>
+            <a:prstGeom prst="pentagon">
+              <a:avLst/>
+            </a:prstGeom>
+            <a:solidFill>
+              <a:srgbClr val="60C495"/>
+            </a:solidFill>
+            <a:ln>
+              <a:solidFill>
+                <a:srgbClr val="60C495"/>
+              </a:solidFill>
+            </a:ln>
+          </p:spPr>
+          <p:style>
+            <a:lnRef idx="2">
+              <a:schemeClr val="accent1">
+                <a:shade val="50000"/>
+              </a:schemeClr>
+            </a:lnRef>
+            <a:fillRef idx="1">
+              <a:schemeClr val="accent1"/>
+            </a:fillRef>
+            <a:effectRef idx="0">
+              <a:schemeClr val="accent1"/>
+            </a:effectRef>
+            <a:fontRef idx="minor">
+              <a:schemeClr val="lt1"/>
+            </a:fontRef>
+          </p:style>
+          <p:txBody>
+            <a:bodyPr rtlCol="0" anchor="ctr"/>
+            <a:lstStyle/>
+            <a:p>
+              <a:pPr algn="ctr"/>
+              <a:endParaRPr lang="en-US"/>
+            </a:p>
+          </p:txBody>
+        </p:sp>
+        <p:sp>
+          <p:nvSpPr>
+            <p:cNvPr id="288" name="Pentagon 287">
+              <a:extLst>
+                <a:ext uri="{FF2B5EF4-FFF2-40B4-BE49-F238E27FC236}">
+                  <a16:creationId xmlns:a16="http://schemas.microsoft.com/office/drawing/2014/main" id="{706613F3-AE6C-4134-AC9B-965AF95BF804}"/>
+                </a:ext>
+              </a:extLst>
+            </p:cNvPr>
+            <p:cNvSpPr/>
+            <p:nvPr/>
+          </p:nvSpPr>
+          <p:spPr>
+            <a:xfrm rot="2125229">
+              <a:off x="3742261" y="8560820"/>
+              <a:ext cx="259459" cy="259460"/>
+            </a:xfrm>
+            <a:prstGeom prst="pentagon">
+              <a:avLst/>
+            </a:prstGeom>
+            <a:solidFill>
+              <a:srgbClr val="60C495"/>
+            </a:solidFill>
+            <a:ln>
+              <a:solidFill>
+                <a:srgbClr val="60C495"/>
+              </a:solidFill>
+            </a:ln>
+          </p:spPr>
+          <p:style>
+            <a:lnRef idx="2">
+              <a:schemeClr val="accent1">
+                <a:shade val="50000"/>
+              </a:schemeClr>
+            </a:lnRef>
+            <a:fillRef idx="1">
+              <a:schemeClr val="accent1"/>
+            </a:fillRef>
+            <a:effectRef idx="0">
+              <a:schemeClr val="accent1"/>
+            </a:effectRef>
+            <a:fontRef idx="minor">
+              <a:schemeClr val="lt1"/>
+            </a:fontRef>
+          </p:style>
+          <p:txBody>
+            <a:bodyPr rtlCol="0" anchor="ctr"/>
+            <a:lstStyle/>
+            <a:p>
+              <a:pPr algn="ctr"/>
+              <a:endParaRPr lang="en-US"/>
+            </a:p>
+          </p:txBody>
+        </p:sp>
+        <p:sp>
+          <p:nvSpPr>
+            <p:cNvPr id="289" name="Pentagon 288">
+              <a:extLst>
+                <a:ext uri="{FF2B5EF4-FFF2-40B4-BE49-F238E27FC236}">
+                  <a16:creationId xmlns:a16="http://schemas.microsoft.com/office/drawing/2014/main" id="{21A4DCE5-6742-4455-BC22-E00615C32213}"/>
+                </a:ext>
+              </a:extLst>
+            </p:cNvPr>
+            <p:cNvSpPr/>
+            <p:nvPr/>
+          </p:nvSpPr>
+          <p:spPr>
+            <a:xfrm>
+              <a:off x="4043760" y="8393786"/>
+              <a:ext cx="259459" cy="259460"/>
+            </a:xfrm>
+            <a:prstGeom prst="pentagon">
+              <a:avLst/>
+            </a:prstGeom>
+            <a:solidFill>
+              <a:srgbClr val="60C495"/>
+            </a:solidFill>
+            <a:ln>
+              <a:solidFill>
+                <a:srgbClr val="60C495"/>
+              </a:solidFill>
+            </a:ln>
+          </p:spPr>
+          <p:style>
+            <a:lnRef idx="2">
+              <a:schemeClr val="accent1">
+                <a:shade val="50000"/>
+              </a:schemeClr>
+            </a:lnRef>
+            <a:fillRef idx="1">
+              <a:schemeClr val="accent1"/>
+            </a:fillRef>
+            <a:effectRef idx="0">
+              <a:schemeClr val="accent1"/>
+            </a:effectRef>
+            <a:fontRef idx="minor">
+              <a:schemeClr val="lt1"/>
+            </a:fontRef>
+          </p:style>
+          <p:txBody>
+            <a:bodyPr rtlCol="0" anchor="ctr"/>
+            <a:lstStyle/>
+            <a:p>
+              <a:pPr algn="ctr"/>
+              <a:endParaRPr lang="en-US"/>
+            </a:p>
+          </p:txBody>
+        </p:sp>
+        <p:sp>
+          <p:nvSpPr>
+            <p:cNvPr id="290" name="Pentagon 289">
+              <a:extLst>
+                <a:ext uri="{FF2B5EF4-FFF2-40B4-BE49-F238E27FC236}">
+                  <a16:creationId xmlns:a16="http://schemas.microsoft.com/office/drawing/2014/main" id="{A8CC4640-5C38-4722-979E-C6AC41F645B4}"/>
+                </a:ext>
+              </a:extLst>
+            </p:cNvPr>
+            <p:cNvSpPr/>
+            <p:nvPr/>
+          </p:nvSpPr>
+          <p:spPr>
+            <a:xfrm rot="2125229">
+              <a:off x="4354398" y="8523516"/>
+              <a:ext cx="259459" cy="259460"/>
+            </a:xfrm>
+            <a:prstGeom prst="pentagon">
+              <a:avLst/>
+            </a:prstGeom>
+            <a:solidFill>
+              <a:srgbClr val="60C495"/>
+            </a:solidFill>
+            <a:ln>
+              <a:solidFill>
+                <a:srgbClr val="60C495"/>
+              </a:solidFill>
+            </a:ln>
+          </p:spPr>
+          <p:style>
+            <a:lnRef idx="2">
+              <a:schemeClr val="accent1">
+                <a:shade val="50000"/>
+              </a:schemeClr>
+            </a:lnRef>
+            <a:fillRef idx="1">
+              <a:schemeClr val="accent1"/>
+            </a:fillRef>
+            <a:effectRef idx="0">
+              <a:schemeClr val="accent1"/>
+            </a:effectRef>
+            <a:fontRef idx="minor">
+              <a:schemeClr val="lt1"/>
+            </a:fontRef>
+          </p:style>
+          <p:txBody>
+            <a:bodyPr rtlCol="0" anchor="ctr"/>
+            <a:lstStyle/>
+            <a:p>
+              <a:pPr algn="ctr"/>
+              <a:endParaRPr lang="en-US"/>
+            </a:p>
+          </p:txBody>
+        </p:sp>
+        <p:sp>
+          <p:nvSpPr>
+            <p:cNvPr id="291" name="Pentagon 290">
+              <a:extLst>
+                <a:ext uri="{FF2B5EF4-FFF2-40B4-BE49-F238E27FC236}">
+                  <a16:creationId xmlns:a16="http://schemas.microsoft.com/office/drawing/2014/main" id="{0C4464CB-4B2D-4B85-B1D1-682EEF350DDF}"/>
+                </a:ext>
+              </a:extLst>
+            </p:cNvPr>
+            <p:cNvSpPr/>
+            <p:nvPr/>
+          </p:nvSpPr>
+          <p:spPr>
+            <a:xfrm>
+              <a:off x="4608214" y="8359360"/>
+              <a:ext cx="259459" cy="259460"/>
+            </a:xfrm>
+            <a:prstGeom prst="pentagon">
+              <a:avLst/>
+            </a:prstGeom>
+            <a:solidFill>
+              <a:srgbClr val="60C495"/>
+            </a:solidFill>
+            <a:ln>
+              <a:solidFill>
+                <a:srgbClr val="60C495"/>
+              </a:solidFill>
+            </a:ln>
+          </p:spPr>
+          <p:style>
+            <a:lnRef idx="2">
+              <a:schemeClr val="accent1">
+                <a:shade val="50000"/>
+              </a:schemeClr>
+            </a:lnRef>
+            <a:fillRef idx="1">
+              <a:schemeClr val="accent1"/>
+            </a:fillRef>
+            <a:effectRef idx="0">
+              <a:schemeClr val="accent1"/>
+            </a:effectRef>
+            <a:fontRef idx="minor">
+              <a:schemeClr val="lt1"/>
+            </a:fontRef>
+          </p:style>
+          <p:txBody>
+            <a:bodyPr rtlCol="0" anchor="ctr"/>
+            <a:lstStyle/>
+            <a:p>
+              <a:pPr algn="ctr"/>
+              <a:endParaRPr lang="en-US"/>
+            </a:p>
+          </p:txBody>
+        </p:sp>
+        <p:sp>
+          <p:nvSpPr>
+            <p:cNvPr id="292" name="Pentagon 291">
+              <a:extLst>
+                <a:ext uri="{FF2B5EF4-FFF2-40B4-BE49-F238E27FC236}">
+                  <a16:creationId xmlns:a16="http://schemas.microsoft.com/office/drawing/2014/main" id="{5BFB0832-C2DE-4CE6-94BF-568A4A203ACC}"/>
+                </a:ext>
+              </a:extLst>
+            </p:cNvPr>
+            <p:cNvSpPr/>
+            <p:nvPr/>
+          </p:nvSpPr>
+          <p:spPr>
+            <a:xfrm rot="2125229">
+              <a:off x="4918852" y="8489090"/>
+              <a:ext cx="259459" cy="259460"/>
+            </a:xfrm>
+            <a:prstGeom prst="pentagon">
+              <a:avLst/>
+            </a:prstGeom>
+            <a:solidFill>
+              <a:srgbClr val="60C495"/>
+            </a:solidFill>
+            <a:ln>
+              <a:solidFill>
+                <a:srgbClr val="60C495"/>
+              </a:solidFill>
+            </a:ln>
+          </p:spPr>
+          <p:style>
+            <a:lnRef idx="2">
+              <a:schemeClr val="accent1">
+                <a:shade val="50000"/>
+              </a:schemeClr>
+            </a:lnRef>
+            <a:fillRef idx="1">
+              <a:schemeClr val="accent1"/>
+            </a:fillRef>
+            <a:effectRef idx="0">
+              <a:schemeClr val="accent1"/>
+            </a:effectRef>
+            <a:fontRef idx="minor">
+              <a:schemeClr val="lt1"/>
+            </a:fontRef>
+          </p:style>
+          <p:txBody>
+            <a:bodyPr rtlCol="0" anchor="ctr"/>
+            <a:lstStyle/>
+            <a:p>
+              <a:pPr algn="ctr"/>
+              <a:endParaRPr lang="en-US"/>
+            </a:p>
+          </p:txBody>
+        </p:sp>
+      </p:grpSp>
     </p:spTree>
     <p:extLst>
       <p:ext uri="{BB962C8B-B14F-4D97-AF65-F5344CB8AC3E}">
